--- a/source/figures/Figs_Artwork_2023-02-09.pptx
+++ b/source/figures/Figs_Artwork_2023-02-09.pptx
@@ -210,7 +210,7 @@
           <a:p>
             <a:fld id="{417EA9ED-6453-884B-961A-08945DD77513}" type="datetimeFigureOut">
               <a:rPr lang="en-GB" smtClean="0"/>
-              <a:t>09/02/2023</a:t>
+              <a:t>16/02/2023</a:t>
             </a:fld>
             <a:endParaRPr lang="en-GB"/>
           </a:p>
@@ -4727,7 +4727,7 @@
           <a:p>
             <a:fld id="{EAB2B32C-6456-694A-B1E0-FE9645974ECB}" type="datetimeFigureOut">
               <a:rPr lang="en-GB" smtClean="0"/>
-              <a:t>09/02/2023</a:t>
+              <a:t>16/02/2023</a:t>
             </a:fld>
             <a:endParaRPr lang="en-GB"/>
           </a:p>
@@ -4925,7 +4925,7 @@
           <a:p>
             <a:fld id="{EAB2B32C-6456-694A-B1E0-FE9645974ECB}" type="datetimeFigureOut">
               <a:rPr lang="en-GB" smtClean="0"/>
-              <a:t>09/02/2023</a:t>
+              <a:t>16/02/2023</a:t>
             </a:fld>
             <a:endParaRPr lang="en-GB"/>
           </a:p>
@@ -5133,7 +5133,7 @@
           <a:p>
             <a:fld id="{EAB2B32C-6456-694A-B1E0-FE9645974ECB}" type="datetimeFigureOut">
               <a:rPr lang="en-GB" smtClean="0"/>
-              <a:t>09/02/2023</a:t>
+              <a:t>16/02/2023</a:t>
             </a:fld>
             <a:endParaRPr lang="en-GB"/>
           </a:p>
@@ -5331,7 +5331,7 @@
           <a:p>
             <a:fld id="{EAB2B32C-6456-694A-B1E0-FE9645974ECB}" type="datetimeFigureOut">
               <a:rPr lang="en-GB" smtClean="0"/>
-              <a:t>09/02/2023</a:t>
+              <a:t>16/02/2023</a:t>
             </a:fld>
             <a:endParaRPr lang="en-GB"/>
           </a:p>
@@ -5606,7 +5606,7 @@
           <a:p>
             <a:fld id="{EAB2B32C-6456-694A-B1E0-FE9645974ECB}" type="datetimeFigureOut">
               <a:rPr lang="en-GB" smtClean="0"/>
-              <a:t>09/02/2023</a:t>
+              <a:t>16/02/2023</a:t>
             </a:fld>
             <a:endParaRPr lang="en-GB"/>
           </a:p>
@@ -5871,7 +5871,7 @@
           <a:p>
             <a:fld id="{EAB2B32C-6456-694A-B1E0-FE9645974ECB}" type="datetimeFigureOut">
               <a:rPr lang="en-GB" smtClean="0"/>
-              <a:t>09/02/2023</a:t>
+              <a:t>16/02/2023</a:t>
             </a:fld>
             <a:endParaRPr lang="en-GB"/>
           </a:p>
@@ -6283,7 +6283,7 @@
           <a:p>
             <a:fld id="{EAB2B32C-6456-694A-B1E0-FE9645974ECB}" type="datetimeFigureOut">
               <a:rPr lang="en-GB" smtClean="0"/>
-              <a:t>09/02/2023</a:t>
+              <a:t>16/02/2023</a:t>
             </a:fld>
             <a:endParaRPr lang="en-GB"/>
           </a:p>
@@ -6424,7 +6424,7 @@
           <a:p>
             <a:fld id="{EAB2B32C-6456-694A-B1E0-FE9645974ECB}" type="datetimeFigureOut">
               <a:rPr lang="en-GB" smtClean="0"/>
-              <a:t>09/02/2023</a:t>
+              <a:t>16/02/2023</a:t>
             </a:fld>
             <a:endParaRPr lang="en-GB"/>
           </a:p>
@@ -6537,7 +6537,7 @@
           <a:p>
             <a:fld id="{EAB2B32C-6456-694A-B1E0-FE9645974ECB}" type="datetimeFigureOut">
               <a:rPr lang="en-GB" smtClean="0"/>
-              <a:t>09/02/2023</a:t>
+              <a:t>16/02/2023</a:t>
             </a:fld>
             <a:endParaRPr lang="en-GB"/>
           </a:p>
@@ -6848,7 +6848,7 @@
           <a:p>
             <a:fld id="{EAB2B32C-6456-694A-B1E0-FE9645974ECB}" type="datetimeFigureOut">
               <a:rPr lang="en-GB" smtClean="0"/>
-              <a:t>09/02/2023</a:t>
+              <a:t>16/02/2023</a:t>
             </a:fld>
             <a:endParaRPr lang="en-GB"/>
           </a:p>
@@ -7136,7 +7136,7 @@
           <a:p>
             <a:fld id="{EAB2B32C-6456-694A-B1E0-FE9645974ECB}" type="datetimeFigureOut">
               <a:rPr lang="en-GB" smtClean="0"/>
-              <a:t>09/02/2023</a:t>
+              <a:t>16/02/2023</a:t>
             </a:fld>
             <a:endParaRPr lang="en-GB"/>
           </a:p>
@@ -7377,7 +7377,7 @@
           <a:p>
             <a:fld id="{EAB2B32C-6456-694A-B1E0-FE9645974ECB}" type="datetimeFigureOut">
               <a:rPr lang="en-GB" smtClean="0"/>
-              <a:t>09/02/2023</a:t>
+              <a:t>16/02/2023</a:t>
             </a:fld>
             <a:endParaRPr lang="en-GB"/>
           </a:p>
@@ -28025,12 +28025,1618 @@
           </a:p>
         </p:txBody>
       </p:sp>
+      <p:sp>
+        <p:nvSpPr>
+          <p:cNvPr id="2" name="Rectangle 1">
+            <a:extLst>
+              <a:ext uri="{FF2B5EF4-FFF2-40B4-BE49-F238E27FC236}">
+                <a16:creationId xmlns:a16="http://schemas.microsoft.com/office/drawing/2014/main" id="{6209F897-62F8-191C-CB4F-EB5F1606F3D0}"/>
+              </a:ext>
+            </a:extLst>
+          </p:cNvPr>
+          <p:cNvSpPr/>
+          <p:nvPr/>
+        </p:nvSpPr>
+        <p:spPr>
+          <a:xfrm>
+            <a:off x="2309146" y="3453977"/>
+            <a:ext cx="1146341" cy="735807"/>
+          </a:xfrm>
+          <a:prstGeom prst="rect">
+            <a:avLst/>
+          </a:prstGeom>
+          <a:solidFill>
+            <a:schemeClr val="bg2">
+              <a:lumMod val="90000"/>
+            </a:schemeClr>
+          </a:solidFill>
+          <a:ln w="19050">
+            <a:solidFill>
+              <a:schemeClr val="tx1"/>
+            </a:solidFill>
+          </a:ln>
+        </p:spPr>
+        <p:style>
+          <a:lnRef idx="2">
+            <a:schemeClr val="accent1">
+              <a:shade val="50000"/>
+            </a:schemeClr>
+          </a:lnRef>
+          <a:fillRef idx="1">
+            <a:schemeClr val="accent1"/>
+          </a:fillRef>
+          <a:effectRef idx="0">
+            <a:schemeClr val="accent1"/>
+          </a:effectRef>
+          <a:fontRef idx="minor">
+            <a:schemeClr val="lt1"/>
+          </a:fontRef>
+        </p:style>
+        <p:txBody>
+          <a:bodyPr rot="0" spcFirstLastPara="0" vertOverflow="overflow" horzOverflow="overflow" vert="horz" wrap="square" lIns="68580" tIns="34291" rIns="68580" bIns="34291" numCol="1" spcCol="0" rtlCol="0" fromWordArt="0" anchor="ctr" anchorCtr="0" forceAA="0" compatLnSpc="1">
+            <a:prstTxWarp prst="textNoShape">
+              <a:avLst/>
+            </a:prstTxWarp>
+            <a:noAutofit/>
+          </a:bodyPr>
+          <a:lstStyle/>
+          <a:p>
+            <a:pPr algn="ctr"/>
+            <a:endParaRPr lang="en-GB" sz="1050"/>
+          </a:p>
+        </p:txBody>
+      </p:sp>
+      <p:sp>
+        <p:nvSpPr>
+          <p:cNvPr id="3" name="Rectangle 2">
+            <a:extLst>
+              <a:ext uri="{FF2B5EF4-FFF2-40B4-BE49-F238E27FC236}">
+                <a16:creationId xmlns:a16="http://schemas.microsoft.com/office/drawing/2014/main" id="{4B0CAAEE-C780-C37B-F751-01E9F323D3C8}"/>
+              </a:ext>
+            </a:extLst>
+          </p:cNvPr>
+          <p:cNvSpPr/>
+          <p:nvPr/>
+        </p:nvSpPr>
+        <p:spPr>
+          <a:xfrm>
+            <a:off x="3846201" y="3449073"/>
+            <a:ext cx="1559043" cy="735807"/>
+          </a:xfrm>
+          <a:prstGeom prst="rect">
+            <a:avLst/>
+          </a:prstGeom>
+          <a:solidFill>
+            <a:schemeClr val="bg2">
+              <a:lumMod val="90000"/>
+            </a:schemeClr>
+          </a:solidFill>
+          <a:ln w="19050">
+            <a:solidFill>
+              <a:schemeClr val="tx1"/>
+            </a:solidFill>
+          </a:ln>
+        </p:spPr>
+        <p:style>
+          <a:lnRef idx="2">
+            <a:schemeClr val="accent1">
+              <a:shade val="50000"/>
+            </a:schemeClr>
+          </a:lnRef>
+          <a:fillRef idx="1">
+            <a:schemeClr val="accent1"/>
+          </a:fillRef>
+          <a:effectRef idx="0">
+            <a:schemeClr val="accent1"/>
+          </a:effectRef>
+          <a:fontRef idx="minor">
+            <a:schemeClr val="lt1"/>
+          </a:fontRef>
+        </p:style>
+        <p:txBody>
+          <a:bodyPr rot="0" spcFirstLastPara="0" vertOverflow="overflow" horzOverflow="overflow" vert="horz" wrap="square" lIns="68580" tIns="34291" rIns="68580" bIns="34291" numCol="1" spcCol="0" rtlCol="0" fromWordArt="0" anchor="ctr" anchorCtr="0" forceAA="0" compatLnSpc="1">
+            <a:prstTxWarp prst="textNoShape">
+              <a:avLst/>
+            </a:prstTxWarp>
+            <a:noAutofit/>
+          </a:bodyPr>
+          <a:lstStyle/>
+          <a:p>
+            <a:pPr algn="ctr"/>
+            <a:endParaRPr lang="en-GB" sz="1050"/>
+          </a:p>
+        </p:txBody>
+      </p:sp>
+      <p:sp>
+        <p:nvSpPr>
+          <p:cNvPr id="5" name="Folded Corner 20">
+            <a:extLst>
+              <a:ext uri="{FF2B5EF4-FFF2-40B4-BE49-F238E27FC236}">
+                <a16:creationId xmlns:a16="http://schemas.microsoft.com/office/drawing/2014/main" id="{15D27666-97CA-19C7-9C89-495B31AD1D76}"/>
+              </a:ext>
+            </a:extLst>
+          </p:cNvPr>
+          <p:cNvSpPr/>
+          <p:nvPr/>
+        </p:nvSpPr>
+        <p:spPr>
+          <a:xfrm rot="16200000">
+            <a:off x="3121176" y="3969521"/>
+            <a:ext cx="522148" cy="1216257"/>
+          </a:xfrm>
+          <a:prstGeom prst="foldedCorner">
+            <a:avLst>
+              <a:gd name="adj" fmla="val 40193"/>
+            </a:avLst>
+          </a:prstGeom>
+          <a:solidFill>
+            <a:schemeClr val="bg1"/>
+          </a:solidFill>
+          <a:ln w="19050">
+            <a:solidFill>
+              <a:schemeClr val="tx1"/>
+            </a:solidFill>
+          </a:ln>
+        </p:spPr>
+        <p:style>
+          <a:lnRef idx="2">
+            <a:schemeClr val="accent1">
+              <a:shade val="50000"/>
+            </a:schemeClr>
+          </a:lnRef>
+          <a:fillRef idx="1">
+            <a:schemeClr val="accent1"/>
+          </a:fillRef>
+          <a:effectRef idx="0">
+            <a:schemeClr val="accent1"/>
+          </a:effectRef>
+          <a:fontRef idx="minor">
+            <a:schemeClr val="lt1"/>
+          </a:fontRef>
+        </p:style>
+        <p:txBody>
+          <a:bodyPr rot="0" spcFirstLastPara="0" vertOverflow="overflow" horzOverflow="overflow" vert="horz" wrap="square" lIns="68580" tIns="34291" rIns="68580" bIns="34291" numCol="1" spcCol="0" rtlCol="0" fromWordArt="0" anchor="ctr" anchorCtr="0" forceAA="0" compatLnSpc="1">
+            <a:prstTxWarp prst="textNoShape">
+              <a:avLst/>
+            </a:prstTxWarp>
+            <a:noAutofit/>
+          </a:bodyPr>
+          <a:lstStyle/>
+          <a:p>
+            <a:pPr algn="ctr"/>
+            <a:endParaRPr lang="en-GB" sz="1050">
+              <a:solidFill>
+                <a:schemeClr val="tx1"/>
+              </a:solidFill>
+            </a:endParaRPr>
+          </a:p>
+        </p:txBody>
+      </p:sp>
+      <p:sp>
+        <p:nvSpPr>
+          <p:cNvPr id="19" name="TextBox 18">
+            <a:extLst>
+              <a:ext uri="{FF2B5EF4-FFF2-40B4-BE49-F238E27FC236}">
+                <a16:creationId xmlns:a16="http://schemas.microsoft.com/office/drawing/2014/main" id="{A9379D5F-65C7-EC89-27DC-BEF32241BE75}"/>
+              </a:ext>
+            </a:extLst>
+          </p:cNvPr>
+          <p:cNvSpPr txBox="1"/>
+          <p:nvPr/>
+        </p:nvSpPr>
+        <p:spPr>
+          <a:xfrm>
+            <a:off x="2563437" y="4336476"/>
+            <a:ext cx="1547476" cy="566309"/>
+          </a:xfrm>
+          <a:prstGeom prst="rect">
+            <a:avLst/>
+          </a:prstGeom>
+          <a:noFill/>
+        </p:spPr>
+        <p:txBody>
+          <a:bodyPr wrap="square" rtlCol="0">
+            <a:spAutoFit/>
+          </a:bodyPr>
+          <a:lstStyle/>
+          <a:p>
+            <a:pPr algn="ctr">
+              <a:lnSpc>
+                <a:spcPts val="1200"/>
+              </a:lnSpc>
+            </a:pPr>
+            <a:r>
+              <a:rPr lang="en-GB" sz="1500" dirty="0"/>
+              <a:t>[AA] EB</a:t>
+            </a:r>
+            <a:br>
+              <a:rPr lang="en-GB" sz="1500" dirty="0"/>
+            </a:br>
+            <a:r>
+              <a:rPr lang="en-GB" sz="1500" dirty="0"/>
+              <a:t>Verification</a:t>
+            </a:r>
+            <a:br>
+              <a:rPr lang="en-GB" sz="1500" dirty="0"/>
+            </a:br>
+            <a:r>
+              <a:rPr lang="en-GB" sz="1500" dirty="0"/>
+              <a:t>Results</a:t>
+            </a:r>
+          </a:p>
+        </p:txBody>
+      </p:sp>
+      <p:sp>
+        <p:nvSpPr>
+          <p:cNvPr id="20" name="TextBox 19">
+            <a:extLst>
+              <a:ext uri="{FF2B5EF4-FFF2-40B4-BE49-F238E27FC236}">
+                <a16:creationId xmlns:a16="http://schemas.microsoft.com/office/drawing/2014/main" id="{4048F800-62CB-46E1-E919-3C68CD975FD6}"/>
+              </a:ext>
+            </a:extLst>
+          </p:cNvPr>
+          <p:cNvSpPr txBox="1"/>
+          <p:nvPr/>
+        </p:nvSpPr>
+        <p:spPr>
+          <a:xfrm>
+            <a:off x="2189343" y="3637352"/>
+            <a:ext cx="1364456" cy="328295"/>
+          </a:xfrm>
+          <a:prstGeom prst="rect">
+            <a:avLst/>
+          </a:prstGeom>
+          <a:noFill/>
+        </p:spPr>
+        <p:txBody>
+          <a:bodyPr wrap="square" lIns="121920" tIns="60960" rIns="121920" bIns="60960" rtlCol="0" anchor="t">
+            <a:spAutoFit/>
+          </a:bodyPr>
+          <a:lstStyle/>
+          <a:p>
+            <a:pPr algn="ctr">
+              <a:lnSpc>
+                <a:spcPts val="1600"/>
+              </a:lnSpc>
+            </a:pPr>
+            <a:r>
+              <a:rPr lang="en-GB" sz="1600" b="1" dirty="0"/>
+              <a:t>13. Verify EB</a:t>
+            </a:r>
+            <a:endParaRPr lang="en-GB" sz="1600" b="1" dirty="0">
+              <a:cs typeface="Arial"/>
+            </a:endParaRPr>
+          </a:p>
+        </p:txBody>
+      </p:sp>
+      <p:sp>
+        <p:nvSpPr>
+          <p:cNvPr id="21" name="TextBox 20">
+            <a:extLst>
+              <a:ext uri="{FF2B5EF4-FFF2-40B4-BE49-F238E27FC236}">
+                <a16:creationId xmlns:a16="http://schemas.microsoft.com/office/drawing/2014/main" id="{6C23C2A4-9A5F-EE49-0CEC-447752A6D51D}"/>
+              </a:ext>
+            </a:extLst>
+          </p:cNvPr>
+          <p:cNvSpPr txBox="1"/>
+          <p:nvPr/>
+        </p:nvSpPr>
+        <p:spPr>
+          <a:xfrm>
+            <a:off x="3764757" y="3543345"/>
+            <a:ext cx="1724426" cy="569643"/>
+          </a:xfrm>
+          <a:prstGeom prst="rect">
+            <a:avLst/>
+          </a:prstGeom>
+          <a:noFill/>
+        </p:spPr>
+        <p:txBody>
+          <a:bodyPr wrap="square" rtlCol="0">
+            <a:spAutoFit/>
+          </a:bodyPr>
+          <a:lstStyle/>
+          <a:p>
+            <a:pPr algn="ctr">
+              <a:lnSpc>
+                <a:spcPts val="1200"/>
+              </a:lnSpc>
+            </a:pPr>
+            <a:r>
+              <a:rPr lang="en-GB" sz="1600" b="1" dirty="0"/>
+              <a:t>14. Instantiate EB Verification Argument Pattern</a:t>
+            </a:r>
+          </a:p>
+        </p:txBody>
+      </p:sp>
+      <p:cxnSp>
+        <p:nvCxnSpPr>
+          <p:cNvPr id="22" name="Straight Connector 21">
+            <a:extLst>
+              <a:ext uri="{FF2B5EF4-FFF2-40B4-BE49-F238E27FC236}">
+                <a16:creationId xmlns:a16="http://schemas.microsoft.com/office/drawing/2014/main" id="{D0C6D518-5BE3-FAC8-7127-281E8BD627DD}"/>
+              </a:ext>
+            </a:extLst>
+          </p:cNvPr>
+          <p:cNvCxnSpPr>
+            <a:cxnSpLocks/>
+          </p:cNvCxnSpPr>
+          <p:nvPr/>
+        </p:nvCxnSpPr>
+        <p:spPr>
+          <a:xfrm>
+            <a:off x="3447737" y="3821881"/>
+            <a:ext cx="407582" cy="4227"/>
+          </a:xfrm>
+          <a:prstGeom prst="line">
+            <a:avLst/>
+          </a:prstGeom>
+          <a:ln w="19050">
+            <a:solidFill>
+              <a:schemeClr val="tx1"/>
+            </a:solidFill>
+            <a:prstDash val="solid"/>
+            <a:headEnd w="lg" len="lg"/>
+            <a:tailEnd type="triangle" w="lg" len="lg"/>
+          </a:ln>
+        </p:spPr>
+        <p:style>
+          <a:lnRef idx="1">
+            <a:schemeClr val="accent1"/>
+          </a:lnRef>
+          <a:fillRef idx="0">
+            <a:schemeClr val="accent1"/>
+          </a:fillRef>
+          <a:effectRef idx="0">
+            <a:schemeClr val="accent1"/>
+          </a:effectRef>
+          <a:fontRef idx="minor">
+            <a:schemeClr val="tx1"/>
+          </a:fontRef>
+        </p:style>
+      </p:cxnSp>
+      <p:sp>
+        <p:nvSpPr>
+          <p:cNvPr id="27" name="Folded Corner 30">
+            <a:extLst>
+              <a:ext uri="{FF2B5EF4-FFF2-40B4-BE49-F238E27FC236}">
+                <a16:creationId xmlns:a16="http://schemas.microsoft.com/office/drawing/2014/main" id="{8E1EA51C-33D5-CEE6-06E1-70E603E7CF53}"/>
+              </a:ext>
+            </a:extLst>
+          </p:cNvPr>
+          <p:cNvSpPr/>
+          <p:nvPr/>
+        </p:nvSpPr>
+        <p:spPr>
+          <a:xfrm rot="16200000">
+            <a:off x="1111552" y="2262167"/>
+            <a:ext cx="698599" cy="1253317"/>
+          </a:xfrm>
+          <a:prstGeom prst="foldedCorner">
+            <a:avLst>
+              <a:gd name="adj" fmla="val 40193"/>
+            </a:avLst>
+          </a:prstGeom>
+          <a:solidFill>
+            <a:schemeClr val="bg1"/>
+          </a:solidFill>
+          <a:ln w="19050">
+            <a:solidFill>
+              <a:schemeClr val="tx1"/>
+            </a:solidFill>
+          </a:ln>
+        </p:spPr>
+        <p:style>
+          <a:lnRef idx="2">
+            <a:schemeClr val="accent1">
+              <a:shade val="50000"/>
+            </a:schemeClr>
+          </a:lnRef>
+          <a:fillRef idx="1">
+            <a:schemeClr val="accent1"/>
+          </a:fillRef>
+          <a:effectRef idx="0">
+            <a:schemeClr val="accent1"/>
+          </a:effectRef>
+          <a:fontRef idx="minor">
+            <a:schemeClr val="lt1"/>
+          </a:fontRef>
+        </p:style>
+        <p:txBody>
+          <a:bodyPr rot="0" spcFirstLastPara="0" vertOverflow="overflow" horzOverflow="overflow" vert="horz" wrap="square" lIns="68580" tIns="34291" rIns="68580" bIns="34291" numCol="1" spcCol="0" rtlCol="0" fromWordArt="0" anchor="ctr" anchorCtr="0" forceAA="0" compatLnSpc="1">
+            <a:prstTxWarp prst="textNoShape">
+              <a:avLst/>
+            </a:prstTxWarp>
+            <a:noAutofit/>
+          </a:bodyPr>
+          <a:lstStyle/>
+          <a:p>
+            <a:pPr algn="ctr"/>
+            <a:endParaRPr lang="en-GB" sz="1050">
+              <a:solidFill>
+                <a:schemeClr val="tx1"/>
+              </a:solidFill>
+            </a:endParaRPr>
+          </a:p>
+        </p:txBody>
+      </p:sp>
+      <p:sp>
+        <p:nvSpPr>
+          <p:cNvPr id="28" name="TextBox 27">
+            <a:extLst>
+              <a:ext uri="{FF2B5EF4-FFF2-40B4-BE49-F238E27FC236}">
+                <a16:creationId xmlns:a16="http://schemas.microsoft.com/office/drawing/2014/main" id="{DDFCB476-FCE5-49DB-77ED-8899E9017DD4}"/>
+              </a:ext>
+            </a:extLst>
+          </p:cNvPr>
+          <p:cNvSpPr txBox="1"/>
+          <p:nvPr/>
+        </p:nvSpPr>
+        <p:spPr>
+          <a:xfrm>
+            <a:off x="603111" y="2648446"/>
+            <a:ext cx="1656583" cy="600421"/>
+          </a:xfrm>
+          <a:prstGeom prst="rect">
+            <a:avLst/>
+          </a:prstGeom>
+          <a:noFill/>
+        </p:spPr>
+        <p:txBody>
+          <a:bodyPr wrap="square" lIns="121920" tIns="60960" rIns="121920" bIns="60960" rtlCol="0" anchor="t">
+            <a:spAutoFit/>
+          </a:bodyPr>
+          <a:lstStyle/>
+          <a:p>
+            <a:pPr algn="ctr">
+              <a:lnSpc>
+                <a:spcPts val="1200"/>
+              </a:lnSpc>
+            </a:pPr>
+            <a:r>
+              <a:rPr lang="en-GB" sz="1500" dirty="0"/>
+              <a:t>[P] Verification Scenarios (Test Generation)</a:t>
+            </a:r>
+            <a:endParaRPr lang="en-GB" sz="1500" dirty="0">
+              <a:cs typeface="Arial"/>
+            </a:endParaRPr>
+          </a:p>
+        </p:txBody>
+      </p:sp>
+      <p:cxnSp>
+        <p:nvCxnSpPr>
+          <p:cNvPr id="31" name="Straight Connector 30">
+            <a:extLst>
+              <a:ext uri="{FF2B5EF4-FFF2-40B4-BE49-F238E27FC236}">
+                <a16:creationId xmlns:a16="http://schemas.microsoft.com/office/drawing/2014/main" id="{CD018BA6-44E0-B265-EEF5-441F81FDA871}"/>
+              </a:ext>
+            </a:extLst>
+          </p:cNvPr>
+          <p:cNvCxnSpPr>
+            <a:cxnSpLocks/>
+          </p:cNvCxnSpPr>
+          <p:nvPr/>
+        </p:nvCxnSpPr>
+        <p:spPr>
+          <a:xfrm flipV="1">
+            <a:off x="2402363" y="4190523"/>
+            <a:ext cx="0" cy="944244"/>
+          </a:xfrm>
+          <a:prstGeom prst="line">
+            <a:avLst/>
+          </a:prstGeom>
+          <a:ln w="19050">
+            <a:solidFill>
+              <a:schemeClr val="tx1"/>
+            </a:solidFill>
+            <a:prstDash val="sysDash"/>
+          </a:ln>
+        </p:spPr>
+        <p:style>
+          <a:lnRef idx="1">
+            <a:schemeClr val="accent1"/>
+          </a:lnRef>
+          <a:fillRef idx="0">
+            <a:schemeClr val="accent1"/>
+          </a:fillRef>
+          <a:effectRef idx="0">
+            <a:schemeClr val="accent1"/>
+          </a:effectRef>
+          <a:fontRef idx="minor">
+            <a:schemeClr val="tx1"/>
+          </a:fontRef>
+        </p:style>
+      </p:cxnSp>
+      <p:sp>
+        <p:nvSpPr>
+          <p:cNvPr id="38" name="Folded Corner 56">
+            <a:extLst>
+              <a:ext uri="{FF2B5EF4-FFF2-40B4-BE49-F238E27FC236}">
+                <a16:creationId xmlns:a16="http://schemas.microsoft.com/office/drawing/2014/main" id="{6A7B0E5E-9510-C677-A8DE-DD9998586D9C}"/>
+              </a:ext>
+            </a:extLst>
+          </p:cNvPr>
+          <p:cNvSpPr/>
+          <p:nvPr/>
+        </p:nvSpPr>
+        <p:spPr>
+          <a:xfrm rot="16200000">
+            <a:off x="3270233" y="4405545"/>
+            <a:ext cx="408956" cy="1382585"/>
+          </a:xfrm>
+          <a:prstGeom prst="foldedCorner">
+            <a:avLst>
+              <a:gd name="adj" fmla="val 50000"/>
+            </a:avLst>
+          </a:prstGeom>
+          <a:solidFill>
+            <a:schemeClr val="bg1"/>
+          </a:solidFill>
+          <a:ln w="19050">
+            <a:solidFill>
+              <a:schemeClr val="tx1"/>
+            </a:solidFill>
+          </a:ln>
+        </p:spPr>
+        <p:style>
+          <a:lnRef idx="2">
+            <a:schemeClr val="accent1">
+              <a:shade val="50000"/>
+            </a:schemeClr>
+          </a:lnRef>
+          <a:fillRef idx="1">
+            <a:schemeClr val="accent1"/>
+          </a:fillRef>
+          <a:effectRef idx="0">
+            <a:schemeClr val="accent1"/>
+          </a:effectRef>
+          <a:fontRef idx="minor">
+            <a:schemeClr val="lt1"/>
+          </a:fontRef>
+        </p:style>
+        <p:txBody>
+          <a:bodyPr rot="0" spcFirstLastPara="0" vertOverflow="overflow" horzOverflow="overflow" vert="horz" wrap="square" lIns="68580" tIns="34291" rIns="68580" bIns="34291" numCol="1" spcCol="0" rtlCol="0" fromWordArt="0" anchor="ctr" anchorCtr="0" forceAA="0" compatLnSpc="1">
+            <a:prstTxWarp prst="textNoShape">
+              <a:avLst/>
+            </a:prstTxWarp>
+            <a:noAutofit/>
+          </a:bodyPr>
+          <a:lstStyle/>
+          <a:p>
+            <a:pPr algn="ctr"/>
+            <a:endParaRPr lang="en-GB" sz="1050">
+              <a:solidFill>
+                <a:schemeClr val="tx1"/>
+              </a:solidFill>
+            </a:endParaRPr>
+          </a:p>
+        </p:txBody>
+      </p:sp>
+      <p:sp>
+        <p:nvSpPr>
+          <p:cNvPr id="46" name="TextBox 45">
+            <a:extLst>
+              <a:ext uri="{FF2B5EF4-FFF2-40B4-BE49-F238E27FC236}">
+                <a16:creationId xmlns:a16="http://schemas.microsoft.com/office/drawing/2014/main" id="{2E941137-A048-16C2-4EE9-87326C2F4EAB}"/>
+              </a:ext>
+            </a:extLst>
+          </p:cNvPr>
+          <p:cNvSpPr txBox="1"/>
+          <p:nvPr/>
+        </p:nvSpPr>
+        <p:spPr>
+          <a:xfrm>
+            <a:off x="2730259" y="4935202"/>
+            <a:ext cx="1382583" cy="412421"/>
+          </a:xfrm>
+          <a:prstGeom prst="rect">
+            <a:avLst/>
+          </a:prstGeom>
+          <a:noFill/>
+        </p:spPr>
+        <p:txBody>
+          <a:bodyPr wrap="square" rtlCol="0">
+            <a:spAutoFit/>
+          </a:bodyPr>
+          <a:lstStyle/>
+          <a:p>
+            <a:pPr algn="ctr">
+              <a:lnSpc>
+                <a:spcPts val="1200"/>
+              </a:lnSpc>
+            </a:pPr>
+            <a:r>
+              <a:rPr lang="en-GB" sz="1500" dirty="0"/>
+              <a:t>[BB] Verification Log</a:t>
+            </a:r>
+          </a:p>
+        </p:txBody>
+      </p:sp>
+      <p:cxnSp>
+        <p:nvCxnSpPr>
+          <p:cNvPr id="47" name="Straight Connector 46">
+            <a:extLst>
+              <a:ext uri="{FF2B5EF4-FFF2-40B4-BE49-F238E27FC236}">
+                <a16:creationId xmlns:a16="http://schemas.microsoft.com/office/drawing/2014/main" id="{3EB310D5-6924-B32A-2755-05A3B795970F}"/>
+              </a:ext>
+            </a:extLst>
+          </p:cNvPr>
+          <p:cNvCxnSpPr>
+            <a:cxnSpLocks/>
+          </p:cNvCxnSpPr>
+          <p:nvPr/>
+        </p:nvCxnSpPr>
+        <p:spPr>
+          <a:xfrm>
+            <a:off x="2394162" y="4571651"/>
+            <a:ext cx="389252" cy="0"/>
+          </a:xfrm>
+          <a:prstGeom prst="line">
+            <a:avLst/>
+          </a:prstGeom>
+          <a:ln w="19050">
+            <a:solidFill>
+              <a:schemeClr val="tx1"/>
+            </a:solidFill>
+            <a:prstDash val="sysDash"/>
+            <a:headEnd w="lg" len="lg"/>
+            <a:tailEnd type="triangle" w="lg" len="lg"/>
+          </a:ln>
+        </p:spPr>
+        <p:style>
+          <a:lnRef idx="1">
+            <a:schemeClr val="accent1"/>
+          </a:lnRef>
+          <a:fillRef idx="0">
+            <a:schemeClr val="accent1"/>
+          </a:fillRef>
+          <a:effectRef idx="0">
+            <a:schemeClr val="accent1"/>
+          </a:effectRef>
+          <a:fontRef idx="minor">
+            <a:schemeClr val="tx1"/>
+          </a:fontRef>
+        </p:style>
+      </p:cxnSp>
+      <p:cxnSp>
+        <p:nvCxnSpPr>
+          <p:cNvPr id="48" name="Straight Connector 47">
+            <a:extLst>
+              <a:ext uri="{FF2B5EF4-FFF2-40B4-BE49-F238E27FC236}">
+                <a16:creationId xmlns:a16="http://schemas.microsoft.com/office/drawing/2014/main" id="{28AD1FFE-6198-6D3B-BF5E-C4FE94DCE399}"/>
+              </a:ext>
+            </a:extLst>
+          </p:cNvPr>
+          <p:cNvCxnSpPr>
+            <a:cxnSpLocks/>
+          </p:cNvCxnSpPr>
+          <p:nvPr/>
+        </p:nvCxnSpPr>
+        <p:spPr>
+          <a:xfrm>
+            <a:off x="2417755" y="5129123"/>
+            <a:ext cx="365659" cy="0"/>
+          </a:xfrm>
+          <a:prstGeom prst="line">
+            <a:avLst/>
+          </a:prstGeom>
+          <a:ln w="19050">
+            <a:solidFill>
+              <a:schemeClr val="tx1"/>
+            </a:solidFill>
+            <a:prstDash val="sysDash"/>
+            <a:headEnd w="lg" len="lg"/>
+            <a:tailEnd type="triangle" w="lg" len="lg"/>
+          </a:ln>
+        </p:spPr>
+        <p:style>
+          <a:lnRef idx="1">
+            <a:schemeClr val="accent1"/>
+          </a:lnRef>
+          <a:fillRef idx="0">
+            <a:schemeClr val="accent1"/>
+          </a:fillRef>
+          <a:effectRef idx="0">
+            <a:schemeClr val="accent1"/>
+          </a:effectRef>
+          <a:fontRef idx="minor">
+            <a:schemeClr val="tx1"/>
+          </a:fontRef>
+        </p:style>
+      </p:cxnSp>
+      <p:cxnSp>
+        <p:nvCxnSpPr>
+          <p:cNvPr id="49" name="Straight Connector 48">
+            <a:extLst>
+              <a:ext uri="{FF2B5EF4-FFF2-40B4-BE49-F238E27FC236}">
+                <a16:creationId xmlns:a16="http://schemas.microsoft.com/office/drawing/2014/main" id="{32AD97E8-662A-DCC9-3195-C10493CE2A17}"/>
+              </a:ext>
+            </a:extLst>
+          </p:cNvPr>
+          <p:cNvCxnSpPr>
+            <a:cxnSpLocks/>
+            <a:stCxn id="50" idx="1"/>
+            <a:endCxn id="3" idx="0"/>
+          </p:cNvCxnSpPr>
+          <p:nvPr/>
+        </p:nvCxnSpPr>
+        <p:spPr>
+          <a:xfrm>
+            <a:off x="4622203" y="2938488"/>
+            <a:ext cx="3520" cy="510585"/>
+          </a:xfrm>
+          <a:prstGeom prst="line">
+            <a:avLst/>
+          </a:prstGeom>
+          <a:ln w="19050">
+            <a:solidFill>
+              <a:schemeClr val="tx1"/>
+            </a:solidFill>
+            <a:prstDash val="sysDash"/>
+            <a:headEnd w="lg" len="lg"/>
+            <a:tailEnd type="triangle" w="lg" len="lg"/>
+          </a:ln>
+        </p:spPr>
+        <p:style>
+          <a:lnRef idx="1">
+            <a:schemeClr val="accent1"/>
+          </a:lnRef>
+          <a:fillRef idx="0">
+            <a:schemeClr val="accent1"/>
+          </a:fillRef>
+          <a:effectRef idx="0">
+            <a:schemeClr val="accent1"/>
+          </a:effectRef>
+          <a:fontRef idx="minor">
+            <a:schemeClr val="tx1"/>
+          </a:fontRef>
+        </p:style>
+      </p:cxnSp>
+      <p:sp>
+        <p:nvSpPr>
+          <p:cNvPr id="50" name="Folded Corner 81">
+            <a:extLst>
+              <a:ext uri="{FF2B5EF4-FFF2-40B4-BE49-F238E27FC236}">
+                <a16:creationId xmlns:a16="http://schemas.microsoft.com/office/drawing/2014/main" id="{12C5EE00-DED4-76C4-87B8-0D773E3DB695}"/>
+              </a:ext>
+            </a:extLst>
+          </p:cNvPr>
+          <p:cNvSpPr/>
+          <p:nvPr/>
+        </p:nvSpPr>
+        <p:spPr>
+          <a:xfrm rot="16200000">
+            <a:off x="4288172" y="1857129"/>
+            <a:ext cx="668060" cy="1494657"/>
+          </a:xfrm>
+          <a:prstGeom prst="foldedCorner">
+            <a:avLst>
+              <a:gd name="adj" fmla="val 40193"/>
+            </a:avLst>
+          </a:prstGeom>
+          <a:solidFill>
+            <a:schemeClr val="bg1"/>
+          </a:solidFill>
+          <a:ln w="19050">
+            <a:solidFill>
+              <a:schemeClr val="tx1"/>
+            </a:solidFill>
+          </a:ln>
+        </p:spPr>
+        <p:style>
+          <a:lnRef idx="2">
+            <a:schemeClr val="accent1">
+              <a:shade val="50000"/>
+            </a:schemeClr>
+          </a:lnRef>
+          <a:fillRef idx="1">
+            <a:schemeClr val="accent1"/>
+          </a:fillRef>
+          <a:effectRef idx="0">
+            <a:schemeClr val="accent1"/>
+          </a:effectRef>
+          <a:fontRef idx="minor">
+            <a:schemeClr val="lt1"/>
+          </a:fontRef>
+        </p:style>
+        <p:txBody>
+          <a:bodyPr rot="0" spcFirstLastPara="0" vertOverflow="overflow" horzOverflow="overflow" vert="horz" wrap="square" lIns="68580" tIns="34291" rIns="68580" bIns="34291" numCol="1" spcCol="0" rtlCol="0" fromWordArt="0" anchor="ctr" anchorCtr="0" forceAA="0" compatLnSpc="1">
+            <a:prstTxWarp prst="textNoShape">
+              <a:avLst/>
+            </a:prstTxWarp>
+            <a:noAutofit/>
+          </a:bodyPr>
+          <a:lstStyle/>
+          <a:p>
+            <a:pPr algn="ctr"/>
+            <a:endParaRPr lang="en-GB" sz="1050">
+              <a:solidFill>
+                <a:schemeClr val="tx1"/>
+              </a:solidFill>
+            </a:endParaRPr>
+          </a:p>
+        </p:txBody>
+      </p:sp>
+      <p:sp>
+        <p:nvSpPr>
+          <p:cNvPr id="52" name="Folded Corner 86">
+            <a:extLst>
+              <a:ext uri="{FF2B5EF4-FFF2-40B4-BE49-F238E27FC236}">
+                <a16:creationId xmlns:a16="http://schemas.microsoft.com/office/drawing/2014/main" id="{360203E5-36C9-C643-8602-ED117FDE4B50}"/>
+              </a:ext>
+            </a:extLst>
+          </p:cNvPr>
+          <p:cNvSpPr/>
+          <p:nvPr/>
+        </p:nvSpPr>
+        <p:spPr>
+          <a:xfrm rot="16200000">
+            <a:off x="4497529" y="4231679"/>
+            <a:ext cx="668060" cy="1126827"/>
+          </a:xfrm>
+          <a:prstGeom prst="foldedCorner">
+            <a:avLst>
+              <a:gd name="adj" fmla="val 40193"/>
+            </a:avLst>
+          </a:prstGeom>
+          <a:solidFill>
+            <a:schemeClr val="bg1"/>
+          </a:solidFill>
+          <a:ln w="19050">
+            <a:solidFill>
+              <a:schemeClr val="tx1"/>
+            </a:solidFill>
+          </a:ln>
+        </p:spPr>
+        <p:style>
+          <a:lnRef idx="2">
+            <a:schemeClr val="accent1">
+              <a:shade val="50000"/>
+            </a:schemeClr>
+          </a:lnRef>
+          <a:fillRef idx="1">
+            <a:schemeClr val="accent1"/>
+          </a:fillRef>
+          <a:effectRef idx="0">
+            <a:schemeClr val="accent1"/>
+          </a:effectRef>
+          <a:fontRef idx="minor">
+            <a:schemeClr val="lt1"/>
+          </a:fontRef>
+        </p:style>
+        <p:txBody>
+          <a:bodyPr rot="0" spcFirstLastPara="0" vertOverflow="overflow" horzOverflow="overflow" vert="horz" wrap="square" lIns="68580" tIns="34291" rIns="68580" bIns="34291" numCol="1" spcCol="0" rtlCol="0" fromWordArt="0" anchor="ctr" anchorCtr="0" forceAA="0" compatLnSpc="1">
+            <a:prstTxWarp prst="textNoShape">
+              <a:avLst/>
+            </a:prstTxWarp>
+            <a:noAutofit/>
+          </a:bodyPr>
+          <a:lstStyle/>
+          <a:p>
+            <a:pPr algn="ctr"/>
+            <a:endParaRPr lang="en-GB" sz="1050">
+              <a:solidFill>
+                <a:schemeClr val="tx1"/>
+              </a:solidFill>
+            </a:endParaRPr>
+          </a:p>
+        </p:txBody>
+      </p:sp>
+      <p:sp>
+        <p:nvSpPr>
+          <p:cNvPr id="53" name="TextBox 52">
+            <a:extLst>
+              <a:ext uri="{FF2B5EF4-FFF2-40B4-BE49-F238E27FC236}">
+                <a16:creationId xmlns:a16="http://schemas.microsoft.com/office/drawing/2014/main" id="{641ED80C-4E13-D650-6336-024BAC58FF90}"/>
+              </a:ext>
+            </a:extLst>
+          </p:cNvPr>
+          <p:cNvSpPr txBox="1"/>
+          <p:nvPr/>
+        </p:nvSpPr>
+        <p:spPr>
+          <a:xfrm>
+            <a:off x="4125733" y="4494042"/>
+            <a:ext cx="1364456" cy="601575"/>
+          </a:xfrm>
+          <a:prstGeom prst="rect">
+            <a:avLst/>
+          </a:prstGeom>
+          <a:noFill/>
+        </p:spPr>
+        <p:txBody>
+          <a:bodyPr wrap="square" rtlCol="0">
+            <a:spAutoFit/>
+          </a:bodyPr>
+          <a:lstStyle/>
+          <a:p>
+            <a:pPr algn="ctr">
+              <a:lnSpc>
+                <a:spcPts val="1300"/>
+              </a:lnSpc>
+            </a:pPr>
+            <a:r>
+              <a:rPr lang="en-GB" sz="1500" dirty="0"/>
+              <a:t>[DD] EB Verification Argument</a:t>
+            </a:r>
+          </a:p>
+        </p:txBody>
+      </p:sp>
+      <p:cxnSp>
+        <p:nvCxnSpPr>
+          <p:cNvPr id="54" name="Straight Connector 53">
+            <a:extLst>
+              <a:ext uri="{FF2B5EF4-FFF2-40B4-BE49-F238E27FC236}">
+                <a16:creationId xmlns:a16="http://schemas.microsoft.com/office/drawing/2014/main" id="{CFD64119-A44D-5F9B-ACFF-C2290EFCB366}"/>
+              </a:ext>
+            </a:extLst>
+          </p:cNvPr>
+          <p:cNvCxnSpPr>
+            <a:cxnSpLocks/>
+          </p:cNvCxnSpPr>
+          <p:nvPr/>
+        </p:nvCxnSpPr>
+        <p:spPr>
+          <a:xfrm flipV="1">
+            <a:off x="4096132" y="4190523"/>
+            <a:ext cx="0" cy="636470"/>
+          </a:xfrm>
+          <a:prstGeom prst="line">
+            <a:avLst/>
+          </a:prstGeom>
+          <a:ln w="19050">
+            <a:solidFill>
+              <a:schemeClr val="tx1"/>
+            </a:solidFill>
+            <a:prstDash val="sysDash"/>
+          </a:ln>
+        </p:spPr>
+        <p:style>
+          <a:lnRef idx="1">
+            <a:schemeClr val="accent1"/>
+          </a:lnRef>
+          <a:fillRef idx="0">
+            <a:schemeClr val="accent1"/>
+          </a:fillRef>
+          <a:effectRef idx="0">
+            <a:schemeClr val="accent1"/>
+          </a:effectRef>
+          <a:fontRef idx="minor">
+            <a:schemeClr val="tx1"/>
+          </a:fontRef>
+        </p:style>
+      </p:cxnSp>
+      <p:cxnSp>
+        <p:nvCxnSpPr>
+          <p:cNvPr id="55" name="Straight Connector 54">
+            <a:extLst>
+              <a:ext uri="{FF2B5EF4-FFF2-40B4-BE49-F238E27FC236}">
+                <a16:creationId xmlns:a16="http://schemas.microsoft.com/office/drawing/2014/main" id="{7AC0B285-2F29-885F-F222-EA34F37B53FD}"/>
+              </a:ext>
+            </a:extLst>
+          </p:cNvPr>
+          <p:cNvCxnSpPr>
+            <a:cxnSpLocks/>
+          </p:cNvCxnSpPr>
+          <p:nvPr/>
+        </p:nvCxnSpPr>
+        <p:spPr>
+          <a:xfrm>
+            <a:off x="4090381" y="4821349"/>
+            <a:ext cx="173394" cy="0"/>
+          </a:xfrm>
+          <a:prstGeom prst="line">
+            <a:avLst/>
+          </a:prstGeom>
+          <a:ln w="19050">
+            <a:solidFill>
+              <a:schemeClr val="tx1"/>
+            </a:solidFill>
+            <a:prstDash val="sysDash"/>
+            <a:headEnd w="lg" len="lg"/>
+            <a:tailEnd type="triangle" w="lg" len="lg"/>
+          </a:ln>
+        </p:spPr>
+        <p:style>
+          <a:lnRef idx="1">
+            <a:schemeClr val="accent1"/>
+          </a:lnRef>
+          <a:fillRef idx="0">
+            <a:schemeClr val="accent1"/>
+          </a:fillRef>
+          <a:effectRef idx="0">
+            <a:schemeClr val="accent1"/>
+          </a:effectRef>
+          <a:fontRef idx="minor">
+            <a:schemeClr val="tx1"/>
+          </a:fontRef>
+        </p:style>
+      </p:cxnSp>
+      <p:sp>
+        <p:nvSpPr>
+          <p:cNvPr id="56" name="Folded Corner 96">
+            <a:extLst>
+              <a:ext uri="{FF2B5EF4-FFF2-40B4-BE49-F238E27FC236}">
+                <a16:creationId xmlns:a16="http://schemas.microsoft.com/office/drawing/2014/main" id="{90B4C650-0F07-0F34-4D6B-F1C822CBE427}"/>
+              </a:ext>
+            </a:extLst>
+          </p:cNvPr>
+          <p:cNvSpPr/>
+          <p:nvPr/>
+        </p:nvSpPr>
+        <p:spPr>
+          <a:xfrm rot="16200000">
+            <a:off x="1237641" y="1413292"/>
+            <a:ext cx="562846" cy="1364457"/>
+          </a:xfrm>
+          <a:prstGeom prst="foldedCorner">
+            <a:avLst>
+              <a:gd name="adj" fmla="val 40193"/>
+            </a:avLst>
+          </a:prstGeom>
+          <a:solidFill>
+            <a:schemeClr val="bg1"/>
+          </a:solidFill>
+          <a:ln w="19050">
+            <a:solidFill>
+              <a:schemeClr val="tx1"/>
+            </a:solidFill>
+          </a:ln>
+        </p:spPr>
+        <p:style>
+          <a:lnRef idx="2">
+            <a:schemeClr val="accent1">
+              <a:shade val="50000"/>
+            </a:schemeClr>
+          </a:lnRef>
+          <a:fillRef idx="1">
+            <a:schemeClr val="accent1"/>
+          </a:fillRef>
+          <a:effectRef idx="0">
+            <a:schemeClr val="accent1"/>
+          </a:effectRef>
+          <a:fontRef idx="minor">
+            <a:schemeClr val="lt1"/>
+          </a:fontRef>
+        </p:style>
+        <p:txBody>
+          <a:bodyPr rot="0" spcFirstLastPara="0" vertOverflow="overflow" horzOverflow="overflow" vert="horz" wrap="square" lIns="68580" tIns="34291" rIns="68580" bIns="34291" numCol="1" spcCol="0" rtlCol="0" fromWordArt="0" anchor="ctr" anchorCtr="0" forceAA="0" compatLnSpc="1">
+            <a:prstTxWarp prst="textNoShape">
+              <a:avLst/>
+            </a:prstTxWarp>
+            <a:noAutofit/>
+          </a:bodyPr>
+          <a:lstStyle/>
+          <a:p>
+            <a:pPr algn="ctr"/>
+            <a:endParaRPr lang="en-GB" sz="1050">
+              <a:solidFill>
+                <a:schemeClr val="tx1"/>
+              </a:solidFill>
+            </a:endParaRPr>
+          </a:p>
+        </p:txBody>
+      </p:sp>
+      <p:sp>
+        <p:nvSpPr>
+          <p:cNvPr id="57" name="TextBox 56">
+            <a:extLst>
+              <a:ext uri="{FF2B5EF4-FFF2-40B4-BE49-F238E27FC236}">
+                <a16:creationId xmlns:a16="http://schemas.microsoft.com/office/drawing/2014/main" id="{E1FD8DDD-6B7E-7E52-349C-B1F3431BF574}"/>
+              </a:ext>
+            </a:extLst>
+          </p:cNvPr>
+          <p:cNvSpPr txBox="1"/>
+          <p:nvPr/>
+        </p:nvSpPr>
+        <p:spPr>
+          <a:xfrm>
+            <a:off x="790871" y="1886682"/>
+            <a:ext cx="1364456" cy="434863"/>
+          </a:xfrm>
+          <a:prstGeom prst="rect">
+            <a:avLst/>
+          </a:prstGeom>
+          <a:noFill/>
+        </p:spPr>
+        <p:txBody>
+          <a:bodyPr wrap="square" rtlCol="0">
+            <a:spAutoFit/>
+          </a:bodyPr>
+          <a:lstStyle/>
+          <a:p>
+            <a:pPr algn="ctr">
+              <a:lnSpc>
+                <a:spcPts val="1300"/>
+              </a:lnSpc>
+            </a:pPr>
+            <a:r>
+              <a:rPr lang="en-GB" sz="1500" dirty="0"/>
+              <a:t>[H] EB Safety Requirements</a:t>
+            </a:r>
+          </a:p>
+        </p:txBody>
+      </p:sp>
+      <p:cxnSp>
+        <p:nvCxnSpPr>
+          <p:cNvPr id="58" name="Straight Connector 57">
+            <a:extLst>
+              <a:ext uri="{FF2B5EF4-FFF2-40B4-BE49-F238E27FC236}">
+                <a16:creationId xmlns:a16="http://schemas.microsoft.com/office/drawing/2014/main" id="{126E4D60-40E9-FF4B-7E29-1BE61B7D3BE6}"/>
+              </a:ext>
+            </a:extLst>
+          </p:cNvPr>
+          <p:cNvCxnSpPr>
+            <a:cxnSpLocks/>
+          </p:cNvCxnSpPr>
+          <p:nvPr/>
+        </p:nvCxnSpPr>
+        <p:spPr>
+          <a:xfrm flipV="1">
+            <a:off x="2140757" y="2481183"/>
+            <a:ext cx="0" cy="1317604"/>
+          </a:xfrm>
+          <a:prstGeom prst="line">
+            <a:avLst/>
+          </a:prstGeom>
+          <a:ln w="19050">
+            <a:solidFill>
+              <a:schemeClr val="tx1"/>
+            </a:solidFill>
+            <a:prstDash val="sysDash"/>
+          </a:ln>
+        </p:spPr>
+        <p:style>
+          <a:lnRef idx="1">
+            <a:schemeClr val="accent1"/>
+          </a:lnRef>
+          <a:fillRef idx="0">
+            <a:schemeClr val="accent1"/>
+          </a:fillRef>
+          <a:effectRef idx="0">
+            <a:schemeClr val="accent1"/>
+          </a:effectRef>
+          <a:fontRef idx="minor">
+            <a:schemeClr val="tx1"/>
+          </a:fontRef>
+        </p:style>
+      </p:cxnSp>
+      <p:cxnSp>
+        <p:nvCxnSpPr>
+          <p:cNvPr id="59" name="Straight Connector 58">
+            <a:extLst>
+              <a:ext uri="{FF2B5EF4-FFF2-40B4-BE49-F238E27FC236}">
+                <a16:creationId xmlns:a16="http://schemas.microsoft.com/office/drawing/2014/main" id="{A936422B-B317-6BC1-E950-37D00AFF02D5}"/>
+              </a:ext>
+            </a:extLst>
+          </p:cNvPr>
+          <p:cNvCxnSpPr>
+            <a:cxnSpLocks/>
+          </p:cNvCxnSpPr>
+          <p:nvPr/>
+        </p:nvCxnSpPr>
+        <p:spPr>
+          <a:xfrm>
+            <a:off x="2130483" y="3795901"/>
+            <a:ext cx="184228" cy="0"/>
+          </a:xfrm>
+          <a:prstGeom prst="line">
+            <a:avLst/>
+          </a:prstGeom>
+          <a:ln w="19050">
+            <a:solidFill>
+              <a:schemeClr val="tx1"/>
+            </a:solidFill>
+            <a:prstDash val="sysDash"/>
+            <a:headEnd w="lg" len="lg"/>
+            <a:tailEnd type="triangle" w="lg" len="lg"/>
+          </a:ln>
+        </p:spPr>
+        <p:style>
+          <a:lnRef idx="1">
+            <a:schemeClr val="accent1"/>
+          </a:lnRef>
+          <a:fillRef idx="0">
+            <a:schemeClr val="accent1"/>
+          </a:fillRef>
+          <a:effectRef idx="0">
+            <a:schemeClr val="accent1"/>
+          </a:effectRef>
+          <a:fontRef idx="minor">
+            <a:schemeClr val="tx1"/>
+          </a:fontRef>
+        </p:style>
+      </p:cxnSp>
+      <p:cxnSp>
+        <p:nvCxnSpPr>
+          <p:cNvPr id="60" name="Straight Connector 59">
+            <a:extLst>
+              <a:ext uri="{FF2B5EF4-FFF2-40B4-BE49-F238E27FC236}">
+                <a16:creationId xmlns:a16="http://schemas.microsoft.com/office/drawing/2014/main" id="{45B90578-8427-C67D-499A-23BDBA101447}"/>
+              </a:ext>
+            </a:extLst>
+          </p:cNvPr>
+          <p:cNvCxnSpPr>
+            <a:cxnSpLocks/>
+          </p:cNvCxnSpPr>
+          <p:nvPr/>
+        </p:nvCxnSpPr>
+        <p:spPr>
+          <a:xfrm flipV="1">
+            <a:off x="1519063" y="3238126"/>
+            <a:ext cx="0" cy="121677"/>
+          </a:xfrm>
+          <a:prstGeom prst="line">
+            <a:avLst/>
+          </a:prstGeom>
+          <a:ln w="19050">
+            <a:solidFill>
+              <a:schemeClr val="tx1"/>
+            </a:solidFill>
+            <a:prstDash val="sysDash"/>
+            <a:headEnd w="lg" len="lg"/>
+            <a:tailEnd type="none" w="lg" len="lg"/>
+          </a:ln>
+        </p:spPr>
+        <p:style>
+          <a:lnRef idx="1">
+            <a:schemeClr val="accent1"/>
+          </a:lnRef>
+          <a:fillRef idx="0">
+            <a:schemeClr val="accent1"/>
+          </a:fillRef>
+          <a:effectRef idx="0">
+            <a:schemeClr val="accent1"/>
+          </a:effectRef>
+          <a:fontRef idx="minor">
+            <a:schemeClr val="tx1"/>
+          </a:fontRef>
+        </p:style>
+      </p:cxnSp>
+      <p:cxnSp>
+        <p:nvCxnSpPr>
+          <p:cNvPr id="61" name="Straight Connector 60">
+            <a:extLst>
+              <a:ext uri="{FF2B5EF4-FFF2-40B4-BE49-F238E27FC236}">
+                <a16:creationId xmlns:a16="http://schemas.microsoft.com/office/drawing/2014/main" id="{3DE2D657-7539-97D3-7550-BD5DD530D603}"/>
+              </a:ext>
+            </a:extLst>
+          </p:cNvPr>
+          <p:cNvCxnSpPr>
+            <a:cxnSpLocks/>
+          </p:cNvCxnSpPr>
+          <p:nvPr/>
+        </p:nvCxnSpPr>
+        <p:spPr>
+          <a:xfrm flipV="1">
+            <a:off x="1519063" y="3344938"/>
+            <a:ext cx="1410969" cy="9227"/>
+          </a:xfrm>
+          <a:prstGeom prst="line">
+            <a:avLst/>
+          </a:prstGeom>
+          <a:ln w="19050">
+            <a:solidFill>
+              <a:schemeClr val="tx1"/>
+            </a:solidFill>
+            <a:prstDash val="sysDash"/>
+            <a:headEnd w="lg" len="lg"/>
+            <a:tailEnd type="none" w="lg" len="lg"/>
+          </a:ln>
+        </p:spPr>
+        <p:style>
+          <a:lnRef idx="1">
+            <a:schemeClr val="accent1"/>
+          </a:lnRef>
+          <a:fillRef idx="0">
+            <a:schemeClr val="accent1"/>
+          </a:fillRef>
+          <a:effectRef idx="0">
+            <a:schemeClr val="accent1"/>
+          </a:effectRef>
+          <a:fontRef idx="minor">
+            <a:schemeClr val="tx1"/>
+          </a:fontRef>
+        </p:style>
+      </p:cxnSp>
+      <p:sp>
+        <p:nvSpPr>
+          <p:cNvPr id="62" name="Folded Corner 46">
+            <a:extLst>
+              <a:ext uri="{FF2B5EF4-FFF2-40B4-BE49-F238E27FC236}">
+                <a16:creationId xmlns:a16="http://schemas.microsoft.com/office/drawing/2014/main" id="{2CC09131-1597-8390-E88C-0D75952B0B1F}"/>
+              </a:ext>
+            </a:extLst>
+          </p:cNvPr>
+          <p:cNvSpPr/>
+          <p:nvPr/>
+        </p:nvSpPr>
+        <p:spPr>
+          <a:xfrm rot="16200000">
+            <a:off x="2588306" y="2178854"/>
+            <a:ext cx="698718" cy="1364457"/>
+          </a:xfrm>
+          <a:prstGeom prst="foldedCorner">
+            <a:avLst>
+              <a:gd name="adj" fmla="val 40193"/>
+            </a:avLst>
+          </a:prstGeom>
+          <a:solidFill>
+            <a:schemeClr val="bg1"/>
+          </a:solidFill>
+          <a:ln w="19050">
+            <a:solidFill>
+              <a:schemeClr val="tx1"/>
+            </a:solidFill>
+          </a:ln>
+        </p:spPr>
+        <p:style>
+          <a:lnRef idx="2">
+            <a:schemeClr val="accent1">
+              <a:shade val="50000"/>
+            </a:schemeClr>
+          </a:lnRef>
+          <a:fillRef idx="1">
+            <a:schemeClr val="accent1"/>
+          </a:fillRef>
+          <a:effectRef idx="0">
+            <a:schemeClr val="accent1"/>
+          </a:effectRef>
+          <a:fontRef idx="minor">
+            <a:schemeClr val="lt1"/>
+          </a:fontRef>
+        </p:style>
+        <p:txBody>
+          <a:bodyPr rot="0" spcFirstLastPara="0" vertOverflow="overflow" horzOverflow="overflow" vert="horz" wrap="square" lIns="68580" tIns="34291" rIns="68580" bIns="34291" numCol="1" spcCol="0" rtlCol="0" fromWordArt="0" anchor="ctr" anchorCtr="0" forceAA="0" compatLnSpc="1">
+            <a:prstTxWarp prst="textNoShape">
+              <a:avLst/>
+            </a:prstTxWarp>
+            <a:noAutofit/>
+          </a:bodyPr>
+          <a:lstStyle/>
+          <a:p>
+            <a:pPr algn="ctr"/>
+            <a:endParaRPr lang="en-GB" sz="1050">
+              <a:solidFill>
+                <a:schemeClr val="tx1"/>
+              </a:solidFill>
+            </a:endParaRPr>
+          </a:p>
+        </p:txBody>
+      </p:sp>
+      <p:sp>
+        <p:nvSpPr>
+          <p:cNvPr id="63" name="TextBox 62">
+            <a:extLst>
+              <a:ext uri="{FF2B5EF4-FFF2-40B4-BE49-F238E27FC236}">
+                <a16:creationId xmlns:a16="http://schemas.microsoft.com/office/drawing/2014/main" id="{CBC972F7-903C-C93F-F4FF-172C87DD2D58}"/>
+              </a:ext>
+            </a:extLst>
+          </p:cNvPr>
+          <p:cNvSpPr txBox="1"/>
+          <p:nvPr/>
+        </p:nvSpPr>
+        <p:spPr>
+          <a:xfrm>
+            <a:off x="2119477" y="2730967"/>
+            <a:ext cx="1636538" cy="328295"/>
+          </a:xfrm>
+          <a:prstGeom prst="rect">
+            <a:avLst/>
+          </a:prstGeom>
+          <a:noFill/>
+        </p:spPr>
+        <p:txBody>
+          <a:bodyPr wrap="square" lIns="121920" tIns="60960" rIns="121920" bIns="60960" rtlCol="0" anchor="t">
+            <a:spAutoFit/>
+          </a:bodyPr>
+          <a:lstStyle/>
+          <a:p>
+            <a:pPr algn="ctr">
+              <a:lnSpc>
+                <a:spcPts val="1575"/>
+              </a:lnSpc>
+            </a:pPr>
+            <a:r>
+              <a:rPr lang="en-GB" sz="1500" dirty="0"/>
+              <a:t>[W] EB Algorithm</a:t>
+            </a:r>
+          </a:p>
+        </p:txBody>
+      </p:sp>
+      <p:cxnSp>
+        <p:nvCxnSpPr>
+          <p:cNvPr id="64" name="Straight Connector 63">
+            <a:extLst>
+              <a:ext uri="{FF2B5EF4-FFF2-40B4-BE49-F238E27FC236}">
+                <a16:creationId xmlns:a16="http://schemas.microsoft.com/office/drawing/2014/main" id="{1E2B14FA-BBF6-5D70-AC82-65A6F6E16645}"/>
+              </a:ext>
+            </a:extLst>
+          </p:cNvPr>
+          <p:cNvCxnSpPr>
+            <a:cxnSpLocks/>
+            <a:endCxn id="62" idx="1"/>
+          </p:cNvCxnSpPr>
+          <p:nvPr/>
+        </p:nvCxnSpPr>
+        <p:spPr>
+          <a:xfrm flipV="1">
+            <a:off x="2937664" y="3210442"/>
+            <a:ext cx="2" cy="144663"/>
+          </a:xfrm>
+          <a:prstGeom prst="line">
+            <a:avLst/>
+          </a:prstGeom>
+          <a:ln w="19050">
+            <a:solidFill>
+              <a:schemeClr val="tx1"/>
+            </a:solidFill>
+            <a:prstDash val="sysDash"/>
+            <a:headEnd w="lg" len="lg"/>
+            <a:tailEnd type="none" w="lg" len="lg"/>
+          </a:ln>
+        </p:spPr>
+        <p:style>
+          <a:lnRef idx="1">
+            <a:schemeClr val="accent1"/>
+          </a:lnRef>
+          <a:fillRef idx="0">
+            <a:schemeClr val="accent1"/>
+          </a:fillRef>
+          <a:effectRef idx="0">
+            <a:schemeClr val="accent1"/>
+          </a:effectRef>
+          <a:fontRef idx="minor">
+            <a:schemeClr val="tx1"/>
+          </a:fontRef>
+        </p:style>
+      </p:cxnSp>
+      <p:cxnSp>
+        <p:nvCxnSpPr>
+          <p:cNvPr id="65" name="Straight Connector 64">
+            <a:extLst>
+              <a:ext uri="{FF2B5EF4-FFF2-40B4-BE49-F238E27FC236}">
+                <a16:creationId xmlns:a16="http://schemas.microsoft.com/office/drawing/2014/main" id="{0425DCE8-69FE-7453-5BBF-300A57569C84}"/>
+              </a:ext>
+            </a:extLst>
+          </p:cNvPr>
+          <p:cNvCxnSpPr>
+            <a:cxnSpLocks/>
+            <a:endCxn id="56" idx="1"/>
+          </p:cNvCxnSpPr>
+          <p:nvPr/>
+        </p:nvCxnSpPr>
+        <p:spPr>
+          <a:xfrm flipV="1">
+            <a:off x="1519064" y="2376943"/>
+            <a:ext cx="1" cy="104240"/>
+          </a:xfrm>
+          <a:prstGeom prst="line">
+            <a:avLst/>
+          </a:prstGeom>
+          <a:ln w="19050">
+            <a:solidFill>
+              <a:schemeClr val="tx1"/>
+            </a:solidFill>
+            <a:prstDash val="sysDash"/>
+            <a:headEnd w="lg" len="lg"/>
+            <a:tailEnd type="none" w="lg" len="lg"/>
+          </a:ln>
+        </p:spPr>
+        <p:style>
+          <a:lnRef idx="1">
+            <a:schemeClr val="accent1"/>
+          </a:lnRef>
+          <a:fillRef idx="0">
+            <a:schemeClr val="accent1"/>
+          </a:fillRef>
+          <a:effectRef idx="0">
+            <a:schemeClr val="accent1"/>
+          </a:effectRef>
+          <a:fontRef idx="minor">
+            <a:schemeClr val="tx1"/>
+          </a:fontRef>
+        </p:style>
+      </p:cxnSp>
+      <p:cxnSp>
+        <p:nvCxnSpPr>
+          <p:cNvPr id="66" name="Straight Connector 65">
+            <a:extLst>
+              <a:ext uri="{FF2B5EF4-FFF2-40B4-BE49-F238E27FC236}">
+                <a16:creationId xmlns:a16="http://schemas.microsoft.com/office/drawing/2014/main" id="{BC7F79B8-5A4B-423A-07CC-5E813F0E191B}"/>
+              </a:ext>
+            </a:extLst>
+          </p:cNvPr>
+          <p:cNvCxnSpPr>
+            <a:cxnSpLocks/>
+          </p:cNvCxnSpPr>
+          <p:nvPr/>
+        </p:nvCxnSpPr>
+        <p:spPr>
+          <a:xfrm>
+            <a:off x="1519063" y="2481183"/>
+            <a:ext cx="600414" cy="0"/>
+          </a:xfrm>
+          <a:prstGeom prst="line">
+            <a:avLst/>
+          </a:prstGeom>
+          <a:ln w="19050">
+            <a:solidFill>
+              <a:schemeClr val="tx1"/>
+            </a:solidFill>
+            <a:prstDash val="sysDash"/>
+            <a:headEnd w="lg" len="lg"/>
+            <a:tailEnd type="none" w="lg" len="lg"/>
+          </a:ln>
+        </p:spPr>
+        <p:style>
+          <a:lnRef idx="1">
+            <a:schemeClr val="accent1"/>
+          </a:lnRef>
+          <a:fillRef idx="0">
+            <a:schemeClr val="accent1"/>
+          </a:fillRef>
+          <a:effectRef idx="0">
+            <a:schemeClr val="accent1"/>
+          </a:effectRef>
+          <a:fontRef idx="minor">
+            <a:schemeClr val="tx1"/>
+          </a:fontRef>
+        </p:style>
+      </p:cxnSp>
+      <p:sp>
+        <p:nvSpPr>
+          <p:cNvPr id="67" name="TextBox 66">
+            <a:extLst>
+              <a:ext uri="{FF2B5EF4-FFF2-40B4-BE49-F238E27FC236}">
+                <a16:creationId xmlns:a16="http://schemas.microsoft.com/office/drawing/2014/main" id="{92D2C101-8CA9-47E0-C50A-67003B082E73}"/>
+              </a:ext>
+            </a:extLst>
+          </p:cNvPr>
+          <p:cNvSpPr txBox="1"/>
+          <p:nvPr/>
+        </p:nvSpPr>
+        <p:spPr>
+          <a:xfrm>
+            <a:off x="3799592" y="2325367"/>
+            <a:ext cx="1685348" cy="601575"/>
+          </a:xfrm>
+          <a:prstGeom prst="rect">
+            <a:avLst/>
+          </a:prstGeom>
+          <a:noFill/>
+        </p:spPr>
+        <p:txBody>
+          <a:bodyPr wrap="square" rtlCol="0">
+            <a:spAutoFit/>
+          </a:bodyPr>
+          <a:lstStyle/>
+          <a:p>
+            <a:pPr algn="ctr">
+              <a:lnSpc>
+                <a:spcPts val="1300"/>
+              </a:lnSpc>
+            </a:pPr>
+            <a:r>
+              <a:rPr lang="en-GB" sz="1500" dirty="0"/>
+              <a:t>[CC] EB</a:t>
+            </a:r>
+            <a:br>
+              <a:rPr lang="en-GB" sz="1500" dirty="0"/>
+            </a:br>
+            <a:r>
+              <a:rPr lang="en-GB" sz="1500" dirty="0"/>
+              <a:t>Verification Argument Pattern</a:t>
+            </a:r>
+          </a:p>
+        </p:txBody>
+      </p:sp>
       <p:pic>
         <p:nvPicPr>
-          <p:cNvPr id="4" name="Picture 3">
-            <a:extLst>
-              <a:ext uri="{FF2B5EF4-FFF2-40B4-BE49-F238E27FC236}">
-                <a16:creationId xmlns:a16="http://schemas.microsoft.com/office/drawing/2014/main" id="{CAC8BAA4-C56E-FDD8-247C-C4C86AE545F5}"/>
+          <p:cNvPr id="93" name="Picture 92">
+            <a:extLst>
+              <a:ext uri="{FF2B5EF4-FFF2-40B4-BE49-F238E27FC236}">
+                <a16:creationId xmlns:a16="http://schemas.microsoft.com/office/drawing/2014/main" id="{E8C1959D-D96B-CA12-094F-150B954209DF}"/>
               </a:ext>
             </a:extLst>
           </p:cNvPr>
@@ -28041,13 +29647,13 @@
         </p:nvPicPr>
         <p:blipFill rotWithShape="1">
           <a:blip r:embed="rId3"/>
-          <a:srcRect t="525" r="390" b="94"/>
+          <a:srcRect l="-82" t="504" r="323" b="359"/>
           <a:stretch/>
         </p:blipFill>
         <p:spPr>
           <a:xfrm>
-            <a:off x="1936166" y="-1441743"/>
-            <a:ext cx="9530437" cy="6815579"/>
+            <a:off x="7775485" y="43973"/>
+            <a:ext cx="8298461" cy="6332938"/>
           </a:xfrm>
           <a:prstGeom prst="rect">
             <a:avLst/>
@@ -28101,7 +29707,7 @@
         </p:nvCxnSpPr>
         <p:spPr>
           <a:xfrm flipV="1">
-            <a:off x="5154982" y="3868917"/>
+            <a:off x="16297388" y="469377"/>
             <a:ext cx="228450" cy="4"/>
           </a:xfrm>
           <a:prstGeom prst="line">
@@ -28148,7 +29754,7 @@
         </p:nvCxnSpPr>
         <p:spPr>
           <a:xfrm>
-            <a:off x="3584118" y="3873825"/>
+            <a:off x="14726524" y="474285"/>
             <a:ext cx="236012" cy="0"/>
           </a:xfrm>
           <a:prstGeom prst="line">
@@ -28192,7 +29798,7 @@
         </p:nvSpPr>
         <p:spPr>
           <a:xfrm>
-            <a:off x="2415589" y="3505921"/>
+            <a:off x="13557995" y="106381"/>
             <a:ext cx="1168529" cy="735807"/>
           </a:xfrm>
           <a:prstGeom prst="rect">
@@ -28253,7 +29859,7 @@
         </p:nvSpPr>
         <p:spPr>
           <a:xfrm>
-            <a:off x="3794638" y="3501017"/>
+            <a:off x="14937044" y="101477"/>
             <a:ext cx="1360344" cy="735807"/>
           </a:xfrm>
           <a:prstGeom prst="rect">
@@ -28314,7 +29920,7 @@
         </p:nvSpPr>
         <p:spPr>
           <a:xfrm rot="16200000">
-            <a:off x="2881491" y="4235108"/>
+            <a:off x="14023897" y="835568"/>
             <a:ext cx="668060" cy="1185719"/>
           </a:xfrm>
           <a:prstGeom prst="foldedCorner">
@@ -28379,7 +29985,7 @@
         </p:nvSpPr>
         <p:spPr>
           <a:xfrm rot="16200000">
-            <a:off x="1367804" y="2458370"/>
+            <a:off x="12510210" y="-941170"/>
             <a:ext cx="668060" cy="938613"/>
           </a:xfrm>
           <a:prstGeom prst="foldedCorner">
@@ -28446,7 +30052,7 @@
         </p:nvCxnSpPr>
         <p:spPr>
           <a:xfrm flipV="1">
-            <a:off x="2439985" y="4248969"/>
+            <a:off x="13582391" y="849429"/>
             <a:ext cx="0" cy="574682"/>
           </a:xfrm>
           <a:prstGeom prst="line">
@@ -28490,7 +30096,7 @@
         </p:nvCxnSpPr>
         <p:spPr>
           <a:xfrm>
-            <a:off x="2433701" y="4823651"/>
+            <a:off x="13576107" y="1424111"/>
             <a:ext cx="194712" cy="0"/>
           </a:xfrm>
           <a:prstGeom prst="line">
@@ -28536,7 +30142,7 @@
         </p:nvCxnSpPr>
         <p:spPr>
           <a:xfrm>
-            <a:off x="4530547" y="2894444"/>
+            <a:off x="15672953" y="-505096"/>
             <a:ext cx="4112" cy="610061"/>
           </a:xfrm>
           <a:prstGeom prst="line">
@@ -28580,7 +30186,7 @@
         </p:nvSpPr>
         <p:spPr>
           <a:xfrm rot="16200000">
-            <a:off x="4196517" y="1878186"/>
+            <a:off x="15338923" y="-1521354"/>
             <a:ext cx="668060" cy="1364457"/>
           </a:xfrm>
           <a:prstGeom prst="foldedCorner">
@@ -28645,7 +30251,7 @@
         </p:nvSpPr>
         <p:spPr>
           <a:xfrm rot="16200000">
-            <a:off x="4431317" y="4177595"/>
+            <a:off x="15573723" y="778055"/>
             <a:ext cx="668060" cy="1332502"/>
           </a:xfrm>
           <a:prstGeom prst="foldedCorner">
@@ -28712,7 +30318,7 @@
         </p:nvCxnSpPr>
         <p:spPr>
           <a:xfrm flipV="1">
-            <a:off x="3879996" y="4248971"/>
+            <a:off x="15022402" y="849431"/>
             <a:ext cx="0" cy="621131"/>
           </a:xfrm>
           <a:prstGeom prst="line">
@@ -28756,7 +30362,7 @@
         </p:nvCxnSpPr>
         <p:spPr>
           <a:xfrm>
-            <a:off x="3892379" y="4870102"/>
+            <a:off x="15034785" y="1470562"/>
             <a:ext cx="208668" cy="0"/>
           </a:xfrm>
           <a:prstGeom prst="line">
@@ -28800,7 +30406,7 @@
         </p:nvSpPr>
         <p:spPr>
           <a:xfrm rot="16200000">
-            <a:off x="1391403" y="1524017"/>
+            <a:off x="12533809" y="-1875523"/>
             <a:ext cx="668060" cy="980272"/>
           </a:xfrm>
           <a:prstGeom prst="foldedCorner">
@@ -28867,7 +30473,7 @@
         </p:nvCxnSpPr>
         <p:spPr>
           <a:xfrm flipV="1">
-            <a:off x="2215158" y="2502695"/>
+            <a:off x="13357564" y="-896845"/>
             <a:ext cx="0" cy="1375540"/>
           </a:xfrm>
           <a:prstGeom prst="line">
@@ -28911,7 +30517,7 @@
         </p:nvCxnSpPr>
         <p:spPr>
           <a:xfrm>
-            <a:off x="2210944" y="3878235"/>
+            <a:off x="13353350" y="478695"/>
             <a:ext cx="203490" cy="4908"/>
           </a:xfrm>
           <a:prstGeom prst="line">
@@ -28957,7 +30563,7 @@
         </p:nvCxnSpPr>
         <p:spPr>
           <a:xfrm flipV="1">
-            <a:off x="1505050" y="3262655"/>
+            <a:off x="12647456" y="-136885"/>
             <a:ext cx="0" cy="132176"/>
           </a:xfrm>
           <a:prstGeom prst="line">
@@ -29003,7 +30609,7 @@
         </p:nvCxnSpPr>
         <p:spPr>
           <a:xfrm>
-            <a:off x="1505050" y="3394831"/>
+            <a:off x="12647456" y="-4709"/>
             <a:ext cx="1450636" cy="0"/>
           </a:xfrm>
           <a:prstGeom prst="line">
@@ -29047,7 +30653,7 @@
         </p:nvSpPr>
         <p:spPr>
           <a:xfrm rot="16200000">
-            <a:off x="2584655" y="2321304"/>
+            <a:off x="13727061" y="-1078236"/>
             <a:ext cx="668060" cy="1156193"/>
           </a:xfrm>
           <a:prstGeom prst="foldedCorner">
@@ -29114,7 +30720,7 @@
         </p:nvCxnSpPr>
         <p:spPr>
           <a:xfrm flipV="1">
-            <a:off x="1489339" y="2348183"/>
+            <a:off x="12631745" y="-1051357"/>
             <a:ext cx="0" cy="163655"/>
           </a:xfrm>
           <a:prstGeom prst="line">
@@ -29160,7 +30766,7 @@
         </p:nvCxnSpPr>
         <p:spPr>
           <a:xfrm flipV="1">
-            <a:off x="1489339" y="2502695"/>
+            <a:off x="12631745" y="-896845"/>
             <a:ext cx="1463779" cy="9143"/>
           </a:xfrm>
           <a:prstGeom prst="line">
@@ -29204,7 +30810,7 @@
         </p:nvSpPr>
         <p:spPr>
           <a:xfrm rot="16200000">
-            <a:off x="2607107" y="1410342"/>
+            <a:off x="13749513" y="-1989198"/>
             <a:ext cx="668060" cy="1232320"/>
           </a:xfrm>
           <a:prstGeom prst="foldedCorner">
@@ -29271,7 +30877,7 @@
         </p:nvCxnSpPr>
         <p:spPr>
           <a:xfrm flipV="1">
-            <a:off x="2953118" y="2357104"/>
+            <a:off x="14095524" y="-1042436"/>
             <a:ext cx="0" cy="145591"/>
           </a:xfrm>
           <a:prstGeom prst="line">
@@ -29315,7 +30921,7 @@
         </p:nvSpPr>
         <p:spPr>
           <a:xfrm>
-            <a:off x="5383432" y="3501015"/>
+            <a:off x="16525838" y="101475"/>
             <a:ext cx="1360344" cy="735807"/>
           </a:xfrm>
           <a:prstGeom prst="rect">
@@ -29378,7 +30984,7 @@
         </p:nvCxnSpPr>
         <p:spPr>
           <a:xfrm>
-            <a:off x="6060435" y="2894443"/>
+            <a:off x="17202841" y="-505097"/>
             <a:ext cx="4112" cy="610061"/>
           </a:xfrm>
           <a:prstGeom prst="line">
@@ -29422,7 +31028,7 @@
         </p:nvSpPr>
         <p:spPr>
           <a:xfrm rot="16200000">
-            <a:off x="5726406" y="1878185"/>
+            <a:off x="16868812" y="-1521355"/>
             <a:ext cx="668060" cy="1364457"/>
           </a:xfrm>
           <a:prstGeom prst="foldedCorner">
@@ -29487,7 +31093,7 @@
         </p:nvSpPr>
         <p:spPr>
           <a:xfrm rot="16200000">
-            <a:off x="5890362" y="4324460"/>
+            <a:off x="17032768" y="924920"/>
             <a:ext cx="668060" cy="1038767"/>
           </a:xfrm>
           <a:prstGeom prst="foldedCorner">
@@ -29554,7 +31160,7 @@
         </p:nvCxnSpPr>
         <p:spPr>
           <a:xfrm flipH="1" flipV="1">
-            <a:off x="5480666" y="4248969"/>
+            <a:off x="16623072" y="849429"/>
             <a:ext cx="6383" cy="621133"/>
           </a:xfrm>
           <a:prstGeom prst="line">
@@ -29598,7 +31204,7 @@
         </p:nvCxnSpPr>
         <p:spPr>
           <a:xfrm>
-            <a:off x="5487049" y="4873066"/>
+            <a:off x="16629455" y="1473526"/>
             <a:ext cx="217957" cy="0"/>
           </a:xfrm>
           <a:prstGeom prst="line">
@@ -29644,7 +31250,7 @@
         </p:nvCxnSpPr>
         <p:spPr>
           <a:xfrm flipV="1">
-            <a:off x="2955686" y="3233431"/>
+            <a:off x="14098092" y="-166109"/>
             <a:ext cx="0" cy="161400"/>
           </a:xfrm>
           <a:prstGeom prst="line">
@@ -29688,7 +31294,7 @@
         </p:nvSpPr>
         <p:spPr>
           <a:xfrm>
-            <a:off x="2543525" y="4693444"/>
+            <a:off x="13685931" y="1293904"/>
             <a:ext cx="1300727" cy="408958"/>
           </a:xfrm>
           <a:prstGeom prst="rect">
@@ -29728,7 +31334,7 @@
         </p:nvSpPr>
         <p:spPr>
           <a:xfrm>
-            <a:off x="2287321" y="3686308"/>
+            <a:off x="13429727" y="286768"/>
             <a:ext cx="1426527" cy="439800"/>
           </a:xfrm>
           <a:prstGeom prst="rect">
@@ -29775,7 +31381,7 @@
         </p:nvSpPr>
         <p:spPr>
           <a:xfrm>
-            <a:off x="3704947" y="3653337"/>
+            <a:off x="14847353" y="253797"/>
             <a:ext cx="1494223" cy="453907"/>
           </a:xfrm>
           <a:prstGeom prst="rect">
@@ -29815,7 +31421,7 @@
         </p:nvSpPr>
         <p:spPr>
           <a:xfrm>
-            <a:off x="1057091" y="2657571"/>
+            <a:off x="12199497" y="-741969"/>
             <a:ext cx="1293716" cy="598112"/>
           </a:xfrm>
           <a:prstGeom prst="rect">
@@ -29855,7 +31461,7 @@
         </p:nvSpPr>
         <p:spPr>
           <a:xfrm>
-            <a:off x="3981520" y="2299954"/>
+            <a:off x="15123926" y="-1099586"/>
             <a:ext cx="1111951" cy="598112"/>
           </a:xfrm>
           <a:prstGeom prst="rect">
@@ -29895,7 +31501,7 @@
         </p:nvSpPr>
         <p:spPr>
           <a:xfrm>
-            <a:off x="4078555" y="4713267"/>
+            <a:off x="15220961" y="1313727"/>
             <a:ext cx="1332499" cy="408958"/>
           </a:xfrm>
           <a:prstGeom prst="rect">
@@ -29935,7 +31541,7 @@
         </p:nvSpPr>
         <p:spPr>
           <a:xfrm>
-            <a:off x="1049594" y="1829594"/>
+            <a:off x="12192000" y="-1569946"/>
             <a:ext cx="1290994" cy="431400"/>
           </a:xfrm>
           <a:prstGeom prst="rect">
@@ -29975,7 +31581,7 @@
         </p:nvSpPr>
         <p:spPr>
           <a:xfrm>
-            <a:off x="2314689" y="2706469"/>
+            <a:off x="13457095" y="-693071"/>
             <a:ext cx="1110378" cy="431400"/>
           </a:xfrm>
           <a:prstGeom prst="rect">
@@ -30015,7 +31621,7 @@
         </p:nvSpPr>
         <p:spPr>
           <a:xfrm>
-            <a:off x="2256509" y="1774775"/>
+            <a:off x="13398915" y="-1624765"/>
             <a:ext cx="1264161" cy="562846"/>
           </a:xfrm>
           <a:prstGeom prst="rect">
@@ -30055,7 +31661,7 @@
         </p:nvSpPr>
         <p:spPr>
           <a:xfrm>
-            <a:off x="5390994" y="3545379"/>
+            <a:off x="16533400" y="145839"/>
             <a:ext cx="1338882" cy="716799"/>
           </a:xfrm>
           <a:prstGeom prst="rect">
@@ -30095,7 +31701,7 @@
         </p:nvSpPr>
         <p:spPr>
           <a:xfrm>
-            <a:off x="5242284" y="2270975"/>
+            <a:off x="16384690" y="-1128565"/>
             <a:ext cx="1636301" cy="598112"/>
           </a:xfrm>
           <a:prstGeom prst="rect">
@@ -30138,7 +31744,7 @@
         </p:nvSpPr>
         <p:spPr>
           <a:xfrm>
-            <a:off x="5552413" y="4605494"/>
+            <a:off x="16694819" y="1205954"/>
             <a:ext cx="1301595" cy="562846"/>
           </a:xfrm>
           <a:prstGeom prst="rect">
@@ -30225,12 +31831,4180 @@
           </a:p>
         </p:txBody>
       </p:sp>
+      <p:cxnSp>
+        <p:nvCxnSpPr>
+          <p:cNvPr id="3" name="Straight Connector 2">
+            <a:extLst>
+              <a:ext uri="{FF2B5EF4-FFF2-40B4-BE49-F238E27FC236}">
+                <a16:creationId xmlns:a16="http://schemas.microsoft.com/office/drawing/2014/main" id="{D39C568F-C74A-559E-D82D-44D741E35490}"/>
+              </a:ext>
+            </a:extLst>
+          </p:cNvPr>
+          <p:cNvCxnSpPr>
+            <a:cxnSpLocks/>
+            <a:stCxn id="6" idx="3"/>
+            <a:endCxn id="26" idx="1"/>
+          </p:cNvCxnSpPr>
+          <p:nvPr/>
+        </p:nvCxnSpPr>
+        <p:spPr>
+          <a:xfrm>
+            <a:off x="4898027" y="3500771"/>
+            <a:ext cx="346420" cy="3104"/>
+          </a:xfrm>
+          <a:prstGeom prst="line">
+            <a:avLst/>
+          </a:prstGeom>
+          <a:ln w="19050">
+            <a:solidFill>
+              <a:schemeClr val="tx1"/>
+            </a:solidFill>
+            <a:prstDash val="solid"/>
+            <a:headEnd w="lg" len="lg"/>
+            <a:tailEnd type="triangle" w="lg" len="lg"/>
+          </a:ln>
+        </p:spPr>
+        <p:style>
+          <a:lnRef idx="1">
+            <a:schemeClr val="accent1"/>
+          </a:lnRef>
+          <a:fillRef idx="0">
+            <a:schemeClr val="accent1"/>
+          </a:fillRef>
+          <a:effectRef idx="0">
+            <a:schemeClr val="accent1"/>
+          </a:effectRef>
+          <a:fontRef idx="minor">
+            <a:schemeClr val="tx1"/>
+          </a:fontRef>
+        </p:style>
+      </p:cxnSp>
+      <p:cxnSp>
+        <p:nvCxnSpPr>
+          <p:cNvPr id="4" name="Straight Connector 3">
+            <a:extLst>
+              <a:ext uri="{FF2B5EF4-FFF2-40B4-BE49-F238E27FC236}">
+                <a16:creationId xmlns:a16="http://schemas.microsoft.com/office/drawing/2014/main" id="{BC103BBC-AB98-A117-607A-A78033BCB8F3}"/>
+              </a:ext>
+            </a:extLst>
+          </p:cNvPr>
+          <p:cNvCxnSpPr>
+            <a:cxnSpLocks/>
+            <a:stCxn id="5" idx="3"/>
+            <a:endCxn id="6" idx="1"/>
+          </p:cNvCxnSpPr>
+          <p:nvPr/>
+        </p:nvCxnSpPr>
+        <p:spPr>
+          <a:xfrm>
+            <a:off x="3584118" y="3497826"/>
+            <a:ext cx="254498" cy="2945"/>
+          </a:xfrm>
+          <a:prstGeom prst="line">
+            <a:avLst/>
+          </a:prstGeom>
+          <a:ln w="19050">
+            <a:solidFill>
+              <a:schemeClr val="tx1"/>
+            </a:solidFill>
+            <a:prstDash val="solid"/>
+            <a:headEnd w="lg" len="lg"/>
+            <a:tailEnd type="triangle" w="lg" len="lg"/>
+          </a:ln>
+        </p:spPr>
+        <p:style>
+          <a:lnRef idx="1">
+            <a:schemeClr val="accent1"/>
+          </a:lnRef>
+          <a:fillRef idx="0">
+            <a:schemeClr val="accent1"/>
+          </a:fillRef>
+          <a:effectRef idx="0">
+            <a:schemeClr val="accent1"/>
+          </a:effectRef>
+          <a:fontRef idx="minor">
+            <a:schemeClr val="tx1"/>
+          </a:fontRef>
+        </p:style>
+      </p:cxnSp>
+      <p:sp>
+        <p:nvSpPr>
+          <p:cNvPr id="5" name="Rectangle 4">
+            <a:extLst>
+              <a:ext uri="{FF2B5EF4-FFF2-40B4-BE49-F238E27FC236}">
+                <a16:creationId xmlns:a16="http://schemas.microsoft.com/office/drawing/2014/main" id="{E3E0F31D-15C1-1CF2-D7D4-6647F71CA163}"/>
+              </a:ext>
+            </a:extLst>
+          </p:cNvPr>
+          <p:cNvSpPr/>
+          <p:nvPr/>
+        </p:nvSpPr>
+        <p:spPr>
+          <a:xfrm>
+            <a:off x="2464651" y="3228885"/>
+            <a:ext cx="1119467" cy="537882"/>
+          </a:xfrm>
+          <a:prstGeom prst="rect">
+            <a:avLst/>
+          </a:prstGeom>
+          <a:solidFill>
+            <a:schemeClr val="bg2">
+              <a:lumMod val="90000"/>
+            </a:schemeClr>
+          </a:solidFill>
+          <a:ln w="19050">
+            <a:solidFill>
+              <a:schemeClr val="tx1"/>
+            </a:solidFill>
+          </a:ln>
+        </p:spPr>
+        <p:style>
+          <a:lnRef idx="2">
+            <a:schemeClr val="accent1">
+              <a:shade val="50000"/>
+            </a:schemeClr>
+          </a:lnRef>
+          <a:fillRef idx="1">
+            <a:schemeClr val="accent1"/>
+          </a:fillRef>
+          <a:effectRef idx="0">
+            <a:schemeClr val="accent1"/>
+          </a:effectRef>
+          <a:fontRef idx="minor">
+            <a:schemeClr val="lt1"/>
+          </a:fontRef>
+        </p:style>
+        <p:txBody>
+          <a:bodyPr rot="0" spcFirstLastPara="0" vertOverflow="overflow" horzOverflow="overflow" vert="horz" wrap="square" lIns="68580" tIns="34291" rIns="68580" bIns="34291" numCol="1" spcCol="0" rtlCol="0" fromWordArt="0" anchor="ctr" anchorCtr="0" forceAA="0" compatLnSpc="1">
+            <a:prstTxWarp prst="textNoShape">
+              <a:avLst/>
+            </a:prstTxWarp>
+            <a:noAutofit/>
+          </a:bodyPr>
+          <a:lstStyle/>
+          <a:p>
+            <a:pPr algn="ctr"/>
+            <a:endParaRPr lang="en-GB" sz="1050"/>
+          </a:p>
+        </p:txBody>
+      </p:sp>
+      <p:sp>
+        <p:nvSpPr>
+          <p:cNvPr id="6" name="Rectangle 5">
+            <a:extLst>
+              <a:ext uri="{FF2B5EF4-FFF2-40B4-BE49-F238E27FC236}">
+                <a16:creationId xmlns:a16="http://schemas.microsoft.com/office/drawing/2014/main" id="{B0AB171A-119C-6CBF-9FEF-0AF21AD5C405}"/>
+              </a:ext>
+            </a:extLst>
+          </p:cNvPr>
+          <p:cNvSpPr/>
+          <p:nvPr/>
+        </p:nvSpPr>
+        <p:spPr>
+          <a:xfrm>
+            <a:off x="3838616" y="3201714"/>
+            <a:ext cx="1059411" cy="598113"/>
+          </a:xfrm>
+          <a:prstGeom prst="rect">
+            <a:avLst/>
+          </a:prstGeom>
+          <a:solidFill>
+            <a:schemeClr val="bg2">
+              <a:lumMod val="90000"/>
+            </a:schemeClr>
+          </a:solidFill>
+          <a:ln w="19050">
+            <a:solidFill>
+              <a:schemeClr val="tx1"/>
+            </a:solidFill>
+          </a:ln>
+        </p:spPr>
+        <p:style>
+          <a:lnRef idx="2">
+            <a:schemeClr val="accent1">
+              <a:shade val="50000"/>
+            </a:schemeClr>
+          </a:lnRef>
+          <a:fillRef idx="1">
+            <a:schemeClr val="accent1"/>
+          </a:fillRef>
+          <a:effectRef idx="0">
+            <a:schemeClr val="accent1"/>
+          </a:effectRef>
+          <a:fontRef idx="minor">
+            <a:schemeClr val="lt1"/>
+          </a:fontRef>
+        </p:style>
+        <p:txBody>
+          <a:bodyPr rot="0" spcFirstLastPara="0" vertOverflow="overflow" horzOverflow="overflow" vert="horz" wrap="square" lIns="68580" tIns="34291" rIns="68580" bIns="34291" numCol="1" spcCol="0" rtlCol="0" fromWordArt="0" anchor="ctr" anchorCtr="0" forceAA="0" compatLnSpc="1">
+            <a:prstTxWarp prst="textNoShape">
+              <a:avLst/>
+            </a:prstTxWarp>
+            <a:noAutofit/>
+          </a:bodyPr>
+          <a:lstStyle/>
+          <a:p>
+            <a:pPr algn="ctr"/>
+            <a:endParaRPr lang="en-GB" sz="1050"/>
+          </a:p>
+        </p:txBody>
+      </p:sp>
+      <p:sp>
+        <p:nvSpPr>
+          <p:cNvPr id="7" name="Folded Corner 20">
+            <a:extLst>
+              <a:ext uri="{FF2B5EF4-FFF2-40B4-BE49-F238E27FC236}">
+                <a16:creationId xmlns:a16="http://schemas.microsoft.com/office/drawing/2014/main" id="{FF0DE839-36D2-1106-4B52-0BAD5A90574B}"/>
+              </a:ext>
+            </a:extLst>
+          </p:cNvPr>
+          <p:cNvSpPr/>
+          <p:nvPr/>
+        </p:nvSpPr>
+        <p:spPr>
+          <a:xfrm rot="16200000">
+            <a:off x="2982404" y="3717556"/>
+            <a:ext cx="520412" cy="1170595"/>
+          </a:xfrm>
+          <a:prstGeom prst="foldedCorner">
+            <a:avLst>
+              <a:gd name="adj" fmla="val 40193"/>
+            </a:avLst>
+          </a:prstGeom>
+          <a:solidFill>
+            <a:schemeClr val="bg1"/>
+          </a:solidFill>
+          <a:ln w="19050">
+            <a:solidFill>
+              <a:schemeClr val="tx1"/>
+            </a:solidFill>
+          </a:ln>
+        </p:spPr>
+        <p:style>
+          <a:lnRef idx="2">
+            <a:schemeClr val="accent1">
+              <a:shade val="50000"/>
+            </a:schemeClr>
+          </a:lnRef>
+          <a:fillRef idx="1">
+            <a:schemeClr val="accent1"/>
+          </a:fillRef>
+          <a:effectRef idx="0">
+            <a:schemeClr val="accent1"/>
+          </a:effectRef>
+          <a:fontRef idx="minor">
+            <a:schemeClr val="lt1"/>
+          </a:fontRef>
+        </p:style>
+        <p:txBody>
+          <a:bodyPr rot="0" spcFirstLastPara="0" vertOverflow="overflow" horzOverflow="overflow" vert="horz" wrap="square" lIns="68580" tIns="34291" rIns="68580" bIns="34291" numCol="1" spcCol="0" rtlCol="0" fromWordArt="0" anchor="ctr" anchorCtr="0" forceAA="0" compatLnSpc="1">
+            <a:prstTxWarp prst="textNoShape">
+              <a:avLst/>
+            </a:prstTxWarp>
+            <a:noAutofit/>
+          </a:bodyPr>
+          <a:lstStyle/>
+          <a:p>
+            <a:pPr algn="ctr"/>
+            <a:endParaRPr lang="en-GB" sz="1050">
+              <a:solidFill>
+                <a:schemeClr val="tx1"/>
+              </a:solidFill>
+            </a:endParaRPr>
+          </a:p>
+        </p:txBody>
+      </p:sp>
+      <p:sp>
+        <p:nvSpPr>
+          <p:cNvPr id="8" name="Folded Corner 30">
+            <a:extLst>
+              <a:ext uri="{FF2B5EF4-FFF2-40B4-BE49-F238E27FC236}">
+                <a16:creationId xmlns:a16="http://schemas.microsoft.com/office/drawing/2014/main" id="{633FDD05-EB36-378E-1D5F-6EDBD2691FEB}"/>
+              </a:ext>
+            </a:extLst>
+          </p:cNvPr>
+          <p:cNvSpPr/>
+          <p:nvPr/>
+        </p:nvSpPr>
+        <p:spPr>
+          <a:xfrm rot="16200000">
+            <a:off x="1436919" y="2171899"/>
+            <a:ext cx="604134" cy="1012912"/>
+          </a:xfrm>
+          <a:prstGeom prst="foldedCorner">
+            <a:avLst>
+              <a:gd name="adj" fmla="val 40193"/>
+            </a:avLst>
+          </a:prstGeom>
+          <a:solidFill>
+            <a:schemeClr val="bg1"/>
+          </a:solidFill>
+          <a:ln w="19050">
+            <a:solidFill>
+              <a:schemeClr val="tx1"/>
+            </a:solidFill>
+          </a:ln>
+        </p:spPr>
+        <p:style>
+          <a:lnRef idx="2">
+            <a:schemeClr val="accent1">
+              <a:shade val="50000"/>
+            </a:schemeClr>
+          </a:lnRef>
+          <a:fillRef idx="1">
+            <a:schemeClr val="accent1"/>
+          </a:fillRef>
+          <a:effectRef idx="0">
+            <a:schemeClr val="accent1"/>
+          </a:effectRef>
+          <a:fontRef idx="minor">
+            <a:schemeClr val="lt1"/>
+          </a:fontRef>
+        </p:style>
+        <p:txBody>
+          <a:bodyPr rot="0" spcFirstLastPara="0" vertOverflow="overflow" horzOverflow="overflow" vert="horz" wrap="square" lIns="68580" tIns="34291" rIns="68580" bIns="34291" numCol="1" spcCol="0" rtlCol="0" fromWordArt="0" anchor="ctr" anchorCtr="0" forceAA="0" compatLnSpc="1">
+            <a:prstTxWarp prst="textNoShape">
+              <a:avLst/>
+            </a:prstTxWarp>
+            <a:noAutofit/>
+          </a:bodyPr>
+          <a:lstStyle/>
+          <a:p>
+            <a:pPr algn="ctr"/>
+            <a:endParaRPr lang="en-GB" sz="1050">
+              <a:solidFill>
+                <a:schemeClr val="tx1"/>
+              </a:solidFill>
+            </a:endParaRPr>
+          </a:p>
+        </p:txBody>
+      </p:sp>
+      <p:cxnSp>
+        <p:nvCxnSpPr>
+          <p:cNvPr id="10" name="Straight Connector 9">
+            <a:extLst>
+              <a:ext uri="{FF2B5EF4-FFF2-40B4-BE49-F238E27FC236}">
+                <a16:creationId xmlns:a16="http://schemas.microsoft.com/office/drawing/2014/main" id="{0E58B403-435A-99D9-239E-3C9E602676EC}"/>
+              </a:ext>
+            </a:extLst>
+          </p:cNvPr>
+          <p:cNvCxnSpPr>
+            <a:cxnSpLocks/>
+          </p:cNvCxnSpPr>
+          <p:nvPr/>
+        </p:nvCxnSpPr>
+        <p:spPr>
+          <a:xfrm flipV="1">
+            <a:off x="2499927" y="4292746"/>
+            <a:ext cx="163762" cy="1977"/>
+          </a:xfrm>
+          <a:prstGeom prst="line">
+            <a:avLst/>
+          </a:prstGeom>
+          <a:ln w="19050">
+            <a:solidFill>
+              <a:schemeClr val="tx1"/>
+            </a:solidFill>
+            <a:prstDash val="sysDash"/>
+            <a:headEnd w="lg" len="lg"/>
+            <a:tailEnd type="triangle" w="lg" len="lg"/>
+          </a:ln>
+        </p:spPr>
+        <p:style>
+          <a:lnRef idx="1">
+            <a:schemeClr val="accent1"/>
+          </a:lnRef>
+          <a:fillRef idx="0">
+            <a:schemeClr val="accent1"/>
+          </a:fillRef>
+          <a:effectRef idx="0">
+            <a:schemeClr val="accent1"/>
+          </a:effectRef>
+          <a:fontRef idx="minor">
+            <a:schemeClr val="tx1"/>
+          </a:fontRef>
+        </p:style>
+      </p:cxnSp>
+      <p:cxnSp>
+        <p:nvCxnSpPr>
+          <p:cNvPr id="11" name="Straight Connector 10">
+            <a:extLst>
+              <a:ext uri="{FF2B5EF4-FFF2-40B4-BE49-F238E27FC236}">
+                <a16:creationId xmlns:a16="http://schemas.microsoft.com/office/drawing/2014/main" id="{9BDFA6BA-AD6A-FFB2-A33E-884341D701BD}"/>
+              </a:ext>
+            </a:extLst>
+          </p:cNvPr>
+          <p:cNvCxnSpPr>
+            <a:cxnSpLocks/>
+            <a:stCxn id="12" idx="1"/>
+            <a:endCxn id="6" idx="0"/>
+          </p:cNvCxnSpPr>
+          <p:nvPr/>
+        </p:nvCxnSpPr>
+        <p:spPr>
+          <a:xfrm>
+            <a:off x="4367728" y="2639038"/>
+            <a:ext cx="594" cy="562676"/>
+          </a:xfrm>
+          <a:prstGeom prst="line">
+            <a:avLst/>
+          </a:prstGeom>
+          <a:ln w="19050">
+            <a:solidFill>
+              <a:schemeClr val="tx1"/>
+            </a:solidFill>
+            <a:prstDash val="sysDash"/>
+            <a:headEnd w="lg" len="lg"/>
+            <a:tailEnd type="triangle" w="lg" len="lg"/>
+          </a:ln>
+        </p:spPr>
+        <p:style>
+          <a:lnRef idx="1">
+            <a:schemeClr val="accent1"/>
+          </a:lnRef>
+          <a:fillRef idx="0">
+            <a:schemeClr val="accent1"/>
+          </a:fillRef>
+          <a:effectRef idx="0">
+            <a:schemeClr val="accent1"/>
+          </a:effectRef>
+          <a:fontRef idx="minor">
+            <a:schemeClr val="tx1"/>
+          </a:fontRef>
+        </p:style>
+      </p:cxnSp>
+      <p:sp>
+        <p:nvSpPr>
+          <p:cNvPr id="12" name="Folded Corner 81">
+            <a:extLst>
+              <a:ext uri="{FF2B5EF4-FFF2-40B4-BE49-F238E27FC236}">
+                <a16:creationId xmlns:a16="http://schemas.microsoft.com/office/drawing/2014/main" id="{C9F66BE4-B552-9133-1014-D016B560B93A}"/>
+              </a:ext>
+            </a:extLst>
+          </p:cNvPr>
+          <p:cNvSpPr/>
+          <p:nvPr/>
+        </p:nvSpPr>
+        <p:spPr>
+          <a:xfrm rot="16200000">
+            <a:off x="4055992" y="1805954"/>
+            <a:ext cx="623470" cy="1042697"/>
+          </a:xfrm>
+          <a:prstGeom prst="foldedCorner">
+            <a:avLst>
+              <a:gd name="adj" fmla="val 40193"/>
+            </a:avLst>
+          </a:prstGeom>
+          <a:solidFill>
+            <a:schemeClr val="bg1"/>
+          </a:solidFill>
+          <a:ln w="19050">
+            <a:solidFill>
+              <a:schemeClr val="tx1"/>
+            </a:solidFill>
+          </a:ln>
+        </p:spPr>
+        <p:style>
+          <a:lnRef idx="2">
+            <a:schemeClr val="accent1">
+              <a:shade val="50000"/>
+            </a:schemeClr>
+          </a:lnRef>
+          <a:fillRef idx="1">
+            <a:schemeClr val="accent1"/>
+          </a:fillRef>
+          <a:effectRef idx="0">
+            <a:schemeClr val="accent1"/>
+          </a:effectRef>
+          <a:fontRef idx="minor">
+            <a:schemeClr val="lt1"/>
+          </a:fontRef>
+        </p:style>
+        <p:txBody>
+          <a:bodyPr rot="0" spcFirstLastPara="0" vertOverflow="overflow" horzOverflow="overflow" vert="horz" wrap="square" lIns="68580" tIns="34291" rIns="68580" bIns="34291" numCol="1" spcCol="0" rtlCol="0" fromWordArt="0" anchor="ctr" anchorCtr="0" forceAA="0" compatLnSpc="1">
+            <a:prstTxWarp prst="textNoShape">
+              <a:avLst/>
+            </a:prstTxWarp>
+            <a:noAutofit/>
+          </a:bodyPr>
+          <a:lstStyle/>
+          <a:p>
+            <a:pPr algn="ctr"/>
+            <a:endParaRPr lang="en-GB" sz="1050">
+              <a:solidFill>
+                <a:schemeClr val="tx1"/>
+              </a:solidFill>
+            </a:endParaRPr>
+          </a:p>
+        </p:txBody>
+      </p:sp>
+      <p:sp>
+        <p:nvSpPr>
+          <p:cNvPr id="13" name="Folded Corner 86">
+            <a:extLst>
+              <a:ext uri="{FF2B5EF4-FFF2-40B4-BE49-F238E27FC236}">
+                <a16:creationId xmlns:a16="http://schemas.microsoft.com/office/drawing/2014/main" id="{88547B0F-2854-15E5-9C62-CB2350C03282}"/>
+              </a:ext>
+            </a:extLst>
+          </p:cNvPr>
+          <p:cNvSpPr/>
+          <p:nvPr/>
+        </p:nvSpPr>
+        <p:spPr>
+          <a:xfrm rot="16200000">
+            <a:off x="4452866" y="3665182"/>
+            <a:ext cx="491356" cy="1322084"/>
+          </a:xfrm>
+          <a:prstGeom prst="foldedCorner">
+            <a:avLst>
+              <a:gd name="adj" fmla="val 40193"/>
+            </a:avLst>
+          </a:prstGeom>
+          <a:solidFill>
+            <a:schemeClr val="bg1"/>
+          </a:solidFill>
+          <a:ln w="19050">
+            <a:solidFill>
+              <a:schemeClr val="tx1"/>
+            </a:solidFill>
+          </a:ln>
+        </p:spPr>
+        <p:style>
+          <a:lnRef idx="2">
+            <a:schemeClr val="accent1">
+              <a:shade val="50000"/>
+            </a:schemeClr>
+          </a:lnRef>
+          <a:fillRef idx="1">
+            <a:schemeClr val="accent1"/>
+          </a:fillRef>
+          <a:effectRef idx="0">
+            <a:schemeClr val="accent1"/>
+          </a:effectRef>
+          <a:fontRef idx="minor">
+            <a:schemeClr val="lt1"/>
+          </a:fontRef>
+        </p:style>
+        <p:txBody>
+          <a:bodyPr rot="0" spcFirstLastPara="0" vertOverflow="overflow" horzOverflow="overflow" vert="horz" wrap="square" lIns="68580" tIns="34291" rIns="68580" bIns="34291" numCol="1" spcCol="0" rtlCol="0" fromWordArt="0" anchor="ctr" anchorCtr="0" forceAA="0" compatLnSpc="1">
+            <a:prstTxWarp prst="textNoShape">
+              <a:avLst/>
+            </a:prstTxWarp>
+            <a:noAutofit/>
+          </a:bodyPr>
+          <a:lstStyle/>
+          <a:p>
+            <a:pPr algn="ctr"/>
+            <a:endParaRPr lang="en-GB" sz="1050">
+              <a:solidFill>
+                <a:schemeClr val="tx1"/>
+              </a:solidFill>
+            </a:endParaRPr>
+          </a:p>
+        </p:txBody>
+      </p:sp>
+      <p:sp>
+        <p:nvSpPr>
+          <p:cNvPr id="16" name="Folded Corner 96">
+            <a:extLst>
+              <a:ext uri="{FF2B5EF4-FFF2-40B4-BE49-F238E27FC236}">
+                <a16:creationId xmlns:a16="http://schemas.microsoft.com/office/drawing/2014/main" id="{2A31AC85-B698-D170-7003-683F1941ABA8}"/>
+              </a:ext>
+            </a:extLst>
+          </p:cNvPr>
+          <p:cNvSpPr/>
+          <p:nvPr/>
+        </p:nvSpPr>
+        <p:spPr>
+          <a:xfrm rot="16200000">
+            <a:off x="1502015" y="1386298"/>
+            <a:ext cx="518589" cy="1052026"/>
+          </a:xfrm>
+          <a:prstGeom prst="foldedCorner">
+            <a:avLst>
+              <a:gd name="adj" fmla="val 40193"/>
+            </a:avLst>
+          </a:prstGeom>
+          <a:solidFill>
+            <a:schemeClr val="bg1"/>
+          </a:solidFill>
+          <a:ln w="19050">
+            <a:solidFill>
+              <a:schemeClr val="tx1"/>
+            </a:solidFill>
+          </a:ln>
+        </p:spPr>
+        <p:style>
+          <a:lnRef idx="2">
+            <a:schemeClr val="accent1">
+              <a:shade val="50000"/>
+            </a:schemeClr>
+          </a:lnRef>
+          <a:fillRef idx="1">
+            <a:schemeClr val="accent1"/>
+          </a:fillRef>
+          <a:effectRef idx="0">
+            <a:schemeClr val="accent1"/>
+          </a:effectRef>
+          <a:fontRef idx="minor">
+            <a:schemeClr val="lt1"/>
+          </a:fontRef>
+        </p:style>
+        <p:txBody>
+          <a:bodyPr rot="0" spcFirstLastPara="0" vertOverflow="overflow" horzOverflow="overflow" vert="horz" wrap="square" lIns="68580" tIns="34291" rIns="68580" bIns="34291" numCol="1" spcCol="0" rtlCol="0" fromWordArt="0" anchor="ctr" anchorCtr="0" forceAA="0" compatLnSpc="1">
+            <a:prstTxWarp prst="textNoShape">
+              <a:avLst/>
+            </a:prstTxWarp>
+            <a:noAutofit/>
+          </a:bodyPr>
+          <a:lstStyle/>
+          <a:p>
+            <a:pPr algn="ctr"/>
+            <a:endParaRPr lang="en-GB" sz="1050">
+              <a:solidFill>
+                <a:schemeClr val="tx1"/>
+              </a:solidFill>
+            </a:endParaRPr>
+          </a:p>
+        </p:txBody>
+      </p:sp>
+      <p:cxnSp>
+        <p:nvCxnSpPr>
+          <p:cNvPr id="17" name="Straight Connector 16">
+            <a:extLst>
+              <a:ext uri="{FF2B5EF4-FFF2-40B4-BE49-F238E27FC236}">
+                <a16:creationId xmlns:a16="http://schemas.microsoft.com/office/drawing/2014/main" id="{A20A3DF4-E265-7774-8E19-234A90F7D3A8}"/>
+              </a:ext>
+            </a:extLst>
+          </p:cNvPr>
+          <p:cNvCxnSpPr>
+            <a:cxnSpLocks/>
+          </p:cNvCxnSpPr>
+          <p:nvPr/>
+        </p:nvCxnSpPr>
+        <p:spPr>
+          <a:xfrm flipV="1">
+            <a:off x="2286079" y="2310081"/>
+            <a:ext cx="5745" cy="1155824"/>
+          </a:xfrm>
+          <a:prstGeom prst="line">
+            <a:avLst/>
+          </a:prstGeom>
+          <a:ln w="19050">
+            <a:solidFill>
+              <a:schemeClr val="tx1"/>
+            </a:solidFill>
+            <a:prstDash val="sysDash"/>
+          </a:ln>
+        </p:spPr>
+        <p:style>
+          <a:lnRef idx="1">
+            <a:schemeClr val="accent1"/>
+          </a:lnRef>
+          <a:fillRef idx="0">
+            <a:schemeClr val="accent1"/>
+          </a:fillRef>
+          <a:effectRef idx="0">
+            <a:schemeClr val="accent1"/>
+          </a:effectRef>
+          <a:fontRef idx="minor">
+            <a:schemeClr val="tx1"/>
+          </a:fontRef>
+        </p:style>
+      </p:cxnSp>
+      <p:cxnSp>
+        <p:nvCxnSpPr>
+          <p:cNvPr id="18" name="Straight Connector 17">
+            <a:extLst>
+              <a:ext uri="{FF2B5EF4-FFF2-40B4-BE49-F238E27FC236}">
+                <a16:creationId xmlns:a16="http://schemas.microsoft.com/office/drawing/2014/main" id="{0C32DAF0-31D5-F3C1-DE1C-450696DB50B5}"/>
+              </a:ext>
+            </a:extLst>
+          </p:cNvPr>
+          <p:cNvCxnSpPr>
+            <a:cxnSpLocks/>
+          </p:cNvCxnSpPr>
+          <p:nvPr/>
+        </p:nvCxnSpPr>
+        <p:spPr>
+          <a:xfrm>
+            <a:off x="2281573" y="3465905"/>
+            <a:ext cx="183078" cy="2002"/>
+          </a:xfrm>
+          <a:prstGeom prst="line">
+            <a:avLst/>
+          </a:prstGeom>
+          <a:ln w="19050">
+            <a:solidFill>
+              <a:schemeClr val="tx1"/>
+            </a:solidFill>
+            <a:prstDash val="sysDash"/>
+            <a:headEnd w="lg" len="lg"/>
+            <a:tailEnd type="triangle" w="lg" len="lg"/>
+          </a:ln>
+        </p:spPr>
+        <p:style>
+          <a:lnRef idx="1">
+            <a:schemeClr val="accent1"/>
+          </a:lnRef>
+          <a:fillRef idx="0">
+            <a:schemeClr val="accent1"/>
+          </a:fillRef>
+          <a:effectRef idx="0">
+            <a:schemeClr val="accent1"/>
+          </a:effectRef>
+          <a:fontRef idx="minor">
+            <a:schemeClr val="tx1"/>
+          </a:fontRef>
+        </p:style>
+      </p:cxnSp>
+      <p:cxnSp>
+        <p:nvCxnSpPr>
+          <p:cNvPr id="19" name="Straight Connector 18">
+            <a:extLst>
+              <a:ext uri="{FF2B5EF4-FFF2-40B4-BE49-F238E27FC236}">
+                <a16:creationId xmlns:a16="http://schemas.microsoft.com/office/drawing/2014/main" id="{4B39D7D3-5C7C-8C49-9894-1B84B85D066E}"/>
+              </a:ext>
+            </a:extLst>
+          </p:cNvPr>
+          <p:cNvCxnSpPr>
+            <a:cxnSpLocks/>
+          </p:cNvCxnSpPr>
+          <p:nvPr/>
+        </p:nvCxnSpPr>
+        <p:spPr>
+          <a:xfrm flipV="1">
+            <a:off x="1505050" y="2981370"/>
+            <a:ext cx="0" cy="91974"/>
+          </a:xfrm>
+          <a:prstGeom prst="line">
+            <a:avLst/>
+          </a:prstGeom>
+          <a:ln w="19050">
+            <a:solidFill>
+              <a:schemeClr val="tx1"/>
+            </a:solidFill>
+            <a:prstDash val="sysDash"/>
+            <a:headEnd w="lg" len="lg"/>
+            <a:tailEnd type="none" w="lg" len="lg"/>
+          </a:ln>
+        </p:spPr>
+        <p:style>
+          <a:lnRef idx="1">
+            <a:schemeClr val="accent1"/>
+          </a:lnRef>
+          <a:fillRef idx="0">
+            <a:schemeClr val="accent1"/>
+          </a:fillRef>
+          <a:effectRef idx="0">
+            <a:schemeClr val="accent1"/>
+          </a:effectRef>
+          <a:fontRef idx="minor">
+            <a:schemeClr val="tx1"/>
+          </a:fontRef>
+        </p:style>
+      </p:cxnSp>
+      <p:cxnSp>
+        <p:nvCxnSpPr>
+          <p:cNvPr id="20" name="Straight Connector 19">
+            <a:extLst>
+              <a:ext uri="{FF2B5EF4-FFF2-40B4-BE49-F238E27FC236}">
+                <a16:creationId xmlns:a16="http://schemas.microsoft.com/office/drawing/2014/main" id="{19A6AAC0-DC86-7297-A6A3-2B873F07EA28}"/>
+              </a:ext>
+            </a:extLst>
+          </p:cNvPr>
+          <p:cNvCxnSpPr>
+            <a:cxnSpLocks/>
+          </p:cNvCxnSpPr>
+          <p:nvPr/>
+        </p:nvCxnSpPr>
+        <p:spPr>
+          <a:xfrm>
+            <a:off x="1505050" y="3067168"/>
+            <a:ext cx="1450636" cy="0"/>
+          </a:xfrm>
+          <a:prstGeom prst="line">
+            <a:avLst/>
+          </a:prstGeom>
+          <a:ln w="19050">
+            <a:solidFill>
+              <a:schemeClr val="tx1"/>
+            </a:solidFill>
+            <a:prstDash val="sysDash"/>
+            <a:headEnd w="lg" len="lg"/>
+            <a:tailEnd type="none" w="lg" len="lg"/>
+          </a:ln>
+        </p:spPr>
+        <p:style>
+          <a:lnRef idx="1">
+            <a:schemeClr val="accent1"/>
+          </a:lnRef>
+          <a:fillRef idx="0">
+            <a:schemeClr val="accent1"/>
+          </a:fillRef>
+          <a:effectRef idx="0">
+            <a:schemeClr val="accent1"/>
+          </a:effectRef>
+          <a:fontRef idx="minor">
+            <a:schemeClr val="tx1"/>
+          </a:fontRef>
+        </p:style>
+      </p:cxnSp>
+      <p:sp>
+        <p:nvSpPr>
+          <p:cNvPr id="21" name="Folded Corner 46">
+            <a:extLst>
+              <a:ext uri="{FF2B5EF4-FFF2-40B4-BE49-F238E27FC236}">
+                <a16:creationId xmlns:a16="http://schemas.microsoft.com/office/drawing/2014/main" id="{6C5028FB-206A-857C-B8AB-05E80E9D80B9}"/>
+              </a:ext>
+            </a:extLst>
+          </p:cNvPr>
+          <p:cNvSpPr/>
+          <p:nvPr/>
+        </p:nvSpPr>
+        <p:spPr>
+          <a:xfrm rot="16200000">
+            <a:off x="2679567" y="2134930"/>
+            <a:ext cx="539292" cy="1095140"/>
+          </a:xfrm>
+          <a:prstGeom prst="foldedCorner">
+            <a:avLst>
+              <a:gd name="adj" fmla="val 40193"/>
+            </a:avLst>
+          </a:prstGeom>
+          <a:solidFill>
+            <a:schemeClr val="bg1"/>
+          </a:solidFill>
+          <a:ln w="19050">
+            <a:solidFill>
+              <a:schemeClr val="tx1"/>
+            </a:solidFill>
+          </a:ln>
+        </p:spPr>
+        <p:style>
+          <a:lnRef idx="2">
+            <a:schemeClr val="accent1">
+              <a:shade val="50000"/>
+            </a:schemeClr>
+          </a:lnRef>
+          <a:fillRef idx="1">
+            <a:schemeClr val="accent1"/>
+          </a:fillRef>
+          <a:effectRef idx="0">
+            <a:schemeClr val="accent1"/>
+          </a:effectRef>
+          <a:fontRef idx="minor">
+            <a:schemeClr val="lt1"/>
+          </a:fontRef>
+        </p:style>
+        <p:txBody>
+          <a:bodyPr rot="0" spcFirstLastPara="0" vertOverflow="overflow" horzOverflow="overflow" vert="horz" wrap="square" lIns="68580" tIns="34291" rIns="68580" bIns="34291" numCol="1" spcCol="0" rtlCol="0" fromWordArt="0" anchor="ctr" anchorCtr="0" forceAA="0" compatLnSpc="1">
+            <a:prstTxWarp prst="textNoShape">
+              <a:avLst/>
+            </a:prstTxWarp>
+            <a:noAutofit/>
+          </a:bodyPr>
+          <a:lstStyle/>
+          <a:p>
+            <a:pPr algn="ctr"/>
+            <a:endParaRPr lang="en-GB" sz="1050">
+              <a:solidFill>
+                <a:schemeClr val="tx1"/>
+              </a:solidFill>
+            </a:endParaRPr>
+          </a:p>
+        </p:txBody>
+      </p:sp>
+      <p:cxnSp>
+        <p:nvCxnSpPr>
+          <p:cNvPr id="22" name="Straight Connector 21">
+            <a:extLst>
+              <a:ext uri="{FF2B5EF4-FFF2-40B4-BE49-F238E27FC236}">
+                <a16:creationId xmlns:a16="http://schemas.microsoft.com/office/drawing/2014/main" id="{C0062A4B-E0FA-32A4-F729-CA88C785D992}"/>
+              </a:ext>
+            </a:extLst>
+          </p:cNvPr>
+          <p:cNvCxnSpPr>
+            <a:cxnSpLocks/>
+          </p:cNvCxnSpPr>
+          <p:nvPr/>
+        </p:nvCxnSpPr>
+        <p:spPr>
+          <a:xfrm flipV="1">
+            <a:off x="1489339" y="2161379"/>
+            <a:ext cx="0" cy="136676"/>
+          </a:xfrm>
+          <a:prstGeom prst="line">
+            <a:avLst/>
+          </a:prstGeom>
+          <a:ln w="19050">
+            <a:solidFill>
+              <a:schemeClr val="tx1"/>
+            </a:solidFill>
+            <a:prstDash val="sysDash"/>
+            <a:headEnd w="lg" len="lg"/>
+            <a:tailEnd type="none" w="lg" len="lg"/>
+          </a:ln>
+        </p:spPr>
+        <p:style>
+          <a:lnRef idx="1">
+            <a:schemeClr val="accent1"/>
+          </a:lnRef>
+          <a:fillRef idx="0">
+            <a:schemeClr val="accent1"/>
+          </a:fillRef>
+          <a:effectRef idx="0">
+            <a:schemeClr val="accent1"/>
+          </a:effectRef>
+          <a:fontRef idx="minor">
+            <a:schemeClr val="tx1"/>
+          </a:fontRef>
+        </p:style>
+      </p:cxnSp>
+      <p:cxnSp>
+        <p:nvCxnSpPr>
+          <p:cNvPr id="23" name="Straight Connector 22">
+            <a:extLst>
+              <a:ext uri="{FF2B5EF4-FFF2-40B4-BE49-F238E27FC236}">
+                <a16:creationId xmlns:a16="http://schemas.microsoft.com/office/drawing/2014/main" id="{2FD2AD07-5477-62AF-35FA-5194C63C85F5}"/>
+              </a:ext>
+            </a:extLst>
+          </p:cNvPr>
+          <p:cNvCxnSpPr>
+            <a:cxnSpLocks/>
+          </p:cNvCxnSpPr>
+          <p:nvPr/>
+        </p:nvCxnSpPr>
+        <p:spPr>
+          <a:xfrm>
+            <a:off x="1489339" y="2298055"/>
+            <a:ext cx="1474581" cy="10640"/>
+          </a:xfrm>
+          <a:prstGeom prst="line">
+            <a:avLst/>
+          </a:prstGeom>
+          <a:ln w="19050">
+            <a:solidFill>
+              <a:schemeClr val="tx1"/>
+            </a:solidFill>
+            <a:prstDash val="sysDash"/>
+            <a:headEnd w="lg" len="lg"/>
+            <a:tailEnd type="none" w="lg" len="lg"/>
+          </a:ln>
+        </p:spPr>
+        <p:style>
+          <a:lnRef idx="1">
+            <a:schemeClr val="accent1"/>
+          </a:lnRef>
+          <a:fillRef idx="0">
+            <a:schemeClr val="accent1"/>
+          </a:fillRef>
+          <a:effectRef idx="0">
+            <a:schemeClr val="accent1"/>
+          </a:effectRef>
+          <a:fontRef idx="minor">
+            <a:schemeClr val="tx1"/>
+          </a:fontRef>
+        </p:style>
+      </p:cxnSp>
+      <p:sp>
+        <p:nvSpPr>
+          <p:cNvPr id="24" name="Folded Corner 35">
+            <a:extLst>
+              <a:ext uri="{FF2B5EF4-FFF2-40B4-BE49-F238E27FC236}">
+                <a16:creationId xmlns:a16="http://schemas.microsoft.com/office/drawing/2014/main" id="{ABB54E9F-D868-2566-0F2B-C434D262D9AE}"/>
+              </a:ext>
+            </a:extLst>
+          </p:cNvPr>
+          <p:cNvSpPr/>
+          <p:nvPr/>
+        </p:nvSpPr>
+        <p:spPr>
+          <a:xfrm rot="16200000">
+            <a:off x="2675667" y="1302325"/>
+            <a:ext cx="530939" cy="1232320"/>
+          </a:xfrm>
+          <a:prstGeom prst="foldedCorner">
+            <a:avLst>
+              <a:gd name="adj" fmla="val 40193"/>
+            </a:avLst>
+          </a:prstGeom>
+          <a:solidFill>
+            <a:schemeClr val="bg1"/>
+          </a:solidFill>
+          <a:ln w="19050">
+            <a:solidFill>
+              <a:schemeClr val="tx1"/>
+            </a:solidFill>
+          </a:ln>
+        </p:spPr>
+        <p:style>
+          <a:lnRef idx="2">
+            <a:schemeClr val="accent1">
+              <a:shade val="50000"/>
+            </a:schemeClr>
+          </a:lnRef>
+          <a:fillRef idx="1">
+            <a:schemeClr val="accent1"/>
+          </a:fillRef>
+          <a:effectRef idx="0">
+            <a:schemeClr val="accent1"/>
+          </a:effectRef>
+          <a:fontRef idx="minor">
+            <a:schemeClr val="lt1"/>
+          </a:fontRef>
+        </p:style>
+        <p:txBody>
+          <a:bodyPr rot="0" spcFirstLastPara="0" vertOverflow="overflow" horzOverflow="overflow" vert="horz" wrap="square" lIns="68580" tIns="34291" rIns="68580" bIns="34291" numCol="1" spcCol="0" rtlCol="0" fromWordArt="0" anchor="ctr" anchorCtr="0" forceAA="0" compatLnSpc="1">
+            <a:prstTxWarp prst="textNoShape">
+              <a:avLst/>
+            </a:prstTxWarp>
+            <a:noAutofit/>
+          </a:bodyPr>
+          <a:lstStyle/>
+          <a:p>
+            <a:pPr algn="ctr"/>
+            <a:endParaRPr lang="en-GB" sz="1050">
+              <a:solidFill>
+                <a:schemeClr val="tx1"/>
+              </a:solidFill>
+            </a:endParaRPr>
+          </a:p>
+        </p:txBody>
+      </p:sp>
+      <p:cxnSp>
+        <p:nvCxnSpPr>
+          <p:cNvPr id="25" name="Straight Connector 24">
+            <a:extLst>
+              <a:ext uri="{FF2B5EF4-FFF2-40B4-BE49-F238E27FC236}">
+                <a16:creationId xmlns:a16="http://schemas.microsoft.com/office/drawing/2014/main" id="{C8DADF54-D9A1-F368-C8DB-8E4A69276256}"/>
+              </a:ext>
+            </a:extLst>
+          </p:cNvPr>
+          <p:cNvCxnSpPr>
+            <a:cxnSpLocks/>
+          </p:cNvCxnSpPr>
+          <p:nvPr/>
+        </p:nvCxnSpPr>
+        <p:spPr>
+          <a:xfrm flipV="1">
+            <a:off x="2953118" y="2183955"/>
+            <a:ext cx="0" cy="112272"/>
+          </a:xfrm>
+          <a:prstGeom prst="line">
+            <a:avLst/>
+          </a:prstGeom>
+          <a:ln w="19050">
+            <a:solidFill>
+              <a:schemeClr val="tx1"/>
+            </a:solidFill>
+            <a:prstDash val="sysDash"/>
+            <a:headEnd w="lg" len="lg"/>
+            <a:tailEnd type="none" w="lg" len="lg"/>
+          </a:ln>
+        </p:spPr>
+        <p:style>
+          <a:lnRef idx="1">
+            <a:schemeClr val="accent1"/>
+          </a:lnRef>
+          <a:fillRef idx="0">
+            <a:schemeClr val="accent1"/>
+          </a:fillRef>
+          <a:effectRef idx="0">
+            <a:schemeClr val="accent1"/>
+          </a:effectRef>
+          <a:fontRef idx="minor">
+            <a:schemeClr val="tx1"/>
+          </a:fontRef>
+        </p:style>
+      </p:cxnSp>
+      <p:sp>
+        <p:nvSpPr>
+          <p:cNvPr id="26" name="Rectangle 25">
+            <a:extLst>
+              <a:ext uri="{FF2B5EF4-FFF2-40B4-BE49-F238E27FC236}">
+                <a16:creationId xmlns:a16="http://schemas.microsoft.com/office/drawing/2014/main" id="{06C83FA9-7915-AE32-9CB1-4EE7F560BB9A}"/>
+              </a:ext>
+            </a:extLst>
+          </p:cNvPr>
+          <p:cNvSpPr/>
+          <p:nvPr/>
+        </p:nvSpPr>
+        <p:spPr>
+          <a:xfrm>
+            <a:off x="5244447" y="3142058"/>
+            <a:ext cx="1360344" cy="723634"/>
+          </a:xfrm>
+          <a:prstGeom prst="rect">
+            <a:avLst/>
+          </a:prstGeom>
+          <a:solidFill>
+            <a:schemeClr val="bg2">
+              <a:lumMod val="90000"/>
+            </a:schemeClr>
+          </a:solidFill>
+          <a:ln w="19050">
+            <a:solidFill>
+              <a:schemeClr val="tx1"/>
+            </a:solidFill>
+          </a:ln>
+        </p:spPr>
+        <p:style>
+          <a:lnRef idx="2">
+            <a:schemeClr val="accent1">
+              <a:shade val="50000"/>
+            </a:schemeClr>
+          </a:lnRef>
+          <a:fillRef idx="1">
+            <a:schemeClr val="accent1"/>
+          </a:fillRef>
+          <a:effectRef idx="0">
+            <a:schemeClr val="accent1"/>
+          </a:effectRef>
+          <a:fontRef idx="minor">
+            <a:schemeClr val="lt1"/>
+          </a:fontRef>
+        </p:style>
+        <p:txBody>
+          <a:bodyPr rot="0" spcFirstLastPara="0" vertOverflow="overflow" horzOverflow="overflow" vert="horz" wrap="square" lIns="68580" tIns="34291" rIns="68580" bIns="34291" numCol="1" spcCol="0" rtlCol="0" fromWordArt="0" anchor="ctr" anchorCtr="0" forceAA="0" compatLnSpc="1">
+            <a:prstTxWarp prst="textNoShape">
+              <a:avLst/>
+            </a:prstTxWarp>
+            <a:noAutofit/>
+          </a:bodyPr>
+          <a:lstStyle/>
+          <a:p>
+            <a:pPr algn="ctr"/>
+            <a:endParaRPr lang="en-GB" sz="1050"/>
+          </a:p>
+        </p:txBody>
+      </p:sp>
+      <p:cxnSp>
+        <p:nvCxnSpPr>
+          <p:cNvPr id="27" name="Straight Connector 26">
+            <a:extLst>
+              <a:ext uri="{FF2B5EF4-FFF2-40B4-BE49-F238E27FC236}">
+                <a16:creationId xmlns:a16="http://schemas.microsoft.com/office/drawing/2014/main" id="{7C6FF0B7-07D6-7024-9338-117C75AA2DFD}"/>
+              </a:ext>
+            </a:extLst>
+          </p:cNvPr>
+          <p:cNvCxnSpPr>
+            <a:cxnSpLocks/>
+            <a:endCxn id="26" idx="0"/>
+          </p:cNvCxnSpPr>
+          <p:nvPr/>
+        </p:nvCxnSpPr>
+        <p:spPr>
+          <a:xfrm>
+            <a:off x="5924619" y="2518587"/>
+            <a:ext cx="0" cy="623471"/>
+          </a:xfrm>
+          <a:prstGeom prst="line">
+            <a:avLst/>
+          </a:prstGeom>
+          <a:ln w="19050">
+            <a:solidFill>
+              <a:schemeClr val="tx1"/>
+            </a:solidFill>
+            <a:prstDash val="sysDash"/>
+            <a:headEnd w="lg" len="lg"/>
+            <a:tailEnd type="triangle" w="lg" len="lg"/>
+          </a:ln>
+        </p:spPr>
+        <p:style>
+          <a:lnRef idx="1">
+            <a:schemeClr val="accent1"/>
+          </a:lnRef>
+          <a:fillRef idx="0">
+            <a:schemeClr val="accent1"/>
+          </a:fillRef>
+          <a:effectRef idx="0">
+            <a:schemeClr val="accent1"/>
+          </a:effectRef>
+          <a:fontRef idx="minor">
+            <a:schemeClr val="tx1"/>
+          </a:fontRef>
+        </p:style>
+      </p:cxnSp>
+      <p:sp>
+        <p:nvSpPr>
+          <p:cNvPr id="28" name="Folded Corner 50">
+            <a:extLst>
+              <a:ext uri="{FF2B5EF4-FFF2-40B4-BE49-F238E27FC236}">
+                <a16:creationId xmlns:a16="http://schemas.microsoft.com/office/drawing/2014/main" id="{5A3F86F8-1CD1-B707-EAE5-11534A5D7593}"/>
+              </a:ext>
+            </a:extLst>
+          </p:cNvPr>
+          <p:cNvSpPr/>
+          <p:nvPr/>
+        </p:nvSpPr>
+        <p:spPr>
+          <a:xfrm rot="16200000">
+            <a:off x="5539753" y="1576693"/>
+            <a:ext cx="668060" cy="1456628"/>
+          </a:xfrm>
+          <a:prstGeom prst="foldedCorner">
+            <a:avLst>
+              <a:gd name="adj" fmla="val 40193"/>
+            </a:avLst>
+          </a:prstGeom>
+          <a:solidFill>
+            <a:schemeClr val="bg1"/>
+          </a:solidFill>
+          <a:ln w="19050">
+            <a:solidFill>
+              <a:schemeClr val="tx1"/>
+            </a:solidFill>
+          </a:ln>
+        </p:spPr>
+        <p:style>
+          <a:lnRef idx="2">
+            <a:schemeClr val="accent1">
+              <a:shade val="50000"/>
+            </a:schemeClr>
+          </a:lnRef>
+          <a:fillRef idx="1">
+            <a:schemeClr val="accent1"/>
+          </a:fillRef>
+          <a:effectRef idx="0">
+            <a:schemeClr val="accent1"/>
+          </a:effectRef>
+          <a:fontRef idx="minor">
+            <a:schemeClr val="lt1"/>
+          </a:fontRef>
+        </p:style>
+        <p:txBody>
+          <a:bodyPr rot="0" spcFirstLastPara="0" vertOverflow="overflow" horzOverflow="overflow" vert="horz" wrap="square" lIns="68580" tIns="34291" rIns="68580" bIns="34291" numCol="1" spcCol="0" rtlCol="0" fromWordArt="0" anchor="ctr" anchorCtr="0" forceAA="0" compatLnSpc="1">
+            <a:prstTxWarp prst="textNoShape">
+              <a:avLst/>
+            </a:prstTxWarp>
+            <a:noAutofit/>
+          </a:bodyPr>
+          <a:lstStyle/>
+          <a:p>
+            <a:pPr algn="ctr"/>
+            <a:endParaRPr lang="en-GB" sz="1050">
+              <a:solidFill>
+                <a:schemeClr val="tx1"/>
+              </a:solidFill>
+            </a:endParaRPr>
+          </a:p>
+        </p:txBody>
+      </p:sp>
+      <p:sp>
+        <p:nvSpPr>
+          <p:cNvPr id="29" name="Folded Corner 54">
+            <a:extLst>
+              <a:ext uri="{FF2B5EF4-FFF2-40B4-BE49-F238E27FC236}">
+                <a16:creationId xmlns:a16="http://schemas.microsoft.com/office/drawing/2014/main" id="{F0E9535C-AB73-EF3A-36D4-1ABA14CC1307}"/>
+              </a:ext>
+            </a:extLst>
+          </p:cNvPr>
+          <p:cNvSpPr/>
+          <p:nvPr/>
+        </p:nvSpPr>
+        <p:spPr>
+          <a:xfrm rot="16200000">
+            <a:off x="5814680" y="3784529"/>
+            <a:ext cx="544724" cy="1038767"/>
+          </a:xfrm>
+          <a:prstGeom prst="foldedCorner">
+            <a:avLst>
+              <a:gd name="adj" fmla="val 40193"/>
+            </a:avLst>
+          </a:prstGeom>
+          <a:solidFill>
+            <a:schemeClr val="bg1"/>
+          </a:solidFill>
+          <a:ln w="19050">
+            <a:solidFill>
+              <a:schemeClr val="tx1"/>
+            </a:solidFill>
+          </a:ln>
+        </p:spPr>
+        <p:style>
+          <a:lnRef idx="2">
+            <a:schemeClr val="accent1">
+              <a:shade val="50000"/>
+            </a:schemeClr>
+          </a:lnRef>
+          <a:fillRef idx="1">
+            <a:schemeClr val="accent1"/>
+          </a:fillRef>
+          <a:effectRef idx="0">
+            <a:schemeClr val="accent1"/>
+          </a:effectRef>
+          <a:fontRef idx="minor">
+            <a:schemeClr val="lt1"/>
+          </a:fontRef>
+        </p:style>
+        <p:txBody>
+          <a:bodyPr rot="0" spcFirstLastPara="0" vertOverflow="overflow" horzOverflow="overflow" vert="horz" wrap="square" lIns="68580" tIns="34291" rIns="68580" bIns="34291" numCol="1" spcCol="0" rtlCol="0" fromWordArt="0" anchor="ctr" anchorCtr="0" forceAA="0" compatLnSpc="1">
+            <a:prstTxWarp prst="textNoShape">
+              <a:avLst/>
+            </a:prstTxWarp>
+            <a:noAutofit/>
+          </a:bodyPr>
+          <a:lstStyle/>
+          <a:p>
+            <a:pPr algn="ctr"/>
+            <a:endParaRPr lang="en-GB" sz="1050">
+              <a:solidFill>
+                <a:schemeClr val="tx1"/>
+              </a:solidFill>
+            </a:endParaRPr>
+          </a:p>
+        </p:txBody>
+      </p:sp>
+      <p:cxnSp>
+        <p:nvCxnSpPr>
+          <p:cNvPr id="32" name="Straight Connector 31">
+            <a:extLst>
+              <a:ext uri="{FF2B5EF4-FFF2-40B4-BE49-F238E27FC236}">
+                <a16:creationId xmlns:a16="http://schemas.microsoft.com/office/drawing/2014/main" id="{3033E59C-F344-06AC-1BD8-9F5E789E4510}"/>
+              </a:ext>
+            </a:extLst>
+          </p:cNvPr>
+          <p:cNvCxnSpPr>
+            <a:cxnSpLocks/>
+          </p:cNvCxnSpPr>
+          <p:nvPr/>
+        </p:nvCxnSpPr>
+        <p:spPr>
+          <a:xfrm flipV="1">
+            <a:off x="2955686" y="2952146"/>
+            <a:ext cx="0" cy="114544"/>
+          </a:xfrm>
+          <a:prstGeom prst="line">
+            <a:avLst/>
+          </a:prstGeom>
+          <a:ln w="19050">
+            <a:solidFill>
+              <a:schemeClr val="tx1"/>
+            </a:solidFill>
+            <a:prstDash val="sysDash"/>
+            <a:headEnd w="lg" len="lg"/>
+            <a:tailEnd type="none" w="lg" len="lg"/>
+          </a:ln>
+        </p:spPr>
+        <p:style>
+          <a:lnRef idx="1">
+            <a:schemeClr val="accent1"/>
+          </a:lnRef>
+          <a:fillRef idx="0">
+            <a:schemeClr val="accent1"/>
+          </a:fillRef>
+          <a:effectRef idx="0">
+            <a:schemeClr val="accent1"/>
+          </a:effectRef>
+          <a:fontRef idx="minor">
+            <a:schemeClr val="tx1"/>
+          </a:fontRef>
+        </p:style>
+      </p:cxnSp>
+      <p:sp>
+        <p:nvSpPr>
+          <p:cNvPr id="33" name="TextBox 32">
+            <a:extLst>
+              <a:ext uri="{FF2B5EF4-FFF2-40B4-BE49-F238E27FC236}">
+                <a16:creationId xmlns:a16="http://schemas.microsoft.com/office/drawing/2014/main" id="{39A21C22-4F87-BFCF-B1E0-E7E52AB060D1}"/>
+              </a:ext>
+            </a:extLst>
+          </p:cNvPr>
+          <p:cNvSpPr txBox="1"/>
+          <p:nvPr/>
+        </p:nvSpPr>
+        <p:spPr>
+          <a:xfrm>
+            <a:off x="2557235" y="4131329"/>
+            <a:ext cx="1300727" cy="434863"/>
+          </a:xfrm>
+          <a:prstGeom prst="rect">
+            <a:avLst/>
+          </a:prstGeom>
+          <a:noFill/>
+        </p:spPr>
+        <p:txBody>
+          <a:bodyPr wrap="square" rtlCol="0">
+            <a:spAutoFit/>
+          </a:bodyPr>
+          <a:lstStyle/>
+          <a:p>
+            <a:pPr algn="ctr">
+              <a:lnSpc>
+                <a:spcPts val="1300"/>
+              </a:lnSpc>
+            </a:pPr>
+            <a:r>
+              <a:rPr lang="en-GB" sz="1500" dirty="0"/>
+              <a:t>[EE]Erroneous Behaviour Log</a:t>
+            </a:r>
+          </a:p>
+        </p:txBody>
+      </p:sp>
+      <p:sp>
+        <p:nvSpPr>
+          <p:cNvPr id="34" name="TextBox 33">
+            <a:extLst>
+              <a:ext uri="{FF2B5EF4-FFF2-40B4-BE49-F238E27FC236}">
+                <a16:creationId xmlns:a16="http://schemas.microsoft.com/office/drawing/2014/main" id="{BA0508E2-6DEC-DBF9-E4C7-3D81EDE1AFB2}"/>
+              </a:ext>
+            </a:extLst>
+          </p:cNvPr>
+          <p:cNvSpPr txBox="1"/>
+          <p:nvPr/>
+        </p:nvSpPr>
+        <p:spPr>
+          <a:xfrm>
+            <a:off x="2411627" y="3344982"/>
+            <a:ext cx="1259264" cy="443198"/>
+          </a:xfrm>
+          <a:prstGeom prst="rect">
+            <a:avLst/>
+          </a:prstGeom>
+          <a:noFill/>
+        </p:spPr>
+        <p:txBody>
+          <a:bodyPr wrap="square" lIns="121920" tIns="60960" rIns="121920" bIns="60960" rtlCol="0" anchor="t">
+            <a:spAutoFit/>
+          </a:bodyPr>
+          <a:lstStyle/>
+          <a:p>
+            <a:pPr algn="ctr">
+              <a:lnSpc>
+                <a:spcPts val="1200"/>
+              </a:lnSpc>
+            </a:pPr>
+            <a:r>
+              <a:rPr lang="en-GB" sz="1500" b="1" dirty="0"/>
+              <a:t>15. Integrate</a:t>
+            </a:r>
+            <a:br>
+              <a:rPr lang="en-GB" sz="1500" b="1" dirty="0"/>
+            </a:br>
+            <a:r>
+              <a:rPr lang="en-GB" sz="1500" b="1" dirty="0"/>
+              <a:t>EB</a:t>
+            </a:r>
+          </a:p>
+        </p:txBody>
+      </p:sp>
+      <p:sp>
+        <p:nvSpPr>
+          <p:cNvPr id="35" name="TextBox 34">
+            <a:extLst>
+              <a:ext uri="{FF2B5EF4-FFF2-40B4-BE49-F238E27FC236}">
+                <a16:creationId xmlns:a16="http://schemas.microsoft.com/office/drawing/2014/main" id="{A7E2281B-0FA3-2F50-56C7-ADC87532F0E3}"/>
+              </a:ext>
+            </a:extLst>
+          </p:cNvPr>
+          <p:cNvSpPr txBox="1"/>
+          <p:nvPr/>
+        </p:nvSpPr>
+        <p:spPr>
+          <a:xfrm>
+            <a:off x="3652839" y="3303095"/>
+            <a:ext cx="1494223" cy="453907"/>
+          </a:xfrm>
+          <a:prstGeom prst="rect">
+            <a:avLst/>
+          </a:prstGeom>
+          <a:noFill/>
+        </p:spPr>
+        <p:txBody>
+          <a:bodyPr wrap="square" rtlCol="0">
+            <a:spAutoFit/>
+          </a:bodyPr>
+          <a:lstStyle/>
+          <a:p>
+            <a:pPr algn="ctr">
+              <a:lnSpc>
+                <a:spcPts val="1400"/>
+              </a:lnSpc>
+            </a:pPr>
+            <a:r>
+              <a:rPr lang="en-GB" sz="1500" b="1" dirty="0"/>
+              <a:t>16. Test the Integration</a:t>
+            </a:r>
+          </a:p>
+        </p:txBody>
+      </p:sp>
+      <p:sp>
+        <p:nvSpPr>
+          <p:cNvPr id="36" name="TextBox 35">
+            <a:extLst>
+              <a:ext uri="{FF2B5EF4-FFF2-40B4-BE49-F238E27FC236}">
+                <a16:creationId xmlns:a16="http://schemas.microsoft.com/office/drawing/2014/main" id="{7EED437E-16A2-2F8E-5785-A281315DBD4A}"/>
+              </a:ext>
+            </a:extLst>
+          </p:cNvPr>
+          <p:cNvSpPr txBox="1"/>
+          <p:nvPr/>
+        </p:nvSpPr>
+        <p:spPr>
+          <a:xfrm>
+            <a:off x="1115064" y="2393816"/>
+            <a:ext cx="1238261" cy="598112"/>
+          </a:xfrm>
+          <a:prstGeom prst="rect">
+            <a:avLst/>
+          </a:prstGeom>
+          <a:noFill/>
+        </p:spPr>
+        <p:txBody>
+          <a:bodyPr wrap="square" rtlCol="0">
+            <a:spAutoFit/>
+          </a:bodyPr>
+          <a:lstStyle/>
+          <a:p>
+            <a:pPr algn="ctr">
+              <a:lnSpc>
+                <a:spcPts val="1275"/>
+              </a:lnSpc>
+            </a:pPr>
+            <a:r>
+              <a:rPr lang="en-GB" sz="1500" dirty="0"/>
+              <a:t>[B] Environment Description</a:t>
+            </a:r>
+          </a:p>
+        </p:txBody>
+      </p:sp>
+      <p:sp>
+        <p:nvSpPr>
+          <p:cNvPr id="37" name="TextBox 36">
+            <a:extLst>
+              <a:ext uri="{FF2B5EF4-FFF2-40B4-BE49-F238E27FC236}">
+                <a16:creationId xmlns:a16="http://schemas.microsoft.com/office/drawing/2014/main" id="{8DD3EE74-3344-DB96-B511-91A8DBC98A81}"/>
+              </a:ext>
+            </a:extLst>
+          </p:cNvPr>
+          <p:cNvSpPr txBox="1"/>
+          <p:nvPr/>
+        </p:nvSpPr>
+        <p:spPr>
+          <a:xfrm>
+            <a:off x="3807190" y="2043716"/>
+            <a:ext cx="1111951" cy="598112"/>
+          </a:xfrm>
+          <a:prstGeom prst="rect">
+            <a:avLst/>
+          </a:prstGeom>
+          <a:noFill/>
+        </p:spPr>
+        <p:txBody>
+          <a:bodyPr wrap="square" rtlCol="0">
+            <a:spAutoFit/>
+          </a:bodyPr>
+          <a:lstStyle/>
+          <a:p>
+            <a:pPr algn="ctr">
+              <a:lnSpc>
+                <a:spcPts val="1275"/>
+              </a:lnSpc>
+            </a:pPr>
+            <a:r>
+              <a:rPr lang="en-GB" sz="1500" dirty="0"/>
+              <a:t>[FF] Operational Scenarios</a:t>
+            </a:r>
+          </a:p>
+        </p:txBody>
+      </p:sp>
+      <p:sp>
+        <p:nvSpPr>
+          <p:cNvPr id="38" name="TextBox 37">
+            <a:extLst>
+              <a:ext uri="{FF2B5EF4-FFF2-40B4-BE49-F238E27FC236}">
+                <a16:creationId xmlns:a16="http://schemas.microsoft.com/office/drawing/2014/main" id="{278A6196-D828-7163-E01D-5A7497DEFF3B}"/>
+              </a:ext>
+            </a:extLst>
+          </p:cNvPr>
+          <p:cNvSpPr txBox="1"/>
+          <p:nvPr/>
+        </p:nvSpPr>
+        <p:spPr>
+          <a:xfrm>
+            <a:off x="3952748" y="4149694"/>
+            <a:ext cx="1397588" cy="434863"/>
+          </a:xfrm>
+          <a:prstGeom prst="rect">
+            <a:avLst/>
+          </a:prstGeom>
+          <a:noFill/>
+        </p:spPr>
+        <p:txBody>
+          <a:bodyPr wrap="square" rtlCol="0">
+            <a:spAutoFit/>
+          </a:bodyPr>
+          <a:lstStyle/>
+          <a:p>
+            <a:pPr algn="ctr">
+              <a:lnSpc>
+                <a:spcPts val="1300"/>
+              </a:lnSpc>
+            </a:pPr>
+            <a:r>
+              <a:rPr lang="en-GB" sz="1500" dirty="0"/>
+              <a:t>[GG]Integration Testing Results</a:t>
+            </a:r>
+          </a:p>
+        </p:txBody>
+      </p:sp>
+      <p:sp>
+        <p:nvSpPr>
+          <p:cNvPr id="39" name="TextBox 38">
+            <a:extLst>
+              <a:ext uri="{FF2B5EF4-FFF2-40B4-BE49-F238E27FC236}">
+                <a16:creationId xmlns:a16="http://schemas.microsoft.com/office/drawing/2014/main" id="{1FAF27CA-CAA5-8FF2-91B5-40A5C931936A}"/>
+              </a:ext>
+            </a:extLst>
+          </p:cNvPr>
+          <p:cNvSpPr txBox="1"/>
+          <p:nvPr/>
+        </p:nvSpPr>
+        <p:spPr>
+          <a:xfrm>
+            <a:off x="1062331" y="1710789"/>
+            <a:ext cx="1290994" cy="431400"/>
+          </a:xfrm>
+          <a:prstGeom prst="rect">
+            <a:avLst/>
+          </a:prstGeom>
+          <a:noFill/>
+        </p:spPr>
+        <p:txBody>
+          <a:bodyPr wrap="square" rtlCol="0">
+            <a:spAutoFit/>
+          </a:bodyPr>
+          <a:lstStyle/>
+          <a:p>
+            <a:pPr algn="ctr">
+              <a:lnSpc>
+                <a:spcPts val="1275"/>
+              </a:lnSpc>
+            </a:pPr>
+            <a:r>
+              <a:rPr lang="en-GB" sz="1500" dirty="0"/>
+              <a:t>[W] EB Algorithm</a:t>
+            </a:r>
+          </a:p>
+        </p:txBody>
+      </p:sp>
+      <p:sp>
+        <p:nvSpPr>
+          <p:cNvPr id="40" name="TextBox 39">
+            <a:extLst>
+              <a:ext uri="{FF2B5EF4-FFF2-40B4-BE49-F238E27FC236}">
+                <a16:creationId xmlns:a16="http://schemas.microsoft.com/office/drawing/2014/main" id="{8FC9B64E-1AE3-0335-325F-859647A66A03}"/>
+              </a:ext>
+            </a:extLst>
+          </p:cNvPr>
+          <p:cNvSpPr txBox="1"/>
+          <p:nvPr/>
+        </p:nvSpPr>
+        <p:spPr>
+          <a:xfrm>
+            <a:off x="2322310" y="2485288"/>
+            <a:ext cx="1110378" cy="431400"/>
+          </a:xfrm>
+          <a:prstGeom prst="rect">
+            <a:avLst/>
+          </a:prstGeom>
+          <a:noFill/>
+        </p:spPr>
+        <p:txBody>
+          <a:bodyPr wrap="square" rtlCol="0">
+            <a:spAutoFit/>
+          </a:bodyPr>
+          <a:lstStyle/>
+          <a:p>
+            <a:pPr algn="ctr">
+              <a:lnSpc>
+                <a:spcPts val="1275"/>
+              </a:lnSpc>
+            </a:pPr>
+            <a:r>
+              <a:rPr lang="en-GB" sz="1500" dirty="0"/>
+              <a:t>[C] System Description</a:t>
+            </a:r>
+          </a:p>
+        </p:txBody>
+      </p:sp>
+      <p:sp>
+        <p:nvSpPr>
+          <p:cNvPr id="41" name="TextBox 40">
+            <a:extLst>
+              <a:ext uri="{FF2B5EF4-FFF2-40B4-BE49-F238E27FC236}">
+                <a16:creationId xmlns:a16="http://schemas.microsoft.com/office/drawing/2014/main" id="{CE7354F1-A09B-B49F-EA5E-AAE9F046FE48}"/>
+              </a:ext>
+            </a:extLst>
+          </p:cNvPr>
+          <p:cNvSpPr txBox="1"/>
+          <p:nvPr/>
+        </p:nvSpPr>
+        <p:spPr>
+          <a:xfrm>
+            <a:off x="2237683" y="1667258"/>
+            <a:ext cx="1364455" cy="566309"/>
+          </a:xfrm>
+          <a:prstGeom prst="rect">
+            <a:avLst/>
+          </a:prstGeom>
+          <a:noFill/>
+        </p:spPr>
+        <p:txBody>
+          <a:bodyPr wrap="square" rtlCol="0">
+            <a:spAutoFit/>
+          </a:bodyPr>
+          <a:lstStyle/>
+          <a:p>
+            <a:pPr algn="ctr">
+              <a:lnSpc>
+                <a:spcPts val="1200"/>
+              </a:lnSpc>
+            </a:pPr>
+            <a:r>
+              <a:rPr lang="en-GB" sz="1500" dirty="0"/>
+              <a:t>[A] System Safety Requirements</a:t>
+            </a:r>
+          </a:p>
+        </p:txBody>
+      </p:sp>
+      <p:sp>
+        <p:nvSpPr>
+          <p:cNvPr id="42" name="TextBox 41">
+            <a:extLst>
+              <a:ext uri="{FF2B5EF4-FFF2-40B4-BE49-F238E27FC236}">
+                <a16:creationId xmlns:a16="http://schemas.microsoft.com/office/drawing/2014/main" id="{9BD0AF8E-450B-555A-4249-76066C5E5148}"/>
+              </a:ext>
+            </a:extLst>
+          </p:cNvPr>
+          <p:cNvSpPr txBox="1"/>
+          <p:nvPr/>
+        </p:nvSpPr>
+        <p:spPr>
+          <a:xfrm>
+            <a:off x="5207983" y="3185414"/>
+            <a:ext cx="1456631" cy="720197"/>
+          </a:xfrm>
+          <a:prstGeom prst="rect">
+            <a:avLst/>
+          </a:prstGeom>
+          <a:noFill/>
+        </p:spPr>
+        <p:txBody>
+          <a:bodyPr wrap="square" rtlCol="0">
+            <a:spAutoFit/>
+          </a:bodyPr>
+          <a:lstStyle/>
+          <a:p>
+            <a:pPr algn="ctr">
+              <a:lnSpc>
+                <a:spcPts val="1200"/>
+              </a:lnSpc>
+            </a:pPr>
+            <a:r>
+              <a:rPr lang="en-GB" sz="1500" b="1" dirty="0"/>
+              <a:t>17. Instantiate EB Deployment Argument Pattern</a:t>
+            </a:r>
+          </a:p>
+        </p:txBody>
+      </p:sp>
+      <p:sp>
+        <p:nvSpPr>
+          <p:cNvPr id="43" name="TextBox 42">
+            <a:extLst>
+              <a:ext uri="{FF2B5EF4-FFF2-40B4-BE49-F238E27FC236}">
+                <a16:creationId xmlns:a16="http://schemas.microsoft.com/office/drawing/2014/main" id="{123C5BF8-194D-616D-0C95-B1415F57AA96}"/>
+              </a:ext>
+            </a:extLst>
+          </p:cNvPr>
+          <p:cNvSpPr txBox="1"/>
+          <p:nvPr/>
+        </p:nvSpPr>
+        <p:spPr>
+          <a:xfrm>
+            <a:off x="5069673" y="2015567"/>
+            <a:ext cx="1636301" cy="598112"/>
+          </a:xfrm>
+          <a:prstGeom prst="rect">
+            <a:avLst/>
+          </a:prstGeom>
+          <a:noFill/>
+          <a:ln w="19050">
+            <a:noFill/>
+          </a:ln>
+        </p:spPr>
+        <p:txBody>
+          <a:bodyPr wrap="square" rtlCol="0">
+            <a:spAutoFit/>
+          </a:bodyPr>
+          <a:lstStyle/>
+          <a:p>
+            <a:pPr algn="ctr">
+              <a:lnSpc>
+                <a:spcPts val="1275"/>
+              </a:lnSpc>
+            </a:pPr>
+            <a:r>
+              <a:rPr lang="en-GB" sz="1500" dirty="0"/>
+              <a:t>[HH] EB Deployment Argument Pattern</a:t>
+            </a:r>
+          </a:p>
+        </p:txBody>
+      </p:sp>
+      <p:sp>
+        <p:nvSpPr>
+          <p:cNvPr id="44" name="TextBox 43">
+            <a:extLst>
+              <a:ext uri="{FF2B5EF4-FFF2-40B4-BE49-F238E27FC236}">
+                <a16:creationId xmlns:a16="http://schemas.microsoft.com/office/drawing/2014/main" id="{A979A764-A5D9-07E9-4EE6-F5F77CC4703F}"/>
+              </a:ext>
+            </a:extLst>
+          </p:cNvPr>
+          <p:cNvSpPr txBox="1"/>
+          <p:nvPr/>
+        </p:nvSpPr>
+        <p:spPr>
+          <a:xfrm>
+            <a:off x="5403896" y="4025435"/>
+            <a:ext cx="1301595" cy="601575"/>
+          </a:xfrm>
+          <a:prstGeom prst="rect">
+            <a:avLst/>
+          </a:prstGeom>
+          <a:noFill/>
+        </p:spPr>
+        <p:txBody>
+          <a:bodyPr wrap="square" rtlCol="0">
+            <a:spAutoFit/>
+          </a:bodyPr>
+          <a:lstStyle/>
+          <a:p>
+            <a:pPr algn="ctr">
+              <a:lnSpc>
+                <a:spcPts val="1300"/>
+              </a:lnSpc>
+            </a:pPr>
+            <a:r>
+              <a:rPr lang="en-GB" sz="1500" dirty="0"/>
+              <a:t>[II] EB Deployment Argument</a:t>
+            </a:r>
+          </a:p>
+        </p:txBody>
+      </p:sp>
+      <p:cxnSp>
+        <p:nvCxnSpPr>
+          <p:cNvPr id="95" name="Straight Connector 94">
+            <a:extLst>
+              <a:ext uri="{FF2B5EF4-FFF2-40B4-BE49-F238E27FC236}">
+                <a16:creationId xmlns:a16="http://schemas.microsoft.com/office/drawing/2014/main" id="{4FFB3B7E-0EA0-9BBC-E316-6D5452D960FD}"/>
+              </a:ext>
+            </a:extLst>
+          </p:cNvPr>
+          <p:cNvCxnSpPr>
+            <a:cxnSpLocks/>
+          </p:cNvCxnSpPr>
+          <p:nvPr/>
+        </p:nvCxnSpPr>
+        <p:spPr>
+          <a:xfrm flipV="1">
+            <a:off x="3880117" y="4321268"/>
+            <a:ext cx="163762" cy="1977"/>
+          </a:xfrm>
+          <a:prstGeom prst="line">
+            <a:avLst/>
+          </a:prstGeom>
+          <a:ln w="19050">
+            <a:solidFill>
+              <a:schemeClr val="tx1"/>
+            </a:solidFill>
+            <a:prstDash val="sysDash"/>
+            <a:headEnd w="lg" len="lg"/>
+            <a:tailEnd type="triangle" w="lg" len="lg"/>
+          </a:ln>
+        </p:spPr>
+        <p:style>
+          <a:lnRef idx="1">
+            <a:schemeClr val="accent1"/>
+          </a:lnRef>
+          <a:fillRef idx="0">
+            <a:schemeClr val="accent1"/>
+          </a:fillRef>
+          <a:effectRef idx="0">
+            <a:schemeClr val="accent1"/>
+          </a:effectRef>
+          <a:fontRef idx="minor">
+            <a:schemeClr val="tx1"/>
+          </a:fontRef>
+        </p:style>
+      </p:cxnSp>
+      <p:cxnSp>
+        <p:nvCxnSpPr>
+          <p:cNvPr id="97" name="Straight Connector 96">
+            <a:extLst>
+              <a:ext uri="{FF2B5EF4-FFF2-40B4-BE49-F238E27FC236}">
+                <a16:creationId xmlns:a16="http://schemas.microsoft.com/office/drawing/2014/main" id="{0F5637D2-7955-405B-F5AB-B2FFA2679BE5}"/>
+              </a:ext>
+            </a:extLst>
+          </p:cNvPr>
+          <p:cNvCxnSpPr>
+            <a:cxnSpLocks/>
+          </p:cNvCxnSpPr>
+          <p:nvPr/>
+        </p:nvCxnSpPr>
+        <p:spPr>
+          <a:xfrm flipV="1">
+            <a:off x="5406768" y="3862547"/>
+            <a:ext cx="0" cy="495687"/>
+          </a:xfrm>
+          <a:prstGeom prst="line">
+            <a:avLst/>
+          </a:prstGeom>
+          <a:ln w="19050">
+            <a:solidFill>
+              <a:schemeClr val="tx1"/>
+            </a:solidFill>
+            <a:prstDash val="sysDash"/>
+          </a:ln>
+        </p:spPr>
+        <p:style>
+          <a:lnRef idx="1">
+            <a:schemeClr val="accent1"/>
+          </a:lnRef>
+          <a:fillRef idx="0">
+            <a:schemeClr val="accent1"/>
+          </a:fillRef>
+          <a:effectRef idx="0">
+            <a:schemeClr val="accent1"/>
+          </a:effectRef>
+          <a:fontRef idx="minor">
+            <a:schemeClr val="tx1"/>
+          </a:fontRef>
+        </p:style>
+      </p:cxnSp>
+      <p:cxnSp>
+        <p:nvCxnSpPr>
+          <p:cNvPr id="99" name="Straight Connector 98">
+            <a:extLst>
+              <a:ext uri="{FF2B5EF4-FFF2-40B4-BE49-F238E27FC236}">
+                <a16:creationId xmlns:a16="http://schemas.microsoft.com/office/drawing/2014/main" id="{F0A308DC-275B-8FB4-448D-018D061D1FBE}"/>
+              </a:ext>
+            </a:extLst>
+          </p:cNvPr>
+          <p:cNvCxnSpPr>
+            <a:cxnSpLocks/>
+          </p:cNvCxnSpPr>
+          <p:nvPr/>
+        </p:nvCxnSpPr>
+        <p:spPr>
+          <a:xfrm flipV="1">
+            <a:off x="5403896" y="4346965"/>
+            <a:ext cx="163762" cy="1977"/>
+          </a:xfrm>
+          <a:prstGeom prst="line">
+            <a:avLst/>
+          </a:prstGeom>
+          <a:ln w="19050">
+            <a:solidFill>
+              <a:schemeClr val="tx1"/>
+            </a:solidFill>
+            <a:prstDash val="sysDash"/>
+            <a:headEnd w="lg" len="lg"/>
+            <a:tailEnd type="triangle" w="lg" len="lg"/>
+          </a:ln>
+        </p:spPr>
+        <p:style>
+          <a:lnRef idx="1">
+            <a:schemeClr val="accent1"/>
+          </a:lnRef>
+          <a:fillRef idx="0">
+            <a:schemeClr val="accent1"/>
+          </a:fillRef>
+          <a:effectRef idx="0">
+            <a:schemeClr val="accent1"/>
+          </a:effectRef>
+          <a:fontRef idx="minor">
+            <a:schemeClr val="tx1"/>
+          </a:fontRef>
+        </p:style>
+      </p:cxnSp>
+      <p:cxnSp>
+        <p:nvCxnSpPr>
+          <p:cNvPr id="119" name="Straight Connector 118">
+            <a:extLst>
+              <a:ext uri="{FF2B5EF4-FFF2-40B4-BE49-F238E27FC236}">
+                <a16:creationId xmlns:a16="http://schemas.microsoft.com/office/drawing/2014/main" id="{5847402B-3D69-AED1-71A3-33305A85DCC8}"/>
+              </a:ext>
+            </a:extLst>
+          </p:cNvPr>
+          <p:cNvCxnSpPr>
+            <a:cxnSpLocks/>
+          </p:cNvCxnSpPr>
+          <p:nvPr/>
+        </p:nvCxnSpPr>
+        <p:spPr>
+          <a:xfrm flipV="1">
+            <a:off x="3880117" y="3808453"/>
+            <a:ext cx="0" cy="520371"/>
+          </a:xfrm>
+          <a:prstGeom prst="line">
+            <a:avLst/>
+          </a:prstGeom>
+          <a:ln w="19050">
+            <a:solidFill>
+              <a:schemeClr val="tx1"/>
+            </a:solidFill>
+            <a:prstDash val="sysDash"/>
+          </a:ln>
+        </p:spPr>
+        <p:style>
+          <a:lnRef idx="1">
+            <a:schemeClr val="accent1"/>
+          </a:lnRef>
+          <a:fillRef idx="0">
+            <a:schemeClr val="accent1"/>
+          </a:fillRef>
+          <a:effectRef idx="0">
+            <a:schemeClr val="accent1"/>
+          </a:effectRef>
+          <a:fontRef idx="minor">
+            <a:schemeClr val="tx1"/>
+          </a:fontRef>
+        </p:style>
+      </p:cxnSp>
+      <p:cxnSp>
+        <p:nvCxnSpPr>
+          <p:cNvPr id="122" name="Straight Connector 121">
+            <a:extLst>
+              <a:ext uri="{FF2B5EF4-FFF2-40B4-BE49-F238E27FC236}">
+                <a16:creationId xmlns:a16="http://schemas.microsoft.com/office/drawing/2014/main" id="{F42A6848-13B2-005E-1D22-C16288FFB21F}"/>
+              </a:ext>
+            </a:extLst>
+          </p:cNvPr>
+          <p:cNvCxnSpPr>
+            <a:cxnSpLocks/>
+          </p:cNvCxnSpPr>
+          <p:nvPr/>
+        </p:nvCxnSpPr>
+        <p:spPr>
+          <a:xfrm flipV="1">
+            <a:off x="2499927" y="3758226"/>
+            <a:ext cx="0" cy="526798"/>
+          </a:xfrm>
+          <a:prstGeom prst="line">
+            <a:avLst/>
+          </a:prstGeom>
+          <a:ln w="19050">
+            <a:solidFill>
+              <a:schemeClr val="tx1"/>
+            </a:solidFill>
+            <a:prstDash val="sysDash"/>
+          </a:ln>
+        </p:spPr>
+        <p:style>
+          <a:lnRef idx="1">
+            <a:schemeClr val="accent1"/>
+          </a:lnRef>
+          <a:fillRef idx="0">
+            <a:schemeClr val="accent1"/>
+          </a:fillRef>
+          <a:effectRef idx="0">
+            <a:schemeClr val="accent1"/>
+          </a:effectRef>
+          <a:fontRef idx="minor">
+            <a:schemeClr val="tx1"/>
+          </a:fontRef>
+        </p:style>
+      </p:cxnSp>
+      <p:cxnSp>
+        <p:nvCxnSpPr>
+          <p:cNvPr id="147" name="Straight Connector 146">
+            <a:extLst>
+              <a:ext uri="{FF2B5EF4-FFF2-40B4-BE49-F238E27FC236}">
+                <a16:creationId xmlns:a16="http://schemas.microsoft.com/office/drawing/2014/main" id="{0F283A71-4C7E-AB5F-239A-992F3DED25F1}"/>
+              </a:ext>
+            </a:extLst>
+          </p:cNvPr>
+          <p:cNvCxnSpPr>
+            <a:cxnSpLocks/>
+            <a:stCxn id="150" idx="3"/>
+            <a:endCxn id="167" idx="1"/>
+          </p:cNvCxnSpPr>
+          <p:nvPr/>
+        </p:nvCxnSpPr>
+        <p:spPr>
+          <a:xfrm>
+            <a:off x="16510245" y="6662243"/>
+            <a:ext cx="303616" cy="5012"/>
+          </a:xfrm>
+          <a:prstGeom prst="line">
+            <a:avLst/>
+          </a:prstGeom>
+          <a:ln w="19050">
+            <a:solidFill>
+              <a:schemeClr val="tx1"/>
+            </a:solidFill>
+            <a:prstDash val="solid"/>
+            <a:headEnd w="lg" len="lg"/>
+            <a:tailEnd type="triangle" w="lg" len="lg"/>
+          </a:ln>
+        </p:spPr>
+        <p:style>
+          <a:lnRef idx="1">
+            <a:schemeClr val="accent1"/>
+          </a:lnRef>
+          <a:fillRef idx="0">
+            <a:schemeClr val="accent1"/>
+          </a:fillRef>
+          <a:effectRef idx="0">
+            <a:schemeClr val="accent1"/>
+          </a:effectRef>
+          <a:fontRef idx="minor">
+            <a:schemeClr val="tx1"/>
+          </a:fontRef>
+        </p:style>
+      </p:cxnSp>
+      <p:cxnSp>
+        <p:nvCxnSpPr>
+          <p:cNvPr id="148" name="Straight Connector 147">
+            <a:extLst>
+              <a:ext uri="{FF2B5EF4-FFF2-40B4-BE49-F238E27FC236}">
+                <a16:creationId xmlns:a16="http://schemas.microsoft.com/office/drawing/2014/main" id="{B7C3AFE9-10DA-F150-4BF0-F2484398EA1A}"/>
+              </a:ext>
+            </a:extLst>
+          </p:cNvPr>
+          <p:cNvCxnSpPr>
+            <a:cxnSpLocks/>
+          </p:cNvCxnSpPr>
+          <p:nvPr/>
+        </p:nvCxnSpPr>
+        <p:spPr>
+          <a:xfrm>
+            <a:off x="15153532" y="6638288"/>
+            <a:ext cx="236012" cy="0"/>
+          </a:xfrm>
+          <a:prstGeom prst="line">
+            <a:avLst/>
+          </a:prstGeom>
+          <a:ln w="19050">
+            <a:solidFill>
+              <a:schemeClr val="tx1"/>
+            </a:solidFill>
+            <a:prstDash val="solid"/>
+            <a:headEnd w="lg" len="lg"/>
+            <a:tailEnd type="triangle" w="lg" len="lg"/>
+          </a:ln>
+        </p:spPr>
+        <p:style>
+          <a:lnRef idx="1">
+            <a:schemeClr val="accent1"/>
+          </a:lnRef>
+          <a:fillRef idx="0">
+            <a:schemeClr val="accent1"/>
+          </a:fillRef>
+          <a:effectRef idx="0">
+            <a:schemeClr val="accent1"/>
+          </a:effectRef>
+          <a:fontRef idx="minor">
+            <a:schemeClr val="tx1"/>
+          </a:fontRef>
+        </p:style>
+      </p:cxnSp>
+      <p:sp>
+        <p:nvSpPr>
+          <p:cNvPr id="149" name="Rectangle 148">
+            <a:extLst>
+              <a:ext uri="{FF2B5EF4-FFF2-40B4-BE49-F238E27FC236}">
+                <a16:creationId xmlns:a16="http://schemas.microsoft.com/office/drawing/2014/main" id="{C851AEAB-8135-6996-2E35-206E54F7FF5B}"/>
+              </a:ext>
+            </a:extLst>
+          </p:cNvPr>
+          <p:cNvSpPr/>
+          <p:nvPr/>
+        </p:nvSpPr>
+        <p:spPr>
+          <a:xfrm>
+            <a:off x="14034065" y="6381731"/>
+            <a:ext cx="1119467" cy="537882"/>
+          </a:xfrm>
+          <a:prstGeom prst="rect">
+            <a:avLst/>
+          </a:prstGeom>
+          <a:solidFill>
+            <a:schemeClr val="bg2">
+              <a:lumMod val="90000"/>
+            </a:schemeClr>
+          </a:solidFill>
+          <a:ln w="19050">
+            <a:solidFill>
+              <a:schemeClr val="tx1"/>
+            </a:solidFill>
+          </a:ln>
+        </p:spPr>
+        <p:style>
+          <a:lnRef idx="2">
+            <a:schemeClr val="accent1">
+              <a:shade val="50000"/>
+            </a:schemeClr>
+          </a:lnRef>
+          <a:fillRef idx="1">
+            <a:schemeClr val="accent1"/>
+          </a:fillRef>
+          <a:effectRef idx="0">
+            <a:schemeClr val="accent1"/>
+          </a:effectRef>
+          <a:fontRef idx="minor">
+            <a:schemeClr val="lt1"/>
+          </a:fontRef>
+        </p:style>
+        <p:txBody>
+          <a:bodyPr rot="0" spcFirstLastPara="0" vertOverflow="overflow" horzOverflow="overflow" vert="horz" wrap="square" lIns="68580" tIns="34291" rIns="68580" bIns="34291" numCol="1" spcCol="0" rtlCol="0" fromWordArt="0" anchor="ctr" anchorCtr="0" forceAA="0" compatLnSpc="1">
+            <a:prstTxWarp prst="textNoShape">
+              <a:avLst/>
+            </a:prstTxWarp>
+            <a:noAutofit/>
+          </a:bodyPr>
+          <a:lstStyle/>
+          <a:p>
+            <a:pPr algn="ctr"/>
+            <a:endParaRPr lang="en-GB" sz="1050"/>
+          </a:p>
+        </p:txBody>
+      </p:sp>
+      <p:sp>
+        <p:nvSpPr>
+          <p:cNvPr id="150" name="Rectangle 149">
+            <a:extLst>
+              <a:ext uri="{FF2B5EF4-FFF2-40B4-BE49-F238E27FC236}">
+                <a16:creationId xmlns:a16="http://schemas.microsoft.com/office/drawing/2014/main" id="{9A9128C7-8A52-5FBD-51D5-EFC62DF5615B}"/>
+              </a:ext>
+            </a:extLst>
+          </p:cNvPr>
+          <p:cNvSpPr/>
+          <p:nvPr/>
+        </p:nvSpPr>
+        <p:spPr>
+          <a:xfrm>
+            <a:off x="15390778" y="6363186"/>
+            <a:ext cx="1119467" cy="598113"/>
+          </a:xfrm>
+          <a:prstGeom prst="rect">
+            <a:avLst/>
+          </a:prstGeom>
+          <a:solidFill>
+            <a:schemeClr val="bg2">
+              <a:lumMod val="90000"/>
+            </a:schemeClr>
+          </a:solidFill>
+          <a:ln w="19050">
+            <a:solidFill>
+              <a:schemeClr val="tx1"/>
+            </a:solidFill>
+          </a:ln>
+        </p:spPr>
+        <p:style>
+          <a:lnRef idx="2">
+            <a:schemeClr val="accent1">
+              <a:shade val="50000"/>
+            </a:schemeClr>
+          </a:lnRef>
+          <a:fillRef idx="1">
+            <a:schemeClr val="accent1"/>
+          </a:fillRef>
+          <a:effectRef idx="0">
+            <a:schemeClr val="accent1"/>
+          </a:effectRef>
+          <a:fontRef idx="minor">
+            <a:schemeClr val="lt1"/>
+          </a:fontRef>
+        </p:style>
+        <p:txBody>
+          <a:bodyPr rot="0" spcFirstLastPara="0" vertOverflow="overflow" horzOverflow="overflow" vert="horz" wrap="square" lIns="68580" tIns="34291" rIns="68580" bIns="34291" numCol="1" spcCol="0" rtlCol="0" fromWordArt="0" anchor="ctr" anchorCtr="0" forceAA="0" compatLnSpc="1">
+            <a:prstTxWarp prst="textNoShape">
+              <a:avLst/>
+            </a:prstTxWarp>
+            <a:noAutofit/>
+          </a:bodyPr>
+          <a:lstStyle/>
+          <a:p>
+            <a:pPr algn="ctr"/>
+            <a:endParaRPr lang="en-GB" sz="1050"/>
+          </a:p>
+        </p:txBody>
+      </p:sp>
+      <p:sp>
+        <p:nvSpPr>
+          <p:cNvPr id="151" name="Folded Corner 20">
+            <a:extLst>
+              <a:ext uri="{FF2B5EF4-FFF2-40B4-BE49-F238E27FC236}">
+                <a16:creationId xmlns:a16="http://schemas.microsoft.com/office/drawing/2014/main" id="{B5552C7B-0749-BF77-AC5B-EE431DA8FEE8}"/>
+              </a:ext>
+            </a:extLst>
+          </p:cNvPr>
+          <p:cNvSpPr/>
+          <p:nvPr/>
+        </p:nvSpPr>
+        <p:spPr>
+          <a:xfrm rot="16200000">
+            <a:off x="14551818" y="6758264"/>
+            <a:ext cx="520412" cy="1170595"/>
+          </a:xfrm>
+          <a:prstGeom prst="foldedCorner">
+            <a:avLst>
+              <a:gd name="adj" fmla="val 40193"/>
+            </a:avLst>
+          </a:prstGeom>
+          <a:solidFill>
+            <a:schemeClr val="bg1"/>
+          </a:solidFill>
+          <a:ln w="19050">
+            <a:solidFill>
+              <a:schemeClr val="tx1"/>
+            </a:solidFill>
+          </a:ln>
+        </p:spPr>
+        <p:style>
+          <a:lnRef idx="2">
+            <a:schemeClr val="accent1">
+              <a:shade val="50000"/>
+            </a:schemeClr>
+          </a:lnRef>
+          <a:fillRef idx="1">
+            <a:schemeClr val="accent1"/>
+          </a:fillRef>
+          <a:effectRef idx="0">
+            <a:schemeClr val="accent1"/>
+          </a:effectRef>
+          <a:fontRef idx="minor">
+            <a:schemeClr val="lt1"/>
+          </a:fontRef>
+        </p:style>
+        <p:txBody>
+          <a:bodyPr rot="0" spcFirstLastPara="0" vertOverflow="overflow" horzOverflow="overflow" vert="horz" wrap="square" lIns="68580" tIns="34291" rIns="68580" bIns="34291" numCol="1" spcCol="0" rtlCol="0" fromWordArt="0" anchor="ctr" anchorCtr="0" forceAA="0" compatLnSpc="1">
+            <a:prstTxWarp prst="textNoShape">
+              <a:avLst/>
+            </a:prstTxWarp>
+            <a:noAutofit/>
+          </a:bodyPr>
+          <a:lstStyle/>
+          <a:p>
+            <a:pPr algn="ctr"/>
+            <a:endParaRPr lang="en-GB" sz="1050">
+              <a:solidFill>
+                <a:schemeClr val="tx1"/>
+              </a:solidFill>
+            </a:endParaRPr>
+          </a:p>
+        </p:txBody>
+      </p:sp>
+      <p:sp>
+        <p:nvSpPr>
+          <p:cNvPr id="152" name="Folded Corner 30">
+            <a:extLst>
+              <a:ext uri="{FF2B5EF4-FFF2-40B4-BE49-F238E27FC236}">
+                <a16:creationId xmlns:a16="http://schemas.microsoft.com/office/drawing/2014/main" id="{6DB9D8E0-3B13-D00A-C54C-1532ED40CB08}"/>
+              </a:ext>
+            </a:extLst>
+          </p:cNvPr>
+          <p:cNvSpPr/>
+          <p:nvPr/>
+        </p:nvSpPr>
+        <p:spPr>
+          <a:xfrm rot="16200000">
+            <a:off x="13006333" y="5393767"/>
+            <a:ext cx="604134" cy="1012912"/>
+          </a:xfrm>
+          <a:prstGeom prst="foldedCorner">
+            <a:avLst>
+              <a:gd name="adj" fmla="val 40193"/>
+            </a:avLst>
+          </a:prstGeom>
+          <a:solidFill>
+            <a:schemeClr val="bg1"/>
+          </a:solidFill>
+          <a:ln w="19050">
+            <a:solidFill>
+              <a:schemeClr val="tx1"/>
+            </a:solidFill>
+          </a:ln>
+        </p:spPr>
+        <p:style>
+          <a:lnRef idx="2">
+            <a:schemeClr val="accent1">
+              <a:shade val="50000"/>
+            </a:schemeClr>
+          </a:lnRef>
+          <a:fillRef idx="1">
+            <a:schemeClr val="accent1"/>
+          </a:fillRef>
+          <a:effectRef idx="0">
+            <a:schemeClr val="accent1"/>
+          </a:effectRef>
+          <a:fontRef idx="minor">
+            <a:schemeClr val="lt1"/>
+          </a:fontRef>
+        </p:style>
+        <p:txBody>
+          <a:bodyPr rot="0" spcFirstLastPara="0" vertOverflow="overflow" horzOverflow="overflow" vert="horz" wrap="square" lIns="68580" tIns="34291" rIns="68580" bIns="34291" numCol="1" spcCol="0" rtlCol="0" fromWordArt="0" anchor="ctr" anchorCtr="0" forceAA="0" compatLnSpc="1">
+            <a:prstTxWarp prst="textNoShape">
+              <a:avLst/>
+            </a:prstTxWarp>
+            <a:noAutofit/>
+          </a:bodyPr>
+          <a:lstStyle/>
+          <a:p>
+            <a:pPr algn="ctr"/>
+            <a:endParaRPr lang="en-GB" sz="1050">
+              <a:solidFill>
+                <a:schemeClr val="tx1"/>
+              </a:solidFill>
+            </a:endParaRPr>
+          </a:p>
+        </p:txBody>
+      </p:sp>
+      <p:cxnSp>
+        <p:nvCxnSpPr>
+          <p:cNvPr id="153" name="Straight Connector 152">
+            <a:extLst>
+              <a:ext uri="{FF2B5EF4-FFF2-40B4-BE49-F238E27FC236}">
+                <a16:creationId xmlns:a16="http://schemas.microsoft.com/office/drawing/2014/main" id="{CF2DBAF7-BAE9-8C22-D665-A3C11AF61940}"/>
+              </a:ext>
+            </a:extLst>
+          </p:cNvPr>
+          <p:cNvCxnSpPr>
+            <a:cxnSpLocks/>
+          </p:cNvCxnSpPr>
+          <p:nvPr/>
+        </p:nvCxnSpPr>
+        <p:spPr>
+          <a:xfrm flipV="1">
+            <a:off x="14069341" y="7333454"/>
+            <a:ext cx="163762" cy="1977"/>
+          </a:xfrm>
+          <a:prstGeom prst="line">
+            <a:avLst/>
+          </a:prstGeom>
+          <a:ln w="19050">
+            <a:solidFill>
+              <a:schemeClr val="tx1"/>
+            </a:solidFill>
+            <a:prstDash val="sysDash"/>
+            <a:headEnd w="lg" len="lg"/>
+            <a:tailEnd type="triangle" w="lg" len="lg"/>
+          </a:ln>
+        </p:spPr>
+        <p:style>
+          <a:lnRef idx="1">
+            <a:schemeClr val="accent1"/>
+          </a:lnRef>
+          <a:fillRef idx="0">
+            <a:schemeClr val="accent1"/>
+          </a:fillRef>
+          <a:effectRef idx="0">
+            <a:schemeClr val="accent1"/>
+          </a:effectRef>
+          <a:fontRef idx="minor">
+            <a:schemeClr val="tx1"/>
+          </a:fontRef>
+        </p:style>
+      </p:cxnSp>
+      <p:cxnSp>
+        <p:nvCxnSpPr>
+          <p:cNvPr id="154" name="Straight Connector 153">
+            <a:extLst>
+              <a:ext uri="{FF2B5EF4-FFF2-40B4-BE49-F238E27FC236}">
+                <a16:creationId xmlns:a16="http://schemas.microsoft.com/office/drawing/2014/main" id="{03DD34AE-46FD-C94D-76F0-79F1AF568F32}"/>
+              </a:ext>
+            </a:extLst>
+          </p:cNvPr>
+          <p:cNvCxnSpPr>
+            <a:cxnSpLocks/>
+            <a:stCxn id="176" idx="2"/>
+            <a:endCxn id="150" idx="0"/>
+          </p:cNvCxnSpPr>
+          <p:nvPr/>
+        </p:nvCxnSpPr>
+        <p:spPr>
+          <a:xfrm flipH="1">
+            <a:off x="15950512" y="5838649"/>
+            <a:ext cx="2783" cy="524537"/>
+          </a:xfrm>
+          <a:prstGeom prst="line">
+            <a:avLst/>
+          </a:prstGeom>
+          <a:ln w="19050">
+            <a:solidFill>
+              <a:schemeClr val="tx1"/>
+            </a:solidFill>
+            <a:prstDash val="sysDash"/>
+            <a:headEnd w="lg" len="lg"/>
+            <a:tailEnd type="triangle" w="lg" len="lg"/>
+          </a:ln>
+        </p:spPr>
+        <p:style>
+          <a:lnRef idx="1">
+            <a:schemeClr val="accent1"/>
+          </a:lnRef>
+          <a:fillRef idx="0">
+            <a:schemeClr val="accent1"/>
+          </a:fillRef>
+          <a:effectRef idx="0">
+            <a:schemeClr val="accent1"/>
+          </a:effectRef>
+          <a:fontRef idx="minor">
+            <a:schemeClr val="tx1"/>
+          </a:fontRef>
+        </p:style>
+      </p:cxnSp>
+      <p:sp>
+        <p:nvSpPr>
+          <p:cNvPr id="155" name="Folded Corner 81">
+            <a:extLst>
+              <a:ext uri="{FF2B5EF4-FFF2-40B4-BE49-F238E27FC236}">
+                <a16:creationId xmlns:a16="http://schemas.microsoft.com/office/drawing/2014/main" id="{2D13618A-61EC-1114-ED1E-62C06E5E57B1}"/>
+              </a:ext>
+            </a:extLst>
+          </p:cNvPr>
+          <p:cNvSpPr/>
+          <p:nvPr/>
+        </p:nvSpPr>
+        <p:spPr>
+          <a:xfrm rot="16200000">
+            <a:off x="15677162" y="5001944"/>
+            <a:ext cx="623470" cy="1042697"/>
+          </a:xfrm>
+          <a:prstGeom prst="foldedCorner">
+            <a:avLst>
+              <a:gd name="adj" fmla="val 40193"/>
+            </a:avLst>
+          </a:prstGeom>
+          <a:solidFill>
+            <a:schemeClr val="bg1"/>
+          </a:solidFill>
+          <a:ln w="19050">
+            <a:solidFill>
+              <a:schemeClr val="tx1"/>
+            </a:solidFill>
+          </a:ln>
+        </p:spPr>
+        <p:style>
+          <a:lnRef idx="2">
+            <a:schemeClr val="accent1">
+              <a:shade val="50000"/>
+            </a:schemeClr>
+          </a:lnRef>
+          <a:fillRef idx="1">
+            <a:schemeClr val="accent1"/>
+          </a:fillRef>
+          <a:effectRef idx="0">
+            <a:schemeClr val="accent1"/>
+          </a:effectRef>
+          <a:fontRef idx="minor">
+            <a:schemeClr val="lt1"/>
+          </a:fontRef>
+        </p:style>
+        <p:txBody>
+          <a:bodyPr rot="0" spcFirstLastPara="0" vertOverflow="overflow" horzOverflow="overflow" vert="horz" wrap="square" lIns="68580" tIns="34291" rIns="68580" bIns="34291" numCol="1" spcCol="0" rtlCol="0" fromWordArt="0" anchor="ctr" anchorCtr="0" forceAA="0" compatLnSpc="1">
+            <a:prstTxWarp prst="textNoShape">
+              <a:avLst/>
+            </a:prstTxWarp>
+            <a:noAutofit/>
+          </a:bodyPr>
+          <a:lstStyle/>
+          <a:p>
+            <a:pPr algn="ctr"/>
+            <a:endParaRPr lang="en-GB" sz="1050">
+              <a:solidFill>
+                <a:schemeClr val="tx1"/>
+              </a:solidFill>
+            </a:endParaRPr>
+          </a:p>
+        </p:txBody>
+      </p:sp>
+      <p:sp>
+        <p:nvSpPr>
+          <p:cNvPr id="156" name="Folded Corner 86">
+            <a:extLst>
+              <a:ext uri="{FF2B5EF4-FFF2-40B4-BE49-F238E27FC236}">
+                <a16:creationId xmlns:a16="http://schemas.microsoft.com/office/drawing/2014/main" id="{E3D0B35A-FE90-5531-1E0A-9169F6900011}"/>
+              </a:ext>
+            </a:extLst>
+          </p:cNvPr>
+          <p:cNvSpPr/>
+          <p:nvPr/>
+        </p:nvSpPr>
+        <p:spPr>
+          <a:xfrm rot="16200000">
+            <a:off x="16022280" y="6705890"/>
+            <a:ext cx="491356" cy="1322084"/>
+          </a:xfrm>
+          <a:prstGeom prst="foldedCorner">
+            <a:avLst>
+              <a:gd name="adj" fmla="val 40193"/>
+            </a:avLst>
+          </a:prstGeom>
+          <a:solidFill>
+            <a:schemeClr val="bg1"/>
+          </a:solidFill>
+          <a:ln w="19050">
+            <a:solidFill>
+              <a:schemeClr val="tx1"/>
+            </a:solidFill>
+          </a:ln>
+        </p:spPr>
+        <p:style>
+          <a:lnRef idx="2">
+            <a:schemeClr val="accent1">
+              <a:shade val="50000"/>
+            </a:schemeClr>
+          </a:lnRef>
+          <a:fillRef idx="1">
+            <a:schemeClr val="accent1"/>
+          </a:fillRef>
+          <a:effectRef idx="0">
+            <a:schemeClr val="accent1"/>
+          </a:effectRef>
+          <a:fontRef idx="minor">
+            <a:schemeClr val="lt1"/>
+          </a:fontRef>
+        </p:style>
+        <p:txBody>
+          <a:bodyPr rot="0" spcFirstLastPara="0" vertOverflow="overflow" horzOverflow="overflow" vert="horz" wrap="square" lIns="68580" tIns="34291" rIns="68580" bIns="34291" numCol="1" spcCol="0" rtlCol="0" fromWordArt="0" anchor="ctr" anchorCtr="0" forceAA="0" compatLnSpc="1">
+            <a:prstTxWarp prst="textNoShape">
+              <a:avLst/>
+            </a:prstTxWarp>
+            <a:noAutofit/>
+          </a:bodyPr>
+          <a:lstStyle/>
+          <a:p>
+            <a:pPr algn="ctr"/>
+            <a:endParaRPr lang="en-GB" sz="1050">
+              <a:solidFill>
+                <a:schemeClr val="tx1"/>
+              </a:solidFill>
+            </a:endParaRPr>
+          </a:p>
+        </p:txBody>
+      </p:sp>
+      <p:sp>
+        <p:nvSpPr>
+          <p:cNvPr id="157" name="Folded Corner 96">
+            <a:extLst>
+              <a:ext uri="{FF2B5EF4-FFF2-40B4-BE49-F238E27FC236}">
+                <a16:creationId xmlns:a16="http://schemas.microsoft.com/office/drawing/2014/main" id="{67EEB28B-FE88-AE9F-209C-BC20039C6CB7}"/>
+              </a:ext>
+            </a:extLst>
+          </p:cNvPr>
+          <p:cNvSpPr/>
+          <p:nvPr/>
+        </p:nvSpPr>
+        <p:spPr>
+          <a:xfrm rot="16200000">
+            <a:off x="13071429" y="4608166"/>
+            <a:ext cx="518589" cy="1052026"/>
+          </a:xfrm>
+          <a:prstGeom prst="foldedCorner">
+            <a:avLst>
+              <a:gd name="adj" fmla="val 40193"/>
+            </a:avLst>
+          </a:prstGeom>
+          <a:solidFill>
+            <a:schemeClr val="bg1"/>
+          </a:solidFill>
+          <a:ln w="19050">
+            <a:solidFill>
+              <a:schemeClr val="tx1"/>
+            </a:solidFill>
+          </a:ln>
+        </p:spPr>
+        <p:style>
+          <a:lnRef idx="2">
+            <a:schemeClr val="accent1">
+              <a:shade val="50000"/>
+            </a:schemeClr>
+          </a:lnRef>
+          <a:fillRef idx="1">
+            <a:schemeClr val="accent1"/>
+          </a:fillRef>
+          <a:effectRef idx="0">
+            <a:schemeClr val="accent1"/>
+          </a:effectRef>
+          <a:fontRef idx="minor">
+            <a:schemeClr val="lt1"/>
+          </a:fontRef>
+        </p:style>
+        <p:txBody>
+          <a:bodyPr rot="0" spcFirstLastPara="0" vertOverflow="overflow" horzOverflow="overflow" vert="horz" wrap="square" lIns="68580" tIns="34291" rIns="68580" bIns="34291" numCol="1" spcCol="0" rtlCol="0" fromWordArt="0" anchor="ctr" anchorCtr="0" forceAA="0" compatLnSpc="1">
+            <a:prstTxWarp prst="textNoShape">
+              <a:avLst/>
+            </a:prstTxWarp>
+            <a:noAutofit/>
+          </a:bodyPr>
+          <a:lstStyle/>
+          <a:p>
+            <a:pPr algn="ctr"/>
+            <a:endParaRPr lang="en-GB" sz="1050">
+              <a:solidFill>
+                <a:schemeClr val="tx1"/>
+              </a:solidFill>
+            </a:endParaRPr>
+          </a:p>
+        </p:txBody>
+      </p:sp>
+      <p:cxnSp>
+        <p:nvCxnSpPr>
+          <p:cNvPr id="158" name="Straight Connector 157">
+            <a:extLst>
+              <a:ext uri="{FF2B5EF4-FFF2-40B4-BE49-F238E27FC236}">
+                <a16:creationId xmlns:a16="http://schemas.microsoft.com/office/drawing/2014/main" id="{636BFF74-7CE6-C881-90D1-60633D2789E7}"/>
+              </a:ext>
+            </a:extLst>
+          </p:cNvPr>
+          <p:cNvCxnSpPr>
+            <a:cxnSpLocks/>
+          </p:cNvCxnSpPr>
+          <p:nvPr/>
+        </p:nvCxnSpPr>
+        <p:spPr>
+          <a:xfrm flipV="1">
+            <a:off x="13848917" y="5525410"/>
+            <a:ext cx="12987" cy="1100656"/>
+          </a:xfrm>
+          <a:prstGeom prst="line">
+            <a:avLst/>
+          </a:prstGeom>
+          <a:ln w="19050">
+            <a:solidFill>
+              <a:schemeClr val="tx1"/>
+            </a:solidFill>
+            <a:prstDash val="sysDash"/>
+          </a:ln>
+        </p:spPr>
+        <p:style>
+          <a:lnRef idx="1">
+            <a:schemeClr val="accent1"/>
+          </a:lnRef>
+          <a:fillRef idx="0">
+            <a:schemeClr val="accent1"/>
+          </a:fillRef>
+          <a:effectRef idx="0">
+            <a:schemeClr val="accent1"/>
+          </a:effectRef>
+          <a:fontRef idx="minor">
+            <a:schemeClr val="tx1"/>
+          </a:fontRef>
+        </p:style>
+      </p:cxnSp>
+      <p:cxnSp>
+        <p:nvCxnSpPr>
+          <p:cNvPr id="159" name="Straight Connector 158">
+            <a:extLst>
+              <a:ext uri="{FF2B5EF4-FFF2-40B4-BE49-F238E27FC236}">
+                <a16:creationId xmlns:a16="http://schemas.microsoft.com/office/drawing/2014/main" id="{0C8348BB-481D-9071-36AC-A7802F4D3F8E}"/>
+              </a:ext>
+            </a:extLst>
+          </p:cNvPr>
+          <p:cNvCxnSpPr>
+            <a:cxnSpLocks/>
+          </p:cNvCxnSpPr>
+          <p:nvPr/>
+        </p:nvCxnSpPr>
+        <p:spPr>
+          <a:xfrm>
+            <a:off x="13850987" y="6618751"/>
+            <a:ext cx="183078" cy="2002"/>
+          </a:xfrm>
+          <a:prstGeom prst="line">
+            <a:avLst/>
+          </a:prstGeom>
+          <a:ln w="19050">
+            <a:solidFill>
+              <a:schemeClr val="tx1"/>
+            </a:solidFill>
+            <a:prstDash val="sysDash"/>
+            <a:headEnd w="lg" len="lg"/>
+            <a:tailEnd type="triangle" w="lg" len="lg"/>
+          </a:ln>
+        </p:spPr>
+        <p:style>
+          <a:lnRef idx="1">
+            <a:schemeClr val="accent1"/>
+          </a:lnRef>
+          <a:fillRef idx="0">
+            <a:schemeClr val="accent1"/>
+          </a:fillRef>
+          <a:effectRef idx="0">
+            <a:schemeClr val="accent1"/>
+          </a:effectRef>
+          <a:fontRef idx="minor">
+            <a:schemeClr val="tx1"/>
+          </a:fontRef>
+        </p:style>
+      </p:cxnSp>
+      <p:cxnSp>
+        <p:nvCxnSpPr>
+          <p:cNvPr id="160" name="Straight Connector 159">
+            <a:extLst>
+              <a:ext uri="{FF2B5EF4-FFF2-40B4-BE49-F238E27FC236}">
+                <a16:creationId xmlns:a16="http://schemas.microsoft.com/office/drawing/2014/main" id="{9527ED77-5A86-999C-FE33-68DD5C19A35A}"/>
+              </a:ext>
+            </a:extLst>
+          </p:cNvPr>
+          <p:cNvCxnSpPr>
+            <a:cxnSpLocks/>
+          </p:cNvCxnSpPr>
+          <p:nvPr/>
+        </p:nvCxnSpPr>
+        <p:spPr>
+          <a:xfrm flipV="1">
+            <a:off x="13074464" y="6203238"/>
+            <a:ext cx="0" cy="91974"/>
+          </a:xfrm>
+          <a:prstGeom prst="line">
+            <a:avLst/>
+          </a:prstGeom>
+          <a:ln w="19050">
+            <a:solidFill>
+              <a:schemeClr val="tx1"/>
+            </a:solidFill>
+            <a:prstDash val="sysDash"/>
+            <a:headEnd w="lg" len="lg"/>
+            <a:tailEnd type="none" w="lg" len="lg"/>
+          </a:ln>
+        </p:spPr>
+        <p:style>
+          <a:lnRef idx="1">
+            <a:schemeClr val="accent1"/>
+          </a:lnRef>
+          <a:fillRef idx="0">
+            <a:schemeClr val="accent1"/>
+          </a:fillRef>
+          <a:effectRef idx="0">
+            <a:schemeClr val="accent1"/>
+          </a:effectRef>
+          <a:fontRef idx="minor">
+            <a:schemeClr val="tx1"/>
+          </a:fontRef>
+        </p:style>
+      </p:cxnSp>
+      <p:cxnSp>
+        <p:nvCxnSpPr>
+          <p:cNvPr id="161" name="Straight Connector 160">
+            <a:extLst>
+              <a:ext uri="{FF2B5EF4-FFF2-40B4-BE49-F238E27FC236}">
+                <a16:creationId xmlns:a16="http://schemas.microsoft.com/office/drawing/2014/main" id="{F25D0C90-B2A7-84FE-5575-80452305B0B8}"/>
+              </a:ext>
+            </a:extLst>
+          </p:cNvPr>
+          <p:cNvCxnSpPr>
+            <a:cxnSpLocks/>
+          </p:cNvCxnSpPr>
+          <p:nvPr/>
+        </p:nvCxnSpPr>
+        <p:spPr>
+          <a:xfrm>
+            <a:off x="13074464" y="6289036"/>
+            <a:ext cx="1450636" cy="0"/>
+          </a:xfrm>
+          <a:prstGeom prst="line">
+            <a:avLst/>
+          </a:prstGeom>
+          <a:ln w="19050">
+            <a:solidFill>
+              <a:schemeClr val="tx1"/>
+            </a:solidFill>
+            <a:prstDash val="sysDash"/>
+            <a:headEnd w="lg" len="lg"/>
+            <a:tailEnd type="none" w="lg" len="lg"/>
+          </a:ln>
+        </p:spPr>
+        <p:style>
+          <a:lnRef idx="1">
+            <a:schemeClr val="accent1"/>
+          </a:lnRef>
+          <a:fillRef idx="0">
+            <a:schemeClr val="accent1"/>
+          </a:fillRef>
+          <a:effectRef idx="0">
+            <a:schemeClr val="accent1"/>
+          </a:effectRef>
+          <a:fontRef idx="minor">
+            <a:schemeClr val="tx1"/>
+          </a:fontRef>
+        </p:style>
+      </p:cxnSp>
+      <p:sp>
+        <p:nvSpPr>
+          <p:cNvPr id="162" name="Folded Corner 46">
+            <a:extLst>
+              <a:ext uri="{FF2B5EF4-FFF2-40B4-BE49-F238E27FC236}">
+                <a16:creationId xmlns:a16="http://schemas.microsoft.com/office/drawing/2014/main" id="{759E45B8-9273-689C-C5E2-9FC15A225EB1}"/>
+              </a:ext>
+            </a:extLst>
+          </p:cNvPr>
+          <p:cNvSpPr/>
+          <p:nvPr/>
+        </p:nvSpPr>
+        <p:spPr>
+          <a:xfrm rot="16200000">
+            <a:off x="14248981" y="5356798"/>
+            <a:ext cx="539292" cy="1095140"/>
+          </a:xfrm>
+          <a:prstGeom prst="foldedCorner">
+            <a:avLst>
+              <a:gd name="adj" fmla="val 40193"/>
+            </a:avLst>
+          </a:prstGeom>
+          <a:solidFill>
+            <a:schemeClr val="bg1"/>
+          </a:solidFill>
+          <a:ln w="19050">
+            <a:solidFill>
+              <a:schemeClr val="tx1"/>
+            </a:solidFill>
+          </a:ln>
+        </p:spPr>
+        <p:style>
+          <a:lnRef idx="2">
+            <a:schemeClr val="accent1">
+              <a:shade val="50000"/>
+            </a:schemeClr>
+          </a:lnRef>
+          <a:fillRef idx="1">
+            <a:schemeClr val="accent1"/>
+          </a:fillRef>
+          <a:effectRef idx="0">
+            <a:schemeClr val="accent1"/>
+          </a:effectRef>
+          <a:fontRef idx="minor">
+            <a:schemeClr val="lt1"/>
+          </a:fontRef>
+        </p:style>
+        <p:txBody>
+          <a:bodyPr rot="0" spcFirstLastPara="0" vertOverflow="overflow" horzOverflow="overflow" vert="horz" wrap="square" lIns="68580" tIns="34291" rIns="68580" bIns="34291" numCol="1" spcCol="0" rtlCol="0" fromWordArt="0" anchor="ctr" anchorCtr="0" forceAA="0" compatLnSpc="1">
+            <a:prstTxWarp prst="textNoShape">
+              <a:avLst/>
+            </a:prstTxWarp>
+            <a:noAutofit/>
+          </a:bodyPr>
+          <a:lstStyle/>
+          <a:p>
+            <a:pPr algn="ctr"/>
+            <a:endParaRPr lang="en-GB" sz="1050">
+              <a:solidFill>
+                <a:schemeClr val="tx1"/>
+              </a:solidFill>
+            </a:endParaRPr>
+          </a:p>
+        </p:txBody>
+      </p:sp>
+      <p:cxnSp>
+        <p:nvCxnSpPr>
+          <p:cNvPr id="163" name="Straight Connector 162">
+            <a:extLst>
+              <a:ext uri="{FF2B5EF4-FFF2-40B4-BE49-F238E27FC236}">
+                <a16:creationId xmlns:a16="http://schemas.microsoft.com/office/drawing/2014/main" id="{7AE8498D-58E9-6FEA-C919-B302DE6F2CDD}"/>
+              </a:ext>
+            </a:extLst>
+          </p:cNvPr>
+          <p:cNvCxnSpPr>
+            <a:cxnSpLocks/>
+          </p:cNvCxnSpPr>
+          <p:nvPr/>
+        </p:nvCxnSpPr>
+        <p:spPr>
+          <a:xfrm flipV="1">
+            <a:off x="13058753" y="5383247"/>
+            <a:ext cx="0" cy="136676"/>
+          </a:xfrm>
+          <a:prstGeom prst="line">
+            <a:avLst/>
+          </a:prstGeom>
+          <a:ln w="19050">
+            <a:solidFill>
+              <a:schemeClr val="tx1"/>
+            </a:solidFill>
+            <a:prstDash val="sysDash"/>
+            <a:headEnd w="lg" len="lg"/>
+            <a:tailEnd type="none" w="lg" len="lg"/>
+          </a:ln>
+        </p:spPr>
+        <p:style>
+          <a:lnRef idx="1">
+            <a:schemeClr val="accent1"/>
+          </a:lnRef>
+          <a:fillRef idx="0">
+            <a:schemeClr val="accent1"/>
+          </a:fillRef>
+          <a:effectRef idx="0">
+            <a:schemeClr val="accent1"/>
+          </a:effectRef>
+          <a:fontRef idx="minor">
+            <a:schemeClr val="tx1"/>
+          </a:fontRef>
+        </p:style>
+      </p:cxnSp>
+      <p:cxnSp>
+        <p:nvCxnSpPr>
+          <p:cNvPr id="164" name="Straight Connector 163">
+            <a:extLst>
+              <a:ext uri="{FF2B5EF4-FFF2-40B4-BE49-F238E27FC236}">
+                <a16:creationId xmlns:a16="http://schemas.microsoft.com/office/drawing/2014/main" id="{31CE8392-92AF-FE5D-780D-A58DAB7B77B9}"/>
+              </a:ext>
+            </a:extLst>
+          </p:cNvPr>
+          <p:cNvCxnSpPr>
+            <a:cxnSpLocks/>
+          </p:cNvCxnSpPr>
+          <p:nvPr/>
+        </p:nvCxnSpPr>
+        <p:spPr>
+          <a:xfrm>
+            <a:off x="13058753" y="5519923"/>
+            <a:ext cx="1474581" cy="10640"/>
+          </a:xfrm>
+          <a:prstGeom prst="line">
+            <a:avLst/>
+          </a:prstGeom>
+          <a:ln w="19050">
+            <a:solidFill>
+              <a:schemeClr val="tx1"/>
+            </a:solidFill>
+            <a:prstDash val="sysDash"/>
+            <a:headEnd w="lg" len="lg"/>
+            <a:tailEnd type="none" w="lg" len="lg"/>
+          </a:ln>
+        </p:spPr>
+        <p:style>
+          <a:lnRef idx="1">
+            <a:schemeClr val="accent1"/>
+          </a:lnRef>
+          <a:fillRef idx="0">
+            <a:schemeClr val="accent1"/>
+          </a:fillRef>
+          <a:effectRef idx="0">
+            <a:schemeClr val="accent1"/>
+          </a:effectRef>
+          <a:fontRef idx="minor">
+            <a:schemeClr val="tx1"/>
+          </a:fontRef>
+        </p:style>
+      </p:cxnSp>
+      <p:sp>
+        <p:nvSpPr>
+          <p:cNvPr id="165" name="Folded Corner 35">
+            <a:extLst>
+              <a:ext uri="{FF2B5EF4-FFF2-40B4-BE49-F238E27FC236}">
+                <a16:creationId xmlns:a16="http://schemas.microsoft.com/office/drawing/2014/main" id="{928B5614-A051-616F-5803-6370D1566E14}"/>
+              </a:ext>
+            </a:extLst>
+          </p:cNvPr>
+          <p:cNvSpPr/>
+          <p:nvPr/>
+        </p:nvSpPr>
+        <p:spPr>
+          <a:xfrm rot="16200000">
+            <a:off x="14245081" y="4524193"/>
+            <a:ext cx="530939" cy="1232320"/>
+          </a:xfrm>
+          <a:prstGeom prst="foldedCorner">
+            <a:avLst>
+              <a:gd name="adj" fmla="val 40193"/>
+            </a:avLst>
+          </a:prstGeom>
+          <a:solidFill>
+            <a:schemeClr val="bg1"/>
+          </a:solidFill>
+          <a:ln w="19050">
+            <a:solidFill>
+              <a:schemeClr val="tx1"/>
+            </a:solidFill>
+          </a:ln>
+        </p:spPr>
+        <p:style>
+          <a:lnRef idx="2">
+            <a:schemeClr val="accent1">
+              <a:shade val="50000"/>
+            </a:schemeClr>
+          </a:lnRef>
+          <a:fillRef idx="1">
+            <a:schemeClr val="accent1"/>
+          </a:fillRef>
+          <a:effectRef idx="0">
+            <a:schemeClr val="accent1"/>
+          </a:effectRef>
+          <a:fontRef idx="minor">
+            <a:schemeClr val="lt1"/>
+          </a:fontRef>
+        </p:style>
+        <p:txBody>
+          <a:bodyPr rot="0" spcFirstLastPara="0" vertOverflow="overflow" horzOverflow="overflow" vert="horz" wrap="square" lIns="68580" tIns="34291" rIns="68580" bIns="34291" numCol="1" spcCol="0" rtlCol="0" fromWordArt="0" anchor="ctr" anchorCtr="0" forceAA="0" compatLnSpc="1">
+            <a:prstTxWarp prst="textNoShape">
+              <a:avLst/>
+            </a:prstTxWarp>
+            <a:noAutofit/>
+          </a:bodyPr>
+          <a:lstStyle/>
+          <a:p>
+            <a:pPr algn="ctr"/>
+            <a:endParaRPr lang="en-GB" sz="1050">
+              <a:solidFill>
+                <a:schemeClr val="tx1"/>
+              </a:solidFill>
+            </a:endParaRPr>
+          </a:p>
+        </p:txBody>
+      </p:sp>
+      <p:cxnSp>
+        <p:nvCxnSpPr>
+          <p:cNvPr id="166" name="Straight Connector 165">
+            <a:extLst>
+              <a:ext uri="{FF2B5EF4-FFF2-40B4-BE49-F238E27FC236}">
+                <a16:creationId xmlns:a16="http://schemas.microsoft.com/office/drawing/2014/main" id="{9573F355-6972-4519-8DD1-466B6436792A}"/>
+              </a:ext>
+            </a:extLst>
+          </p:cNvPr>
+          <p:cNvCxnSpPr>
+            <a:cxnSpLocks/>
+          </p:cNvCxnSpPr>
+          <p:nvPr/>
+        </p:nvCxnSpPr>
+        <p:spPr>
+          <a:xfrm flipV="1">
+            <a:off x="14522532" y="5405823"/>
+            <a:ext cx="0" cy="112272"/>
+          </a:xfrm>
+          <a:prstGeom prst="line">
+            <a:avLst/>
+          </a:prstGeom>
+          <a:ln w="19050">
+            <a:solidFill>
+              <a:schemeClr val="tx1"/>
+            </a:solidFill>
+            <a:prstDash val="sysDash"/>
+            <a:headEnd w="lg" len="lg"/>
+            <a:tailEnd type="none" w="lg" len="lg"/>
+          </a:ln>
+        </p:spPr>
+        <p:style>
+          <a:lnRef idx="1">
+            <a:schemeClr val="accent1"/>
+          </a:lnRef>
+          <a:fillRef idx="0">
+            <a:schemeClr val="accent1"/>
+          </a:fillRef>
+          <a:effectRef idx="0">
+            <a:schemeClr val="accent1"/>
+          </a:effectRef>
+          <a:fontRef idx="minor">
+            <a:schemeClr val="tx1"/>
+          </a:fontRef>
+        </p:style>
+      </p:cxnSp>
+      <p:sp>
+        <p:nvSpPr>
+          <p:cNvPr id="167" name="Rectangle 166">
+            <a:extLst>
+              <a:ext uri="{FF2B5EF4-FFF2-40B4-BE49-F238E27FC236}">
+                <a16:creationId xmlns:a16="http://schemas.microsoft.com/office/drawing/2014/main" id="{96B30D33-6C49-6D67-6AF7-B713F077022B}"/>
+              </a:ext>
+            </a:extLst>
+          </p:cNvPr>
+          <p:cNvSpPr/>
+          <p:nvPr/>
+        </p:nvSpPr>
+        <p:spPr>
+          <a:xfrm>
+            <a:off x="16813861" y="6333224"/>
+            <a:ext cx="1360344" cy="668061"/>
+          </a:xfrm>
+          <a:prstGeom prst="rect">
+            <a:avLst/>
+          </a:prstGeom>
+          <a:solidFill>
+            <a:schemeClr val="bg2">
+              <a:lumMod val="90000"/>
+            </a:schemeClr>
+          </a:solidFill>
+          <a:ln w="19050">
+            <a:solidFill>
+              <a:schemeClr val="tx1"/>
+            </a:solidFill>
+          </a:ln>
+        </p:spPr>
+        <p:style>
+          <a:lnRef idx="2">
+            <a:schemeClr val="accent1">
+              <a:shade val="50000"/>
+            </a:schemeClr>
+          </a:lnRef>
+          <a:fillRef idx="1">
+            <a:schemeClr val="accent1"/>
+          </a:fillRef>
+          <a:effectRef idx="0">
+            <a:schemeClr val="accent1"/>
+          </a:effectRef>
+          <a:fontRef idx="minor">
+            <a:schemeClr val="lt1"/>
+          </a:fontRef>
+        </p:style>
+        <p:txBody>
+          <a:bodyPr rot="0" spcFirstLastPara="0" vertOverflow="overflow" horzOverflow="overflow" vert="horz" wrap="square" lIns="68580" tIns="34291" rIns="68580" bIns="34291" numCol="1" spcCol="0" rtlCol="0" fromWordArt="0" anchor="ctr" anchorCtr="0" forceAA="0" compatLnSpc="1">
+            <a:prstTxWarp prst="textNoShape">
+              <a:avLst/>
+            </a:prstTxWarp>
+            <a:noAutofit/>
+          </a:bodyPr>
+          <a:lstStyle/>
+          <a:p>
+            <a:pPr algn="ctr"/>
+            <a:endParaRPr lang="en-GB" sz="1050"/>
+          </a:p>
+        </p:txBody>
+      </p:sp>
+      <p:cxnSp>
+        <p:nvCxnSpPr>
+          <p:cNvPr id="168" name="Straight Connector 167">
+            <a:extLst>
+              <a:ext uri="{FF2B5EF4-FFF2-40B4-BE49-F238E27FC236}">
+                <a16:creationId xmlns:a16="http://schemas.microsoft.com/office/drawing/2014/main" id="{4BA854FD-F9D2-81BB-5577-75AB014F4EC3}"/>
+              </a:ext>
+            </a:extLst>
+          </p:cNvPr>
+          <p:cNvCxnSpPr>
+            <a:cxnSpLocks/>
+            <a:endCxn id="167" idx="0"/>
+          </p:cNvCxnSpPr>
+          <p:nvPr/>
+        </p:nvCxnSpPr>
+        <p:spPr>
+          <a:xfrm>
+            <a:off x="17490864" y="5739931"/>
+            <a:ext cx="3169" cy="593293"/>
+          </a:xfrm>
+          <a:prstGeom prst="line">
+            <a:avLst/>
+          </a:prstGeom>
+          <a:ln w="19050">
+            <a:solidFill>
+              <a:schemeClr val="tx1"/>
+            </a:solidFill>
+            <a:prstDash val="sysDash"/>
+            <a:headEnd w="lg" len="lg"/>
+            <a:tailEnd type="triangle" w="lg" len="lg"/>
+          </a:ln>
+        </p:spPr>
+        <p:style>
+          <a:lnRef idx="1">
+            <a:schemeClr val="accent1"/>
+          </a:lnRef>
+          <a:fillRef idx="0">
+            <a:schemeClr val="accent1"/>
+          </a:fillRef>
+          <a:effectRef idx="0">
+            <a:schemeClr val="accent1"/>
+          </a:effectRef>
+          <a:fontRef idx="minor">
+            <a:schemeClr val="tx1"/>
+          </a:fontRef>
+        </p:style>
+      </p:cxnSp>
+      <p:sp>
+        <p:nvSpPr>
+          <p:cNvPr id="169" name="Folded Corner 50">
+            <a:extLst>
+              <a:ext uri="{FF2B5EF4-FFF2-40B4-BE49-F238E27FC236}">
+                <a16:creationId xmlns:a16="http://schemas.microsoft.com/office/drawing/2014/main" id="{6CC4C816-6C9D-862A-DAAF-D60FF9A690B2}"/>
+              </a:ext>
+            </a:extLst>
+          </p:cNvPr>
+          <p:cNvSpPr/>
+          <p:nvPr/>
+        </p:nvSpPr>
+        <p:spPr>
+          <a:xfrm rot="16200000">
+            <a:off x="17132220" y="4794152"/>
+            <a:ext cx="668060" cy="1413689"/>
+          </a:xfrm>
+          <a:prstGeom prst="foldedCorner">
+            <a:avLst>
+              <a:gd name="adj" fmla="val 40193"/>
+            </a:avLst>
+          </a:prstGeom>
+          <a:solidFill>
+            <a:schemeClr val="bg1"/>
+          </a:solidFill>
+          <a:ln w="19050">
+            <a:solidFill>
+              <a:schemeClr val="tx1"/>
+            </a:solidFill>
+          </a:ln>
+        </p:spPr>
+        <p:style>
+          <a:lnRef idx="2">
+            <a:schemeClr val="accent1">
+              <a:shade val="50000"/>
+            </a:schemeClr>
+          </a:lnRef>
+          <a:fillRef idx="1">
+            <a:schemeClr val="accent1"/>
+          </a:fillRef>
+          <a:effectRef idx="0">
+            <a:schemeClr val="accent1"/>
+          </a:effectRef>
+          <a:fontRef idx="minor">
+            <a:schemeClr val="lt1"/>
+          </a:fontRef>
+        </p:style>
+        <p:txBody>
+          <a:bodyPr rot="0" spcFirstLastPara="0" vertOverflow="overflow" horzOverflow="overflow" vert="horz" wrap="square" lIns="68580" tIns="34291" rIns="68580" bIns="34291" numCol="1" spcCol="0" rtlCol="0" fromWordArt="0" anchor="ctr" anchorCtr="0" forceAA="0" compatLnSpc="1">
+            <a:prstTxWarp prst="textNoShape">
+              <a:avLst/>
+            </a:prstTxWarp>
+            <a:noAutofit/>
+          </a:bodyPr>
+          <a:lstStyle/>
+          <a:p>
+            <a:pPr algn="ctr"/>
+            <a:endParaRPr lang="en-GB" sz="1050">
+              <a:solidFill>
+                <a:schemeClr val="tx1"/>
+              </a:solidFill>
+            </a:endParaRPr>
+          </a:p>
+        </p:txBody>
+      </p:sp>
+      <p:sp>
+        <p:nvSpPr>
+          <p:cNvPr id="170" name="Folded Corner 54">
+            <a:extLst>
+              <a:ext uri="{FF2B5EF4-FFF2-40B4-BE49-F238E27FC236}">
+                <a16:creationId xmlns:a16="http://schemas.microsoft.com/office/drawing/2014/main" id="{AD2EE648-2EDF-C494-A8C7-89A12C9FFBDE}"/>
+              </a:ext>
+            </a:extLst>
+          </p:cNvPr>
+          <p:cNvSpPr/>
+          <p:nvPr/>
+        </p:nvSpPr>
+        <p:spPr>
+          <a:xfrm rot="16200000">
+            <a:off x="17384094" y="6825237"/>
+            <a:ext cx="544724" cy="1038767"/>
+          </a:xfrm>
+          <a:prstGeom prst="foldedCorner">
+            <a:avLst>
+              <a:gd name="adj" fmla="val 40193"/>
+            </a:avLst>
+          </a:prstGeom>
+          <a:solidFill>
+            <a:schemeClr val="bg1"/>
+          </a:solidFill>
+          <a:ln w="19050">
+            <a:solidFill>
+              <a:schemeClr val="tx1"/>
+            </a:solidFill>
+          </a:ln>
+        </p:spPr>
+        <p:style>
+          <a:lnRef idx="2">
+            <a:schemeClr val="accent1">
+              <a:shade val="50000"/>
+            </a:schemeClr>
+          </a:lnRef>
+          <a:fillRef idx="1">
+            <a:schemeClr val="accent1"/>
+          </a:fillRef>
+          <a:effectRef idx="0">
+            <a:schemeClr val="accent1"/>
+          </a:effectRef>
+          <a:fontRef idx="minor">
+            <a:schemeClr val="lt1"/>
+          </a:fontRef>
+        </p:style>
+        <p:txBody>
+          <a:bodyPr rot="0" spcFirstLastPara="0" vertOverflow="overflow" horzOverflow="overflow" vert="horz" wrap="square" lIns="68580" tIns="34291" rIns="68580" bIns="34291" numCol="1" spcCol="0" rtlCol="0" fromWordArt="0" anchor="ctr" anchorCtr="0" forceAA="0" compatLnSpc="1">
+            <a:prstTxWarp prst="textNoShape">
+              <a:avLst/>
+            </a:prstTxWarp>
+            <a:noAutofit/>
+          </a:bodyPr>
+          <a:lstStyle/>
+          <a:p>
+            <a:pPr algn="ctr"/>
+            <a:endParaRPr lang="en-GB" sz="1050">
+              <a:solidFill>
+                <a:schemeClr val="tx1"/>
+              </a:solidFill>
+            </a:endParaRPr>
+          </a:p>
+        </p:txBody>
+      </p:sp>
+      <p:cxnSp>
+        <p:nvCxnSpPr>
+          <p:cNvPr id="171" name="Straight Connector 170">
+            <a:extLst>
+              <a:ext uri="{FF2B5EF4-FFF2-40B4-BE49-F238E27FC236}">
+                <a16:creationId xmlns:a16="http://schemas.microsoft.com/office/drawing/2014/main" id="{BDA47CF4-0CBB-A6C9-FA13-BB35A1552B9F}"/>
+              </a:ext>
+            </a:extLst>
+          </p:cNvPr>
+          <p:cNvCxnSpPr>
+            <a:cxnSpLocks/>
+          </p:cNvCxnSpPr>
+          <p:nvPr/>
+        </p:nvCxnSpPr>
+        <p:spPr>
+          <a:xfrm flipV="1">
+            <a:off x="14525100" y="6174014"/>
+            <a:ext cx="0" cy="114544"/>
+          </a:xfrm>
+          <a:prstGeom prst="line">
+            <a:avLst/>
+          </a:prstGeom>
+          <a:ln w="19050">
+            <a:solidFill>
+              <a:schemeClr val="tx1"/>
+            </a:solidFill>
+            <a:prstDash val="sysDash"/>
+            <a:headEnd w="lg" len="lg"/>
+            <a:tailEnd type="none" w="lg" len="lg"/>
+          </a:ln>
+        </p:spPr>
+        <p:style>
+          <a:lnRef idx="1">
+            <a:schemeClr val="accent1"/>
+          </a:lnRef>
+          <a:fillRef idx="0">
+            <a:schemeClr val="accent1"/>
+          </a:fillRef>
+          <a:effectRef idx="0">
+            <a:schemeClr val="accent1"/>
+          </a:effectRef>
+          <a:fontRef idx="minor">
+            <a:schemeClr val="tx1"/>
+          </a:fontRef>
+        </p:style>
+      </p:cxnSp>
+      <p:sp>
+        <p:nvSpPr>
+          <p:cNvPr id="172" name="TextBox 171">
+            <a:extLst>
+              <a:ext uri="{FF2B5EF4-FFF2-40B4-BE49-F238E27FC236}">
+                <a16:creationId xmlns:a16="http://schemas.microsoft.com/office/drawing/2014/main" id="{D68A8D55-3F7A-088B-711D-C80C80FEE77A}"/>
+              </a:ext>
+            </a:extLst>
+          </p:cNvPr>
+          <p:cNvSpPr txBox="1"/>
+          <p:nvPr/>
+        </p:nvSpPr>
+        <p:spPr>
+          <a:xfrm>
+            <a:off x="14126649" y="7172037"/>
+            <a:ext cx="1300727" cy="434863"/>
+          </a:xfrm>
+          <a:prstGeom prst="rect">
+            <a:avLst/>
+          </a:prstGeom>
+          <a:noFill/>
+        </p:spPr>
+        <p:txBody>
+          <a:bodyPr wrap="square" rtlCol="0">
+            <a:spAutoFit/>
+          </a:bodyPr>
+          <a:lstStyle/>
+          <a:p>
+            <a:pPr algn="ctr">
+              <a:lnSpc>
+                <a:spcPts val="1300"/>
+              </a:lnSpc>
+            </a:pPr>
+            <a:r>
+              <a:rPr lang="en-GB" sz="1500" dirty="0"/>
+              <a:t>[EE]Erroneous Behaviour Log</a:t>
+            </a:r>
+          </a:p>
+        </p:txBody>
+      </p:sp>
+      <p:sp>
+        <p:nvSpPr>
+          <p:cNvPr id="173" name="TextBox 172">
+            <a:extLst>
+              <a:ext uri="{FF2B5EF4-FFF2-40B4-BE49-F238E27FC236}">
+                <a16:creationId xmlns:a16="http://schemas.microsoft.com/office/drawing/2014/main" id="{FD0BDED3-D314-8435-D0A8-BE16750A8A2B}"/>
+              </a:ext>
+            </a:extLst>
+          </p:cNvPr>
+          <p:cNvSpPr txBox="1"/>
+          <p:nvPr/>
+        </p:nvSpPr>
+        <p:spPr>
+          <a:xfrm>
+            <a:off x="13964167" y="6480276"/>
+            <a:ext cx="1259264" cy="443198"/>
+          </a:xfrm>
+          <a:prstGeom prst="rect">
+            <a:avLst/>
+          </a:prstGeom>
+          <a:noFill/>
+        </p:spPr>
+        <p:txBody>
+          <a:bodyPr wrap="square" lIns="121920" tIns="60960" rIns="121920" bIns="60960" rtlCol="0" anchor="t">
+            <a:spAutoFit/>
+          </a:bodyPr>
+          <a:lstStyle/>
+          <a:p>
+            <a:pPr algn="ctr">
+              <a:lnSpc>
+                <a:spcPts val="1200"/>
+              </a:lnSpc>
+            </a:pPr>
+            <a:r>
+              <a:rPr lang="en-GB" sz="1500" b="1" dirty="0"/>
+              <a:t>15. Integrate</a:t>
+            </a:r>
+            <a:br>
+              <a:rPr lang="en-GB" sz="1500" b="1" dirty="0"/>
+            </a:br>
+            <a:r>
+              <a:rPr lang="en-GB" sz="1500" b="1" dirty="0"/>
+              <a:t>EB</a:t>
+            </a:r>
+          </a:p>
+        </p:txBody>
+      </p:sp>
+      <p:sp>
+        <p:nvSpPr>
+          <p:cNvPr id="174" name="TextBox 173">
+            <a:extLst>
+              <a:ext uri="{FF2B5EF4-FFF2-40B4-BE49-F238E27FC236}">
+                <a16:creationId xmlns:a16="http://schemas.microsoft.com/office/drawing/2014/main" id="{9ABF39D8-E1C4-616E-7BC3-2602865E67CF}"/>
+              </a:ext>
+            </a:extLst>
+          </p:cNvPr>
+          <p:cNvSpPr txBox="1"/>
+          <p:nvPr/>
+        </p:nvSpPr>
+        <p:spPr>
+          <a:xfrm>
+            <a:off x="15203400" y="6457165"/>
+            <a:ext cx="1494223" cy="453907"/>
+          </a:xfrm>
+          <a:prstGeom prst="rect">
+            <a:avLst/>
+          </a:prstGeom>
+          <a:noFill/>
+        </p:spPr>
+        <p:txBody>
+          <a:bodyPr wrap="square" rtlCol="0">
+            <a:spAutoFit/>
+          </a:bodyPr>
+          <a:lstStyle/>
+          <a:p>
+            <a:pPr algn="ctr">
+              <a:lnSpc>
+                <a:spcPts val="1400"/>
+              </a:lnSpc>
+            </a:pPr>
+            <a:r>
+              <a:rPr lang="en-GB" sz="1500" b="1" dirty="0"/>
+              <a:t>16. Test the Integration</a:t>
+            </a:r>
+          </a:p>
+        </p:txBody>
+      </p:sp>
+      <p:sp>
+        <p:nvSpPr>
+          <p:cNvPr id="175" name="TextBox 174">
+            <a:extLst>
+              <a:ext uri="{FF2B5EF4-FFF2-40B4-BE49-F238E27FC236}">
+                <a16:creationId xmlns:a16="http://schemas.microsoft.com/office/drawing/2014/main" id="{B03D3E0B-23E9-C4B2-5C27-5B28C57DBB32}"/>
+              </a:ext>
+            </a:extLst>
+          </p:cNvPr>
+          <p:cNvSpPr txBox="1"/>
+          <p:nvPr/>
+        </p:nvSpPr>
+        <p:spPr>
+          <a:xfrm>
+            <a:off x="12684478" y="5615684"/>
+            <a:ext cx="1238261" cy="598112"/>
+          </a:xfrm>
+          <a:prstGeom prst="rect">
+            <a:avLst/>
+          </a:prstGeom>
+          <a:noFill/>
+        </p:spPr>
+        <p:txBody>
+          <a:bodyPr wrap="square" rtlCol="0">
+            <a:spAutoFit/>
+          </a:bodyPr>
+          <a:lstStyle/>
+          <a:p>
+            <a:pPr algn="ctr">
+              <a:lnSpc>
+                <a:spcPts val="1275"/>
+              </a:lnSpc>
+            </a:pPr>
+            <a:r>
+              <a:rPr lang="en-GB" sz="1500" dirty="0"/>
+              <a:t>[B] Environment Description</a:t>
+            </a:r>
+          </a:p>
+        </p:txBody>
+      </p:sp>
+      <p:sp>
+        <p:nvSpPr>
+          <p:cNvPr id="176" name="TextBox 175">
+            <a:extLst>
+              <a:ext uri="{FF2B5EF4-FFF2-40B4-BE49-F238E27FC236}">
+                <a16:creationId xmlns:a16="http://schemas.microsoft.com/office/drawing/2014/main" id="{7B49F679-24C4-462A-B7E1-6F260BA3095E}"/>
+              </a:ext>
+            </a:extLst>
+          </p:cNvPr>
+          <p:cNvSpPr txBox="1"/>
+          <p:nvPr/>
+        </p:nvSpPr>
+        <p:spPr>
+          <a:xfrm>
+            <a:off x="15397319" y="5240537"/>
+            <a:ext cx="1111951" cy="598112"/>
+          </a:xfrm>
+          <a:prstGeom prst="rect">
+            <a:avLst/>
+          </a:prstGeom>
+          <a:noFill/>
+        </p:spPr>
+        <p:txBody>
+          <a:bodyPr wrap="square" rtlCol="0">
+            <a:spAutoFit/>
+          </a:bodyPr>
+          <a:lstStyle/>
+          <a:p>
+            <a:pPr algn="ctr">
+              <a:lnSpc>
+                <a:spcPts val="1275"/>
+              </a:lnSpc>
+            </a:pPr>
+            <a:r>
+              <a:rPr lang="en-GB" sz="1500" dirty="0"/>
+              <a:t>[FF] Operational Scenarios</a:t>
+            </a:r>
+          </a:p>
+        </p:txBody>
+      </p:sp>
+      <p:sp>
+        <p:nvSpPr>
+          <p:cNvPr id="177" name="TextBox 176">
+            <a:extLst>
+              <a:ext uri="{FF2B5EF4-FFF2-40B4-BE49-F238E27FC236}">
+                <a16:creationId xmlns:a16="http://schemas.microsoft.com/office/drawing/2014/main" id="{ADDE89E7-A09A-0332-6E34-3C6D0EFACBD1}"/>
+              </a:ext>
+            </a:extLst>
+          </p:cNvPr>
+          <p:cNvSpPr txBox="1"/>
+          <p:nvPr/>
+        </p:nvSpPr>
+        <p:spPr>
+          <a:xfrm>
+            <a:off x="15522162" y="7190402"/>
+            <a:ext cx="1397588" cy="434863"/>
+          </a:xfrm>
+          <a:prstGeom prst="rect">
+            <a:avLst/>
+          </a:prstGeom>
+          <a:noFill/>
+        </p:spPr>
+        <p:txBody>
+          <a:bodyPr wrap="square" rtlCol="0">
+            <a:spAutoFit/>
+          </a:bodyPr>
+          <a:lstStyle/>
+          <a:p>
+            <a:pPr algn="ctr">
+              <a:lnSpc>
+                <a:spcPts val="1300"/>
+              </a:lnSpc>
+            </a:pPr>
+            <a:r>
+              <a:rPr lang="en-GB" sz="1500" dirty="0"/>
+              <a:t>[GG]Integration Testing Results</a:t>
+            </a:r>
+          </a:p>
+        </p:txBody>
+      </p:sp>
+      <p:sp>
+        <p:nvSpPr>
+          <p:cNvPr id="178" name="TextBox 177">
+            <a:extLst>
+              <a:ext uri="{FF2B5EF4-FFF2-40B4-BE49-F238E27FC236}">
+                <a16:creationId xmlns:a16="http://schemas.microsoft.com/office/drawing/2014/main" id="{99FCC75F-6D47-9AD2-AB0A-139BDE2FC21E}"/>
+              </a:ext>
+            </a:extLst>
+          </p:cNvPr>
+          <p:cNvSpPr txBox="1"/>
+          <p:nvPr/>
+        </p:nvSpPr>
+        <p:spPr>
+          <a:xfrm>
+            <a:off x="12631745" y="4932657"/>
+            <a:ext cx="1290994" cy="431400"/>
+          </a:xfrm>
+          <a:prstGeom prst="rect">
+            <a:avLst/>
+          </a:prstGeom>
+          <a:noFill/>
+        </p:spPr>
+        <p:txBody>
+          <a:bodyPr wrap="square" rtlCol="0">
+            <a:spAutoFit/>
+          </a:bodyPr>
+          <a:lstStyle/>
+          <a:p>
+            <a:pPr algn="ctr">
+              <a:lnSpc>
+                <a:spcPts val="1275"/>
+              </a:lnSpc>
+            </a:pPr>
+            <a:r>
+              <a:rPr lang="en-GB" sz="1500" dirty="0"/>
+              <a:t>[W] EB Algorithm</a:t>
+            </a:r>
+          </a:p>
+        </p:txBody>
+      </p:sp>
+      <p:sp>
+        <p:nvSpPr>
+          <p:cNvPr id="179" name="TextBox 178">
+            <a:extLst>
+              <a:ext uri="{FF2B5EF4-FFF2-40B4-BE49-F238E27FC236}">
+                <a16:creationId xmlns:a16="http://schemas.microsoft.com/office/drawing/2014/main" id="{D929AF85-FB0A-DFEF-7024-2C8FF0572830}"/>
+              </a:ext>
+            </a:extLst>
+          </p:cNvPr>
+          <p:cNvSpPr txBox="1"/>
+          <p:nvPr/>
+        </p:nvSpPr>
+        <p:spPr>
+          <a:xfrm>
+            <a:off x="13891724" y="5707156"/>
+            <a:ext cx="1110378" cy="431400"/>
+          </a:xfrm>
+          <a:prstGeom prst="rect">
+            <a:avLst/>
+          </a:prstGeom>
+          <a:noFill/>
+        </p:spPr>
+        <p:txBody>
+          <a:bodyPr wrap="square" rtlCol="0">
+            <a:spAutoFit/>
+          </a:bodyPr>
+          <a:lstStyle/>
+          <a:p>
+            <a:pPr algn="ctr">
+              <a:lnSpc>
+                <a:spcPts val="1275"/>
+              </a:lnSpc>
+            </a:pPr>
+            <a:r>
+              <a:rPr lang="en-GB" sz="1500" dirty="0"/>
+              <a:t>[C] System Description</a:t>
+            </a:r>
+          </a:p>
+        </p:txBody>
+      </p:sp>
+      <p:sp>
+        <p:nvSpPr>
+          <p:cNvPr id="180" name="TextBox 179">
+            <a:extLst>
+              <a:ext uri="{FF2B5EF4-FFF2-40B4-BE49-F238E27FC236}">
+                <a16:creationId xmlns:a16="http://schemas.microsoft.com/office/drawing/2014/main" id="{3F323806-872D-727E-9603-1CE42482611C}"/>
+              </a:ext>
+            </a:extLst>
+          </p:cNvPr>
+          <p:cNvSpPr txBox="1"/>
+          <p:nvPr/>
+        </p:nvSpPr>
+        <p:spPr>
+          <a:xfrm>
+            <a:off x="13807097" y="4889126"/>
+            <a:ext cx="1364455" cy="566309"/>
+          </a:xfrm>
+          <a:prstGeom prst="rect">
+            <a:avLst/>
+          </a:prstGeom>
+          <a:noFill/>
+        </p:spPr>
+        <p:txBody>
+          <a:bodyPr wrap="square" rtlCol="0">
+            <a:spAutoFit/>
+          </a:bodyPr>
+          <a:lstStyle/>
+          <a:p>
+            <a:pPr algn="ctr">
+              <a:lnSpc>
+                <a:spcPts val="1200"/>
+              </a:lnSpc>
+            </a:pPr>
+            <a:r>
+              <a:rPr lang="en-GB" sz="1500" dirty="0"/>
+              <a:t>[A] System Safety Requirements</a:t>
+            </a:r>
+          </a:p>
+        </p:txBody>
+      </p:sp>
+      <p:sp>
+        <p:nvSpPr>
+          <p:cNvPr id="181" name="TextBox 180">
+            <a:extLst>
+              <a:ext uri="{FF2B5EF4-FFF2-40B4-BE49-F238E27FC236}">
+                <a16:creationId xmlns:a16="http://schemas.microsoft.com/office/drawing/2014/main" id="{CD7CB0A7-9EDE-310E-03E3-EA69CBFEE71A}"/>
+              </a:ext>
+            </a:extLst>
+          </p:cNvPr>
+          <p:cNvSpPr txBox="1"/>
+          <p:nvPr/>
+        </p:nvSpPr>
+        <p:spPr>
+          <a:xfrm>
+            <a:off x="16776711" y="6352062"/>
+            <a:ext cx="1456631" cy="720197"/>
+          </a:xfrm>
+          <a:prstGeom prst="rect">
+            <a:avLst/>
+          </a:prstGeom>
+          <a:noFill/>
+        </p:spPr>
+        <p:txBody>
+          <a:bodyPr wrap="square" rtlCol="0">
+            <a:spAutoFit/>
+          </a:bodyPr>
+          <a:lstStyle/>
+          <a:p>
+            <a:pPr algn="ctr">
+              <a:lnSpc>
+                <a:spcPts val="1200"/>
+              </a:lnSpc>
+            </a:pPr>
+            <a:r>
+              <a:rPr lang="en-GB" sz="1500" b="1" dirty="0"/>
+              <a:t>17. Instantiate EB Deployment Argument Pattern</a:t>
+            </a:r>
+          </a:p>
+        </p:txBody>
+      </p:sp>
+      <p:sp>
+        <p:nvSpPr>
+          <p:cNvPr id="182" name="TextBox 181">
+            <a:extLst>
+              <a:ext uri="{FF2B5EF4-FFF2-40B4-BE49-F238E27FC236}">
+                <a16:creationId xmlns:a16="http://schemas.microsoft.com/office/drawing/2014/main" id="{76E70312-7E13-1B6D-5977-38B8ABDF7C28}"/>
+              </a:ext>
+            </a:extLst>
+          </p:cNvPr>
+          <p:cNvSpPr txBox="1"/>
+          <p:nvPr/>
+        </p:nvSpPr>
+        <p:spPr>
+          <a:xfrm>
+            <a:off x="16680028" y="5211558"/>
+            <a:ext cx="1636301" cy="598112"/>
+          </a:xfrm>
+          <a:prstGeom prst="rect">
+            <a:avLst/>
+          </a:prstGeom>
+          <a:noFill/>
+          <a:ln w="19050">
+            <a:noFill/>
+          </a:ln>
+        </p:spPr>
+        <p:txBody>
+          <a:bodyPr wrap="square" rtlCol="0">
+            <a:spAutoFit/>
+          </a:bodyPr>
+          <a:lstStyle/>
+          <a:p>
+            <a:pPr algn="ctr">
+              <a:lnSpc>
+                <a:spcPts val="1275"/>
+              </a:lnSpc>
+            </a:pPr>
+            <a:r>
+              <a:rPr lang="en-GB" sz="1500" dirty="0"/>
+              <a:t>[HH] EB Deployment Argument Pattern</a:t>
+            </a:r>
+          </a:p>
+        </p:txBody>
+      </p:sp>
+      <p:sp>
+        <p:nvSpPr>
+          <p:cNvPr id="183" name="TextBox 182">
+            <a:extLst>
+              <a:ext uri="{FF2B5EF4-FFF2-40B4-BE49-F238E27FC236}">
+                <a16:creationId xmlns:a16="http://schemas.microsoft.com/office/drawing/2014/main" id="{24DD8D8F-91A3-A006-DF4C-EEBC903F2668}"/>
+              </a:ext>
+            </a:extLst>
+          </p:cNvPr>
+          <p:cNvSpPr txBox="1"/>
+          <p:nvPr/>
+        </p:nvSpPr>
+        <p:spPr>
+          <a:xfrm>
+            <a:off x="16973310" y="7066143"/>
+            <a:ext cx="1301595" cy="601575"/>
+          </a:xfrm>
+          <a:prstGeom prst="rect">
+            <a:avLst/>
+          </a:prstGeom>
+          <a:noFill/>
+        </p:spPr>
+        <p:txBody>
+          <a:bodyPr wrap="square" rtlCol="0">
+            <a:spAutoFit/>
+          </a:bodyPr>
+          <a:lstStyle/>
+          <a:p>
+            <a:pPr algn="ctr">
+              <a:lnSpc>
+                <a:spcPts val="1300"/>
+              </a:lnSpc>
+            </a:pPr>
+            <a:r>
+              <a:rPr lang="en-GB" sz="1500" dirty="0"/>
+              <a:t>[II] EB Deployment Argument</a:t>
+            </a:r>
+          </a:p>
+        </p:txBody>
+      </p:sp>
+      <p:cxnSp>
+        <p:nvCxnSpPr>
+          <p:cNvPr id="184" name="Straight Connector 183">
+            <a:extLst>
+              <a:ext uri="{FF2B5EF4-FFF2-40B4-BE49-F238E27FC236}">
+                <a16:creationId xmlns:a16="http://schemas.microsoft.com/office/drawing/2014/main" id="{06DF9F95-C6E2-5B88-C972-214F0C555BCA}"/>
+              </a:ext>
+            </a:extLst>
+          </p:cNvPr>
+          <p:cNvCxnSpPr>
+            <a:cxnSpLocks/>
+          </p:cNvCxnSpPr>
+          <p:nvPr/>
+        </p:nvCxnSpPr>
+        <p:spPr>
+          <a:xfrm flipV="1">
+            <a:off x="15449531" y="7353350"/>
+            <a:ext cx="163762" cy="1977"/>
+          </a:xfrm>
+          <a:prstGeom prst="line">
+            <a:avLst/>
+          </a:prstGeom>
+          <a:ln w="19050">
+            <a:solidFill>
+              <a:schemeClr val="tx1"/>
+            </a:solidFill>
+            <a:prstDash val="sysDash"/>
+            <a:headEnd w="lg" len="lg"/>
+            <a:tailEnd type="triangle" w="lg" len="lg"/>
+          </a:ln>
+        </p:spPr>
+        <p:style>
+          <a:lnRef idx="1">
+            <a:schemeClr val="accent1"/>
+          </a:lnRef>
+          <a:fillRef idx="0">
+            <a:schemeClr val="accent1"/>
+          </a:fillRef>
+          <a:effectRef idx="0">
+            <a:schemeClr val="accent1"/>
+          </a:effectRef>
+          <a:fontRef idx="minor">
+            <a:schemeClr val="tx1"/>
+          </a:fontRef>
+        </p:style>
+      </p:cxnSp>
+      <p:cxnSp>
+        <p:nvCxnSpPr>
+          <p:cNvPr id="185" name="Straight Connector 184">
+            <a:extLst>
+              <a:ext uri="{FF2B5EF4-FFF2-40B4-BE49-F238E27FC236}">
+                <a16:creationId xmlns:a16="http://schemas.microsoft.com/office/drawing/2014/main" id="{772EB248-5BD3-367D-BC26-5303007D736F}"/>
+              </a:ext>
+            </a:extLst>
+          </p:cNvPr>
+          <p:cNvCxnSpPr>
+            <a:cxnSpLocks/>
+          </p:cNvCxnSpPr>
+          <p:nvPr/>
+        </p:nvCxnSpPr>
+        <p:spPr>
+          <a:xfrm flipV="1">
+            <a:off x="16976182" y="6989984"/>
+            <a:ext cx="0" cy="408958"/>
+          </a:xfrm>
+          <a:prstGeom prst="line">
+            <a:avLst/>
+          </a:prstGeom>
+          <a:ln w="19050">
+            <a:solidFill>
+              <a:schemeClr val="tx1"/>
+            </a:solidFill>
+            <a:prstDash val="sysDash"/>
+          </a:ln>
+        </p:spPr>
+        <p:style>
+          <a:lnRef idx="1">
+            <a:schemeClr val="accent1"/>
+          </a:lnRef>
+          <a:fillRef idx="0">
+            <a:schemeClr val="accent1"/>
+          </a:fillRef>
+          <a:effectRef idx="0">
+            <a:schemeClr val="accent1"/>
+          </a:effectRef>
+          <a:fontRef idx="minor">
+            <a:schemeClr val="tx1"/>
+          </a:fontRef>
+        </p:style>
+      </p:cxnSp>
+      <p:cxnSp>
+        <p:nvCxnSpPr>
+          <p:cNvPr id="186" name="Straight Connector 185">
+            <a:extLst>
+              <a:ext uri="{FF2B5EF4-FFF2-40B4-BE49-F238E27FC236}">
+                <a16:creationId xmlns:a16="http://schemas.microsoft.com/office/drawing/2014/main" id="{1C948D0F-AFC8-0A7C-AAD2-4170EAF03FE1}"/>
+              </a:ext>
+            </a:extLst>
+          </p:cNvPr>
+          <p:cNvCxnSpPr>
+            <a:cxnSpLocks/>
+          </p:cNvCxnSpPr>
+          <p:nvPr/>
+        </p:nvCxnSpPr>
+        <p:spPr>
+          <a:xfrm flipV="1">
+            <a:off x="16973310" y="7387673"/>
+            <a:ext cx="163762" cy="1977"/>
+          </a:xfrm>
+          <a:prstGeom prst="line">
+            <a:avLst/>
+          </a:prstGeom>
+          <a:ln w="19050">
+            <a:solidFill>
+              <a:schemeClr val="tx1"/>
+            </a:solidFill>
+            <a:prstDash val="sysDash"/>
+            <a:headEnd w="lg" len="lg"/>
+            <a:tailEnd type="triangle" w="lg" len="lg"/>
+          </a:ln>
+        </p:spPr>
+        <p:style>
+          <a:lnRef idx="1">
+            <a:schemeClr val="accent1"/>
+          </a:lnRef>
+          <a:fillRef idx="0">
+            <a:schemeClr val="accent1"/>
+          </a:fillRef>
+          <a:effectRef idx="0">
+            <a:schemeClr val="accent1"/>
+          </a:effectRef>
+          <a:fontRef idx="minor">
+            <a:schemeClr val="tx1"/>
+          </a:fontRef>
+        </p:style>
+      </p:cxnSp>
+      <p:cxnSp>
+        <p:nvCxnSpPr>
+          <p:cNvPr id="187" name="Straight Connector 186">
+            <a:extLst>
+              <a:ext uri="{FF2B5EF4-FFF2-40B4-BE49-F238E27FC236}">
+                <a16:creationId xmlns:a16="http://schemas.microsoft.com/office/drawing/2014/main" id="{0D692A0C-D1BD-1F25-D247-FE9F16E7CAB3}"/>
+              </a:ext>
+            </a:extLst>
+          </p:cNvPr>
+          <p:cNvCxnSpPr>
+            <a:cxnSpLocks/>
+          </p:cNvCxnSpPr>
+          <p:nvPr/>
+        </p:nvCxnSpPr>
+        <p:spPr>
+          <a:xfrm flipV="1">
+            <a:off x="15449531" y="6960574"/>
+            <a:ext cx="0" cy="408958"/>
+          </a:xfrm>
+          <a:prstGeom prst="line">
+            <a:avLst/>
+          </a:prstGeom>
+          <a:ln w="19050">
+            <a:solidFill>
+              <a:schemeClr val="tx1"/>
+            </a:solidFill>
+            <a:prstDash val="sysDash"/>
+          </a:ln>
+        </p:spPr>
+        <p:style>
+          <a:lnRef idx="1">
+            <a:schemeClr val="accent1"/>
+          </a:lnRef>
+          <a:fillRef idx="0">
+            <a:schemeClr val="accent1"/>
+          </a:fillRef>
+          <a:effectRef idx="0">
+            <a:schemeClr val="accent1"/>
+          </a:effectRef>
+          <a:fontRef idx="minor">
+            <a:schemeClr val="tx1"/>
+          </a:fontRef>
+        </p:style>
+      </p:cxnSp>
+      <p:cxnSp>
+        <p:nvCxnSpPr>
+          <p:cNvPr id="188" name="Straight Connector 187">
+            <a:extLst>
+              <a:ext uri="{FF2B5EF4-FFF2-40B4-BE49-F238E27FC236}">
+                <a16:creationId xmlns:a16="http://schemas.microsoft.com/office/drawing/2014/main" id="{47C823F0-F7CC-EF16-36CD-E48779C1172D}"/>
+              </a:ext>
+            </a:extLst>
+          </p:cNvPr>
+          <p:cNvCxnSpPr>
+            <a:cxnSpLocks/>
+          </p:cNvCxnSpPr>
+          <p:nvPr/>
+        </p:nvCxnSpPr>
+        <p:spPr>
+          <a:xfrm flipV="1">
+            <a:off x="14069341" y="6916774"/>
+            <a:ext cx="0" cy="408958"/>
+          </a:xfrm>
+          <a:prstGeom prst="line">
+            <a:avLst/>
+          </a:prstGeom>
+          <a:ln w="19050">
+            <a:solidFill>
+              <a:schemeClr val="tx1"/>
+            </a:solidFill>
+            <a:prstDash val="sysDash"/>
+          </a:ln>
+        </p:spPr>
+        <p:style>
+          <a:lnRef idx="1">
+            <a:schemeClr val="accent1"/>
+          </a:lnRef>
+          <a:fillRef idx="0">
+            <a:schemeClr val="accent1"/>
+          </a:fillRef>
+          <a:effectRef idx="0">
+            <a:schemeClr val="accent1"/>
+          </a:effectRef>
+          <a:fontRef idx="minor">
+            <a:schemeClr val="tx1"/>
+          </a:fontRef>
+        </p:style>
+      </p:cxnSp>
       <p:pic>
         <p:nvPicPr>
-          <p:cNvPr id="2" name="Picture 1">
-            <a:extLst>
-              <a:ext uri="{FF2B5EF4-FFF2-40B4-BE49-F238E27FC236}">
-                <a16:creationId xmlns:a16="http://schemas.microsoft.com/office/drawing/2014/main" id="{82FB2FDE-3BBD-868E-1DD0-155B41DDFFBA}"/>
+          <p:cNvPr id="249" name="Picture 248">
+            <a:extLst>
+              <a:ext uri="{FF2B5EF4-FFF2-40B4-BE49-F238E27FC236}">
+                <a16:creationId xmlns:a16="http://schemas.microsoft.com/office/drawing/2014/main" id="{37DBFF8D-FB0C-CA41-3B4E-D7FC8B93DC4E}"/>
               </a:ext>
             </a:extLst>
           </p:cNvPr>
@@ -30241,13 +36015,13 @@
         </p:nvPicPr>
         <p:blipFill rotWithShape="1">
           <a:blip r:embed="rId3"/>
-          <a:srcRect t="509"/>
+          <a:srcRect t="575" r="337" b="435"/>
           <a:stretch/>
         </p:blipFill>
         <p:spPr>
           <a:xfrm>
-            <a:off x="917640" y="-1036948"/>
-            <a:ext cx="10764332" cy="6823052"/>
+            <a:off x="3166769" y="1424111"/>
+            <a:ext cx="7936102" cy="4324699"/>
           </a:xfrm>
           <a:prstGeom prst="rect">
             <a:avLst/>

--- a/source/figures/Figs_Artwork_2023-02-09.pptx
+++ b/source/figures/Figs_Artwork_2023-02-09.pptx
@@ -21415,10 +21415,10 @@
       </p:grpSpPr>
       <p:sp>
         <p:nvSpPr>
-          <p:cNvPr id="4" name="Folded Corner 10">
-            <a:extLst>
-              <a:ext uri="{FF2B5EF4-FFF2-40B4-BE49-F238E27FC236}">
-                <a16:creationId xmlns:a16="http://schemas.microsoft.com/office/drawing/2014/main" id="{10821AAB-99EC-DCF4-8289-28FD9B3061E7}"/>
+          <p:cNvPr id="20" name="Pentagon 19">
+            <a:extLst>
+              <a:ext uri="{FF2B5EF4-FFF2-40B4-BE49-F238E27FC236}">
+                <a16:creationId xmlns:a16="http://schemas.microsoft.com/office/drawing/2014/main" id="{7139832F-3762-FD86-F5A0-D408F4FBA22B}"/>
               </a:ext>
             </a:extLst>
           </p:cNvPr>
@@ -21426,9 +21426,127 @@
           <p:nvPr/>
         </p:nvSpPr>
         <p:spPr>
+          <a:xfrm>
+            <a:off x="1519728" y="1455357"/>
+            <a:ext cx="6271404" cy="163129"/>
+          </a:xfrm>
+          <a:prstGeom prst="homePlate">
+            <a:avLst/>
+          </a:prstGeom>
+          <a:noFill/>
+          <a:ln>
+            <a:solidFill>
+              <a:schemeClr val="tx1"/>
+            </a:solidFill>
+          </a:ln>
+        </p:spPr>
+        <p:style>
+          <a:lnRef idx="2">
+            <a:schemeClr val="accent1">
+              <a:shade val="50000"/>
+            </a:schemeClr>
+          </a:lnRef>
+          <a:fillRef idx="1">
+            <a:schemeClr val="accent1"/>
+          </a:fillRef>
+          <a:effectRef idx="0">
+            <a:schemeClr val="accent1"/>
+          </a:effectRef>
+          <a:fontRef idx="minor">
+            <a:schemeClr val="lt1"/>
+          </a:fontRef>
+        </p:style>
+        <p:txBody>
+          <a:bodyPr rtlCol="0" anchor="ctr"/>
+          <a:lstStyle/>
+          <a:p>
+            <a:pPr algn="ctr"/>
+            <a:r>
+              <a:rPr lang="en-GB" sz="1500" dirty="0">
+                <a:solidFill>
+                  <a:schemeClr val="tx1"/>
+                </a:solidFill>
+              </a:rPr>
+              <a:t>EB Development for Swarm</a:t>
+            </a:r>
+          </a:p>
+        </p:txBody>
+      </p:sp>
+      <p:sp>
+        <p:nvSpPr>
+          <p:cNvPr id="21" name="Pentagon 20">
+            <a:extLst>
+              <a:ext uri="{FF2B5EF4-FFF2-40B4-BE49-F238E27FC236}">
+                <a16:creationId xmlns:a16="http://schemas.microsoft.com/office/drawing/2014/main" id="{7926F862-D217-D18B-7952-3862F37E35AC}"/>
+              </a:ext>
+            </a:extLst>
+          </p:cNvPr>
+          <p:cNvSpPr/>
+          <p:nvPr/>
+        </p:nvSpPr>
+        <p:spPr>
+          <a:xfrm rot="10800000" flipV="1">
+            <a:off x="1519728" y="2658713"/>
+            <a:ext cx="6271404" cy="171819"/>
+          </a:xfrm>
+          <a:prstGeom prst="homePlate">
+            <a:avLst/>
+          </a:prstGeom>
+          <a:noFill/>
+          <a:ln>
+            <a:solidFill>
+              <a:schemeClr val="tx1"/>
+            </a:solidFill>
+          </a:ln>
+        </p:spPr>
+        <p:style>
+          <a:lnRef idx="2">
+            <a:schemeClr val="accent1">
+              <a:shade val="50000"/>
+            </a:schemeClr>
+          </a:lnRef>
+          <a:fillRef idx="1">
+            <a:schemeClr val="accent1"/>
+          </a:fillRef>
+          <a:effectRef idx="0">
+            <a:schemeClr val="accent1"/>
+          </a:effectRef>
+          <a:fontRef idx="minor">
+            <a:schemeClr val="lt1"/>
+          </a:fontRef>
+        </p:style>
+        <p:txBody>
+          <a:bodyPr rtlCol="0" anchor="ctr"/>
+          <a:lstStyle/>
+          <a:p>
+            <a:pPr algn="ctr"/>
+            <a:r>
+              <a:rPr lang="en-GB" sz="1500" dirty="0">
+                <a:solidFill>
+                  <a:schemeClr val="tx1"/>
+                </a:solidFill>
+              </a:rPr>
+              <a:t>Feedback and Iterate</a:t>
+            </a:r>
+          </a:p>
+        </p:txBody>
+      </p:sp>
+      <p:sp>
+        <p:nvSpPr>
+          <p:cNvPr id="22" name="Folded Corner 10">
+            <a:extLst>
+              <a:ext uri="{FF2B5EF4-FFF2-40B4-BE49-F238E27FC236}">
+                <a16:creationId xmlns:a16="http://schemas.microsoft.com/office/drawing/2014/main" id="{146B4507-45FD-C9D3-F922-B7D4BA230CA9}"/>
+              </a:ext>
+            </a:extLst>
+          </p:cNvPr>
+          <p:cNvSpPr/>
+          <p:nvPr/>
+        </p:nvSpPr>
+        <p:spPr>
           <a:xfrm rot="16200000">
-            <a:off x="11391777" y="670332"/>
-            <a:ext cx="668060" cy="1364457"/>
+            <a:off x="659477" y="1673340"/>
+            <a:ext cx="477200" cy="949904"/>
           </a:xfrm>
           <a:prstGeom prst="foldedCorner">
             <a:avLst>
@@ -21468,7 +21586,7 @@
           <a:lstStyle/>
           <a:p>
             <a:pPr algn="ctr"/>
-            <a:endParaRPr lang="en-GB" sz="1050">
+            <a:endParaRPr lang="en-GB" sz="1000" dirty="0">
               <a:solidFill>
                 <a:schemeClr val="tx1"/>
               </a:solidFill>
@@ -21478,10 +21596,10 @@
       </p:sp>
       <p:sp>
         <p:nvSpPr>
-          <p:cNvPr id="5" name="TextBox 4">
-            <a:extLst>
-              <a:ext uri="{FF2B5EF4-FFF2-40B4-BE49-F238E27FC236}">
-                <a16:creationId xmlns:a16="http://schemas.microsoft.com/office/drawing/2014/main" id="{1597FDC9-6A43-758D-1292-6F08998116A7}"/>
+          <p:cNvPr id="23" name="TextBox 22">
+            <a:extLst>
+              <a:ext uri="{FF2B5EF4-FFF2-40B4-BE49-F238E27FC236}">
+                <a16:creationId xmlns:a16="http://schemas.microsoft.com/office/drawing/2014/main" id="{B89C7E3E-BC41-4A58-E0E9-00BD1B61B295}"/>
               </a:ext>
             </a:extLst>
           </p:cNvPr>
@@ -21490,8 +21608,58 @@
         </p:nvSpPr>
         <p:spPr>
           <a:xfrm>
-            <a:off x="10948947" y="1143956"/>
-            <a:ext cx="1502456" cy="484620"/>
+            <a:off x="327021" y="1919713"/>
+            <a:ext cx="1141377" cy="467179"/>
+          </a:xfrm>
+          <a:prstGeom prst="rect">
+            <a:avLst/>
+          </a:prstGeom>
+          <a:noFill/>
+        </p:spPr>
+        <p:txBody>
+          <a:bodyPr wrap="square" lIns="0" tIns="0" rIns="0" bIns="0" rtlCol="0" anchor="t">
+            <a:spAutoFit/>
+          </a:bodyPr>
+          <a:lstStyle/>
+          <a:p>
+            <a:pPr algn="ctr">
+              <a:lnSpc>
+                <a:spcPts val="1200"/>
+              </a:lnSpc>
+            </a:pPr>
+            <a:r>
+              <a:rPr lang="en-GB" sz="1300" dirty="0"/>
+              <a:t>System</a:t>
+            </a:r>
+            <a:br>
+              <a:rPr lang="en-GB" sz="1300" dirty="0"/>
+            </a:br>
+            <a:r>
+              <a:rPr lang="en-GB" sz="1300" dirty="0"/>
+              <a:t>Safety Requirements</a:t>
+            </a:r>
+            <a:endParaRPr lang="en-GB" sz="1300" dirty="0">
+              <a:cs typeface="Arial"/>
+            </a:endParaRPr>
+          </a:p>
+        </p:txBody>
+      </p:sp>
+      <p:sp>
+        <p:nvSpPr>
+          <p:cNvPr id="25" name="TextBox 24">
+            <a:extLst>
+              <a:ext uri="{FF2B5EF4-FFF2-40B4-BE49-F238E27FC236}">
+                <a16:creationId xmlns:a16="http://schemas.microsoft.com/office/drawing/2014/main" id="{B8C47711-8D23-945B-BC1B-DFF01D990A6C}"/>
+              </a:ext>
+            </a:extLst>
+          </p:cNvPr>
+          <p:cNvSpPr txBox="1"/>
+          <p:nvPr/>
+        </p:nvSpPr>
+        <p:spPr>
+          <a:xfrm>
+            <a:off x="7914355" y="1956585"/>
+            <a:ext cx="1081596" cy="436402"/>
           </a:xfrm>
           <a:prstGeom prst="rect">
             <a:avLst/>
@@ -21506,14 +21674,14 @@
           <a:p>
             <a:pPr algn="ctr">
               <a:lnSpc>
-                <a:spcPts val="1400"/>
+                <a:spcPts val="1200"/>
               </a:lnSpc>
             </a:pPr>
             <a:r>
-              <a:rPr lang="en-GB" sz="1400" dirty="0"/>
-              <a:t>[A] System Safety Requirements</a:t>
-            </a:r>
-            <a:endParaRPr lang="en-GB" sz="1400" dirty="0">
+              <a:rPr lang="en-GB" sz="1300" dirty="0"/>
+              <a:t>Safety Case for Swarm </a:t>
+            </a:r>
+            <a:endParaRPr lang="en-GB" sz="1300" dirty="0">
               <a:cs typeface="Arial"/>
             </a:endParaRPr>
           </a:p>
@@ -21521,10 +21689,10 @@
       </p:sp>
       <p:sp>
         <p:nvSpPr>
-          <p:cNvPr id="6" name="Folded Corner 12">
-            <a:extLst>
-              <a:ext uri="{FF2B5EF4-FFF2-40B4-BE49-F238E27FC236}">
-                <a16:creationId xmlns:a16="http://schemas.microsoft.com/office/drawing/2014/main" id="{65A6659E-1C43-7674-FF16-CD8D034C5D2C}"/>
+          <p:cNvPr id="26" name="Rectangle 25">
+            <a:extLst>
+              <a:ext uri="{FF2B5EF4-FFF2-40B4-BE49-F238E27FC236}">
+                <a16:creationId xmlns:a16="http://schemas.microsoft.com/office/drawing/2014/main" id="{99C0E08C-F17F-CC82-E0BA-47A6439B919D}"/>
               </a:ext>
             </a:extLst>
           </p:cNvPr>
@@ -21532,16 +21700,18 @@
           <p:nvPr/>
         </p:nvSpPr>
         <p:spPr>
-          <a:xfrm rot="16200000">
-            <a:off x="12960674" y="670332"/>
-            <a:ext cx="668060" cy="1364457"/>
-          </a:xfrm>
-          <a:prstGeom prst="foldedCorner">
-            <a:avLst>
-              <a:gd name="adj" fmla="val 40193"/>
-            </a:avLst>
-          </a:prstGeom>
-          <a:noFill/>
+          <a:xfrm>
+            <a:off x="1521665" y="1899760"/>
+            <a:ext cx="925198" cy="487131"/>
+          </a:xfrm>
+          <a:prstGeom prst="rect">
+            <a:avLst/>
+          </a:prstGeom>
+          <a:solidFill>
+            <a:schemeClr val="bg2">
+              <a:lumMod val="90000"/>
+            </a:schemeClr>
+          </a:solidFill>
           <a:ln w="19050">
             <a:solidFill>
               <a:schemeClr val="tx1"/>
@@ -21574,20 +21744,16 @@
           <a:lstStyle/>
           <a:p>
             <a:pPr algn="ctr"/>
-            <a:endParaRPr lang="en-GB" sz="1050">
-              <a:solidFill>
-                <a:schemeClr val="tx1"/>
-              </a:solidFill>
-            </a:endParaRPr>
+            <a:endParaRPr lang="en-GB" sz="1000"/>
           </a:p>
         </p:txBody>
       </p:sp>
       <p:sp>
         <p:nvSpPr>
-          <p:cNvPr id="7" name="TextBox 6">
-            <a:extLst>
-              <a:ext uri="{FF2B5EF4-FFF2-40B4-BE49-F238E27FC236}">
-                <a16:creationId xmlns:a16="http://schemas.microsoft.com/office/drawing/2014/main" id="{8E23A931-07F5-793F-A664-EAA1027D94DC}"/>
+          <p:cNvPr id="27" name="TextBox 26">
+            <a:extLst>
+              <a:ext uri="{FF2B5EF4-FFF2-40B4-BE49-F238E27FC236}">
+                <a16:creationId xmlns:a16="http://schemas.microsoft.com/office/drawing/2014/main" id="{0E265C16-09EF-7DD6-2482-15202AF1B819}"/>
               </a:ext>
             </a:extLst>
           </p:cNvPr>
@@ -21596,8 +21762,8 @@
         </p:nvSpPr>
         <p:spPr>
           <a:xfrm>
-            <a:off x="12594128" y="1147623"/>
-            <a:ext cx="1364456" cy="453842"/>
+            <a:off x="1532820" y="1872363"/>
+            <a:ext cx="979597" cy="559512"/>
           </a:xfrm>
           <a:prstGeom prst="rect">
             <a:avLst/>
@@ -21612,22 +21778,61 @@
           <a:p>
             <a:pPr algn="ctr">
               <a:lnSpc>
-                <a:spcPts val="1400"/>
+                <a:spcPts val="1200"/>
               </a:lnSpc>
             </a:pPr>
             <a:r>
-              <a:rPr lang="en-GB" sz="1400" dirty="0"/>
-              <a:t>[C] System Description</a:t>
+              <a:rPr lang="en-GB" sz="1300" dirty="0"/>
+              <a:t>1. EB Safety Assurance Scoping</a:t>
             </a:r>
           </a:p>
         </p:txBody>
       </p:sp>
       <p:sp>
         <p:nvSpPr>
-          <p:cNvPr id="8" name="Folded Corner 14">
-            <a:extLst>
-              <a:ext uri="{FF2B5EF4-FFF2-40B4-BE49-F238E27FC236}">
-                <a16:creationId xmlns:a16="http://schemas.microsoft.com/office/drawing/2014/main" id="{4FB113C6-1345-ED58-1900-D7BD30C9834F}"/>
+          <p:cNvPr id="30" name="TextBox 29">
+            <a:extLst>
+              <a:ext uri="{FF2B5EF4-FFF2-40B4-BE49-F238E27FC236}">
+                <a16:creationId xmlns:a16="http://schemas.microsoft.com/office/drawing/2014/main" id="{3D0AE7D1-4CF3-3E18-CC42-9EE4EF8BFEB9}"/>
+              </a:ext>
+            </a:extLst>
+          </p:cNvPr>
+          <p:cNvSpPr txBox="1"/>
+          <p:nvPr/>
+        </p:nvSpPr>
+        <p:spPr>
+          <a:xfrm>
+            <a:off x="2390573" y="4508520"/>
+            <a:ext cx="6357668" cy="923330"/>
+          </a:xfrm>
+          <a:prstGeom prst="rect">
+            <a:avLst/>
+          </a:prstGeom>
+          <a:noFill/>
+        </p:spPr>
+        <p:txBody>
+          <a:bodyPr wrap="square">
+            <a:spAutoFit/>
+          </a:bodyPr>
+          <a:lstStyle/>
+          <a:p>
+            <a:r>
+              <a:rPr lang="en-GB" dirty="0" err="1"/>
+              <a:t>AERoS</a:t>
+            </a:r>
+            <a:r>
+              <a:rPr lang="en-GB" dirty="0"/>
+              <a:t> is iterative by design, and contains six stages where assurance activities are performed in parallel to the development activities. </a:t>
+            </a:r>
+          </a:p>
+        </p:txBody>
+      </p:sp>
+      <p:sp>
+        <p:nvSpPr>
+          <p:cNvPr id="42" name="Rectangle 41">
+            <a:extLst>
+              <a:ext uri="{FF2B5EF4-FFF2-40B4-BE49-F238E27FC236}">
+                <a16:creationId xmlns:a16="http://schemas.microsoft.com/office/drawing/2014/main" id="{8365D02E-AD75-C1F0-153E-78D39C0CD254}"/>
               </a:ext>
             </a:extLst>
           </p:cNvPr>
@@ -21635,16 +21840,18 @@
           <p:nvPr/>
         </p:nvSpPr>
         <p:spPr>
-          <a:xfrm rot="16200000">
-            <a:off x="11391778" y="1589677"/>
-            <a:ext cx="668060" cy="1364457"/>
-          </a:xfrm>
-          <a:prstGeom prst="foldedCorner">
-            <a:avLst>
-              <a:gd name="adj" fmla="val 40193"/>
-            </a:avLst>
-          </a:prstGeom>
-          <a:noFill/>
+          <a:xfrm>
+            <a:off x="2606577" y="1894538"/>
+            <a:ext cx="947886" cy="487131"/>
+          </a:xfrm>
+          <a:prstGeom prst="rect">
+            <a:avLst/>
+          </a:prstGeom>
+          <a:solidFill>
+            <a:schemeClr val="bg2">
+              <a:lumMod val="90000"/>
+            </a:schemeClr>
+          </a:solidFill>
           <a:ln w="19050">
             <a:solidFill>
               <a:schemeClr val="tx1"/>
@@ -21677,20 +21884,16 @@
           <a:lstStyle/>
           <a:p>
             <a:pPr algn="ctr"/>
-            <a:endParaRPr lang="en-GB" sz="1050">
-              <a:solidFill>
-                <a:schemeClr val="tx1"/>
-              </a:solidFill>
-            </a:endParaRPr>
+            <a:endParaRPr lang="en-GB" sz="1000"/>
           </a:p>
         </p:txBody>
       </p:sp>
       <p:sp>
         <p:nvSpPr>
-          <p:cNvPr id="9" name="TextBox 8">
-            <a:extLst>
-              <a:ext uri="{FF2B5EF4-FFF2-40B4-BE49-F238E27FC236}">
-                <a16:creationId xmlns:a16="http://schemas.microsoft.com/office/drawing/2014/main" id="{5DCA21CB-E786-8124-47C4-4BB17429FF48}"/>
+          <p:cNvPr id="43" name="TextBox 42">
+            <a:extLst>
+              <a:ext uri="{FF2B5EF4-FFF2-40B4-BE49-F238E27FC236}">
+                <a16:creationId xmlns:a16="http://schemas.microsoft.com/office/drawing/2014/main" id="{63C851F2-A598-E070-4AFF-A62C26A7CAB0}"/>
               </a:ext>
             </a:extLst>
           </p:cNvPr>
@@ -21699,8 +21902,8 @@
         </p:nvSpPr>
         <p:spPr>
           <a:xfrm>
-            <a:off x="11002233" y="2111278"/>
-            <a:ext cx="1364456" cy="453842"/>
+            <a:off x="2608844" y="1920070"/>
+            <a:ext cx="944580" cy="467179"/>
           </a:xfrm>
           <a:prstGeom prst="rect">
             <a:avLst/>
@@ -21708,29 +21911,29 @@
           <a:noFill/>
         </p:spPr>
         <p:txBody>
-          <a:bodyPr wrap="square" rtlCol="0">
+          <a:bodyPr wrap="square" lIns="0" tIns="0" rIns="0" bIns="0" rtlCol="0">
             <a:spAutoFit/>
           </a:bodyPr>
           <a:lstStyle/>
           <a:p>
             <a:pPr algn="ctr">
               <a:lnSpc>
-                <a:spcPts val="1400"/>
+                <a:spcPts val="1200"/>
               </a:lnSpc>
             </a:pPr>
             <a:r>
-              <a:rPr lang="en-GB" sz="1400" dirty="0"/>
-              <a:t>[B] Environment Description</a:t>
+              <a:rPr lang="en-GB" sz="1300" dirty="0"/>
+              <a:t>2. EB Safety Requirements Assurance</a:t>
             </a:r>
           </a:p>
         </p:txBody>
       </p:sp>
       <p:sp>
         <p:nvSpPr>
-          <p:cNvPr id="10" name="Rectangle 9">
-            <a:extLst>
-              <a:ext uri="{FF2B5EF4-FFF2-40B4-BE49-F238E27FC236}">
-                <a16:creationId xmlns:a16="http://schemas.microsoft.com/office/drawing/2014/main" id="{4AF8374B-A835-0338-DC33-81AFF1FE0124}"/>
+          <p:cNvPr id="44" name="Rectangle 43">
+            <a:extLst>
+              <a:ext uri="{FF2B5EF4-FFF2-40B4-BE49-F238E27FC236}">
+                <a16:creationId xmlns:a16="http://schemas.microsoft.com/office/drawing/2014/main" id="{8017490D-35E8-8F6C-1328-B376B343D3A0}"/>
               </a:ext>
             </a:extLst>
           </p:cNvPr>
@@ -21739,8 +21942,8 @@
         </p:nvSpPr>
         <p:spPr>
           <a:xfrm>
-            <a:off x="11866465" y="2963123"/>
-            <a:ext cx="1751668" cy="735807"/>
+            <a:off x="3694774" y="1894538"/>
+            <a:ext cx="925198" cy="487126"/>
           </a:xfrm>
           <a:prstGeom prst="rect">
             <a:avLst/>
@@ -21782,26 +21985,26 @@
           <a:lstStyle/>
           <a:p>
             <a:pPr algn="ctr"/>
-            <a:endParaRPr lang="en-GB" sz="1050"/>
+            <a:endParaRPr lang="en-GB" sz="1000"/>
           </a:p>
         </p:txBody>
       </p:sp>
       <p:sp>
         <p:nvSpPr>
-          <p:cNvPr id="11" name="TextBox 10">
-            <a:extLst>
-              <a:ext uri="{FF2B5EF4-FFF2-40B4-BE49-F238E27FC236}">
-                <a16:creationId xmlns:a16="http://schemas.microsoft.com/office/drawing/2014/main" id="{5E779410-26E5-1D42-5D0F-443F5591375F}"/>
-              </a:ext>
-            </a:extLst>
-          </p:cNvPr>
-          <p:cNvSpPr txBox="1"/>
+          <p:cNvPr id="46" name="Rectangle 45">
+            <a:extLst>
+              <a:ext uri="{FF2B5EF4-FFF2-40B4-BE49-F238E27FC236}">
+                <a16:creationId xmlns:a16="http://schemas.microsoft.com/office/drawing/2014/main" id="{3FFE0581-B36F-AADE-156E-B81C02467D2D}"/>
+              </a:ext>
+            </a:extLst>
+          </p:cNvPr>
+          <p:cNvSpPr/>
           <p:nvPr/>
         </p:nvSpPr>
         <p:spPr>
           <a:xfrm>
-            <a:off x="11898519" y="2982271"/>
-            <a:ext cx="1673708" cy="710003"/>
+            <a:off x="4779686" y="1889316"/>
+            <a:ext cx="925198" cy="497574"/>
           </a:xfrm>
           <a:prstGeom prst="rect">
             <a:avLst/>
@@ -21811,523 +22014,6 @@
               <a:lumMod val="90000"/>
             </a:schemeClr>
           </a:solidFill>
-        </p:spPr>
-        <p:txBody>
-          <a:bodyPr wrap="square" rtlCol="0">
-            <a:spAutoFit/>
-          </a:bodyPr>
-          <a:lstStyle/>
-          <a:p>
-            <a:pPr algn="ctr">
-              <a:lnSpc>
-                <a:spcPts val="1200"/>
-              </a:lnSpc>
-            </a:pPr>
-            <a:r>
-              <a:rPr lang="en-GB" sz="1400" dirty="0"/>
-              <a:t>1. Define the Assurance Scope for the EB Description &amp; Expected Output</a:t>
-            </a:r>
-          </a:p>
-        </p:txBody>
-      </p:sp>
-      <p:cxnSp>
-        <p:nvCxnSpPr>
-          <p:cNvPr id="12" name="Straight Connector 11">
-            <a:extLst>
-              <a:ext uri="{FF2B5EF4-FFF2-40B4-BE49-F238E27FC236}">
-                <a16:creationId xmlns:a16="http://schemas.microsoft.com/office/drawing/2014/main" id="{F58236F8-E00C-3F2A-E01D-5AB82010A15B}"/>
-              </a:ext>
-            </a:extLst>
-          </p:cNvPr>
-          <p:cNvCxnSpPr>
-            <a:cxnSpLocks/>
-          </p:cNvCxnSpPr>
-          <p:nvPr/>
-        </p:nvCxnSpPr>
-        <p:spPr>
-          <a:xfrm>
-            <a:off x="11697231" y="1679389"/>
-            <a:ext cx="0" cy="121684"/>
-          </a:xfrm>
-          <a:prstGeom prst="line">
-            <a:avLst/>
-          </a:prstGeom>
-          <a:ln w="19050">
-            <a:solidFill>
-              <a:schemeClr val="tx1"/>
-            </a:solidFill>
-            <a:prstDash val="sysDash"/>
-          </a:ln>
-        </p:spPr>
-        <p:style>
-          <a:lnRef idx="1">
-            <a:schemeClr val="accent1"/>
-          </a:lnRef>
-          <a:fillRef idx="0">
-            <a:schemeClr val="accent1"/>
-          </a:fillRef>
-          <a:effectRef idx="0">
-            <a:schemeClr val="accent1"/>
-          </a:effectRef>
-          <a:fontRef idx="minor">
-            <a:schemeClr val="tx1"/>
-          </a:fontRef>
-        </p:style>
-      </p:cxnSp>
-      <p:cxnSp>
-        <p:nvCxnSpPr>
-          <p:cNvPr id="13" name="Straight Connector 12">
-            <a:extLst>
-              <a:ext uri="{FF2B5EF4-FFF2-40B4-BE49-F238E27FC236}">
-                <a16:creationId xmlns:a16="http://schemas.microsoft.com/office/drawing/2014/main" id="{CA4E5E33-D77A-E8D0-F62B-54FEB2256760}"/>
-              </a:ext>
-            </a:extLst>
-          </p:cNvPr>
-          <p:cNvCxnSpPr>
-            <a:cxnSpLocks/>
-          </p:cNvCxnSpPr>
-          <p:nvPr/>
-        </p:nvCxnSpPr>
-        <p:spPr>
-          <a:xfrm>
-            <a:off x="13240666" y="1698383"/>
-            <a:ext cx="0" cy="118600"/>
-          </a:xfrm>
-          <a:prstGeom prst="line">
-            <a:avLst/>
-          </a:prstGeom>
-          <a:ln w="19050">
-            <a:solidFill>
-              <a:schemeClr val="tx1"/>
-            </a:solidFill>
-            <a:prstDash val="sysDash"/>
-          </a:ln>
-        </p:spPr>
-        <p:style>
-          <a:lnRef idx="1">
-            <a:schemeClr val="accent1"/>
-          </a:lnRef>
-          <a:fillRef idx="0">
-            <a:schemeClr val="accent1"/>
-          </a:fillRef>
-          <a:effectRef idx="0">
-            <a:schemeClr val="accent1"/>
-          </a:effectRef>
-          <a:fontRef idx="minor">
-            <a:schemeClr val="tx1"/>
-          </a:fontRef>
-        </p:style>
-      </p:cxnSp>
-      <p:cxnSp>
-        <p:nvCxnSpPr>
-          <p:cNvPr id="14" name="Straight Connector 13">
-            <a:extLst>
-              <a:ext uri="{FF2B5EF4-FFF2-40B4-BE49-F238E27FC236}">
-                <a16:creationId xmlns:a16="http://schemas.microsoft.com/office/drawing/2014/main" id="{A75D4F8D-2952-D8CB-65BF-2CCBB385A185}"/>
-              </a:ext>
-            </a:extLst>
-          </p:cNvPr>
-          <p:cNvCxnSpPr>
-            <a:cxnSpLocks/>
-          </p:cNvCxnSpPr>
-          <p:nvPr/>
-        </p:nvCxnSpPr>
-        <p:spPr>
-          <a:xfrm>
-            <a:off x="11697231" y="1801072"/>
-            <a:ext cx="1538288" cy="0"/>
-          </a:xfrm>
-          <a:prstGeom prst="line">
-            <a:avLst/>
-          </a:prstGeom>
-          <a:ln w="19050">
-            <a:solidFill>
-              <a:schemeClr val="tx1"/>
-            </a:solidFill>
-            <a:prstDash val="sysDash"/>
-          </a:ln>
-        </p:spPr>
-        <p:style>
-          <a:lnRef idx="1">
-            <a:schemeClr val="accent1"/>
-          </a:lnRef>
-          <a:fillRef idx="0">
-            <a:schemeClr val="accent1"/>
-          </a:fillRef>
-          <a:effectRef idx="0">
-            <a:schemeClr val="accent1"/>
-          </a:effectRef>
-          <a:fontRef idx="minor">
-            <a:schemeClr val="tx1"/>
-          </a:fontRef>
-        </p:style>
-      </p:cxnSp>
-      <p:cxnSp>
-        <p:nvCxnSpPr>
-          <p:cNvPr id="15" name="Straight Connector 14">
-            <a:extLst>
-              <a:ext uri="{FF2B5EF4-FFF2-40B4-BE49-F238E27FC236}">
-                <a16:creationId xmlns:a16="http://schemas.microsoft.com/office/drawing/2014/main" id="{CDAA45B7-5995-F131-2ABA-C6C663229F5E}"/>
-              </a:ext>
-            </a:extLst>
-          </p:cNvPr>
-          <p:cNvCxnSpPr>
-            <a:cxnSpLocks/>
-          </p:cNvCxnSpPr>
-          <p:nvPr/>
-        </p:nvCxnSpPr>
-        <p:spPr>
-          <a:xfrm>
-            <a:off x="11697231" y="2613006"/>
-            <a:ext cx="0" cy="121684"/>
-          </a:xfrm>
-          <a:prstGeom prst="line">
-            <a:avLst/>
-          </a:prstGeom>
-          <a:ln w="19050">
-            <a:solidFill>
-              <a:schemeClr val="tx1"/>
-            </a:solidFill>
-            <a:prstDash val="sysDash"/>
-          </a:ln>
-        </p:spPr>
-        <p:style>
-          <a:lnRef idx="1">
-            <a:schemeClr val="accent1"/>
-          </a:lnRef>
-          <a:fillRef idx="0">
-            <a:schemeClr val="accent1"/>
-          </a:fillRef>
-          <a:effectRef idx="0">
-            <a:schemeClr val="accent1"/>
-          </a:effectRef>
-          <a:fontRef idx="minor">
-            <a:schemeClr val="tx1"/>
-          </a:fontRef>
-        </p:style>
-      </p:cxnSp>
-      <p:cxnSp>
-        <p:nvCxnSpPr>
-          <p:cNvPr id="16" name="Straight Connector 15">
-            <a:extLst>
-              <a:ext uri="{FF2B5EF4-FFF2-40B4-BE49-F238E27FC236}">
-                <a16:creationId xmlns:a16="http://schemas.microsoft.com/office/drawing/2014/main" id="{5E9B2FEE-4CCC-6A68-52D3-4485C4C005C5}"/>
-              </a:ext>
-            </a:extLst>
-          </p:cNvPr>
-          <p:cNvCxnSpPr>
-            <a:cxnSpLocks/>
-          </p:cNvCxnSpPr>
-          <p:nvPr/>
-        </p:nvCxnSpPr>
-        <p:spPr>
-          <a:xfrm>
-            <a:off x="13240963" y="2616090"/>
-            <a:ext cx="0" cy="118600"/>
-          </a:xfrm>
-          <a:prstGeom prst="line">
-            <a:avLst/>
-          </a:prstGeom>
-          <a:ln w="19050">
-            <a:solidFill>
-              <a:schemeClr val="tx1"/>
-            </a:solidFill>
-            <a:prstDash val="sysDash"/>
-          </a:ln>
-        </p:spPr>
-        <p:style>
-          <a:lnRef idx="1">
-            <a:schemeClr val="accent1"/>
-          </a:lnRef>
-          <a:fillRef idx="0">
-            <a:schemeClr val="accent1"/>
-          </a:fillRef>
-          <a:effectRef idx="0">
-            <a:schemeClr val="accent1"/>
-          </a:effectRef>
-          <a:fontRef idx="minor">
-            <a:schemeClr val="tx1"/>
-          </a:fontRef>
-        </p:style>
-      </p:cxnSp>
-      <p:cxnSp>
-        <p:nvCxnSpPr>
-          <p:cNvPr id="17" name="Straight Connector 16">
-            <a:extLst>
-              <a:ext uri="{FF2B5EF4-FFF2-40B4-BE49-F238E27FC236}">
-                <a16:creationId xmlns:a16="http://schemas.microsoft.com/office/drawing/2014/main" id="{10FDA6C4-4670-52A7-5548-8BBB7950BCCC}"/>
-              </a:ext>
-            </a:extLst>
-          </p:cNvPr>
-          <p:cNvCxnSpPr>
-            <a:cxnSpLocks/>
-          </p:cNvCxnSpPr>
-          <p:nvPr/>
-        </p:nvCxnSpPr>
-        <p:spPr>
-          <a:xfrm>
-            <a:off x="11697231" y="2726453"/>
-            <a:ext cx="1538288" cy="0"/>
-          </a:xfrm>
-          <a:prstGeom prst="line">
-            <a:avLst/>
-          </a:prstGeom>
-          <a:ln w="19050">
-            <a:solidFill>
-              <a:schemeClr val="tx1"/>
-            </a:solidFill>
-            <a:prstDash val="sysDash"/>
-          </a:ln>
-        </p:spPr>
-        <p:style>
-          <a:lnRef idx="1">
-            <a:schemeClr val="accent1"/>
-          </a:lnRef>
-          <a:fillRef idx="0">
-            <a:schemeClr val="accent1"/>
-          </a:fillRef>
-          <a:effectRef idx="0">
-            <a:schemeClr val="accent1"/>
-          </a:effectRef>
-          <a:fontRef idx="minor">
-            <a:schemeClr val="tx1"/>
-          </a:fontRef>
-        </p:style>
-      </p:cxnSp>
-      <p:cxnSp>
-        <p:nvCxnSpPr>
-          <p:cNvPr id="18" name="Straight Connector 17">
-            <a:extLst>
-              <a:ext uri="{FF2B5EF4-FFF2-40B4-BE49-F238E27FC236}">
-                <a16:creationId xmlns:a16="http://schemas.microsoft.com/office/drawing/2014/main" id="{C151DCB7-3C11-E9A3-203A-B3DCD391EA82}"/>
-              </a:ext>
-            </a:extLst>
-          </p:cNvPr>
-          <p:cNvCxnSpPr>
-            <a:cxnSpLocks/>
-          </p:cNvCxnSpPr>
-          <p:nvPr/>
-        </p:nvCxnSpPr>
-        <p:spPr>
-          <a:xfrm>
-            <a:off x="12494775" y="1796788"/>
-            <a:ext cx="1" cy="1162051"/>
-          </a:xfrm>
-          <a:prstGeom prst="line">
-            <a:avLst/>
-          </a:prstGeom>
-          <a:ln w="19050">
-            <a:solidFill>
-              <a:schemeClr val="tx1"/>
-            </a:solidFill>
-            <a:prstDash val="sysDash"/>
-            <a:headEnd w="lg" len="lg"/>
-            <a:tailEnd type="triangle" w="lg" len="lg"/>
-          </a:ln>
-        </p:spPr>
-        <p:style>
-          <a:lnRef idx="1">
-            <a:schemeClr val="accent1"/>
-          </a:lnRef>
-          <a:fillRef idx="0">
-            <a:schemeClr val="accent1"/>
-          </a:fillRef>
-          <a:effectRef idx="0">
-            <a:schemeClr val="accent1"/>
-          </a:effectRef>
-          <a:fontRef idx="minor">
-            <a:schemeClr val="tx1"/>
-          </a:fontRef>
-        </p:style>
-      </p:cxnSp>
-      <p:cxnSp>
-        <p:nvCxnSpPr>
-          <p:cNvPr id="19" name="Straight Connector 18">
-            <a:extLst>
-              <a:ext uri="{FF2B5EF4-FFF2-40B4-BE49-F238E27FC236}">
-                <a16:creationId xmlns:a16="http://schemas.microsoft.com/office/drawing/2014/main" id="{C53507D4-1C1A-4455-951F-65617206F665}"/>
-              </a:ext>
-            </a:extLst>
-          </p:cNvPr>
-          <p:cNvCxnSpPr>
-            <a:cxnSpLocks/>
-            <a:stCxn id="10" idx="3"/>
-          </p:cNvCxnSpPr>
-          <p:nvPr/>
-        </p:nvCxnSpPr>
-        <p:spPr>
-          <a:xfrm>
-            <a:off x="13618133" y="3331027"/>
-            <a:ext cx="345244" cy="0"/>
-          </a:xfrm>
-          <a:prstGeom prst="line">
-            <a:avLst/>
-          </a:prstGeom>
-          <a:ln w="19050">
-            <a:solidFill>
-              <a:schemeClr val="tx1"/>
-            </a:solidFill>
-            <a:prstDash val="solid"/>
-            <a:headEnd w="lg" len="lg"/>
-            <a:tailEnd type="triangle" w="lg" len="lg"/>
-          </a:ln>
-        </p:spPr>
-        <p:style>
-          <a:lnRef idx="1">
-            <a:schemeClr val="accent1"/>
-          </a:lnRef>
-          <a:fillRef idx="0">
-            <a:schemeClr val="accent1"/>
-          </a:fillRef>
-          <a:effectRef idx="0">
-            <a:schemeClr val="accent1"/>
-          </a:effectRef>
-          <a:fontRef idx="minor">
-            <a:schemeClr val="tx1"/>
-          </a:fontRef>
-        </p:style>
-      </p:cxnSp>
-      <p:sp>
-        <p:nvSpPr>
-          <p:cNvPr id="20" name="Pentagon 19">
-            <a:extLst>
-              <a:ext uri="{FF2B5EF4-FFF2-40B4-BE49-F238E27FC236}">
-                <a16:creationId xmlns:a16="http://schemas.microsoft.com/office/drawing/2014/main" id="{7139832F-3762-FD86-F5A0-D408F4FBA22B}"/>
-              </a:ext>
-            </a:extLst>
-          </p:cNvPr>
-          <p:cNvSpPr/>
-          <p:nvPr/>
-        </p:nvSpPr>
-        <p:spPr>
-          <a:xfrm>
-            <a:off x="1519728" y="1374544"/>
-            <a:ext cx="6271404" cy="253309"/>
-          </a:xfrm>
-          <a:prstGeom prst="homePlate">
-            <a:avLst/>
-          </a:prstGeom>
-          <a:noFill/>
-          <a:ln>
-            <a:solidFill>
-              <a:schemeClr val="tx1"/>
-            </a:solidFill>
-          </a:ln>
-        </p:spPr>
-        <p:style>
-          <a:lnRef idx="2">
-            <a:schemeClr val="accent1">
-              <a:shade val="50000"/>
-            </a:schemeClr>
-          </a:lnRef>
-          <a:fillRef idx="1">
-            <a:schemeClr val="accent1"/>
-          </a:fillRef>
-          <a:effectRef idx="0">
-            <a:schemeClr val="accent1"/>
-          </a:effectRef>
-          <a:fontRef idx="minor">
-            <a:schemeClr val="lt1"/>
-          </a:fontRef>
-        </p:style>
-        <p:txBody>
-          <a:bodyPr rtlCol="0" anchor="ctr"/>
-          <a:lstStyle/>
-          <a:p>
-            <a:pPr algn="ctr"/>
-            <a:r>
-              <a:rPr lang="en-GB" sz="1500" dirty="0">
-                <a:solidFill>
-                  <a:schemeClr val="tx1"/>
-                </a:solidFill>
-              </a:rPr>
-              <a:t>EB Development for Swarm</a:t>
-            </a:r>
-          </a:p>
-        </p:txBody>
-      </p:sp>
-      <p:sp>
-        <p:nvSpPr>
-          <p:cNvPr id="21" name="Pentagon 20">
-            <a:extLst>
-              <a:ext uri="{FF2B5EF4-FFF2-40B4-BE49-F238E27FC236}">
-                <a16:creationId xmlns:a16="http://schemas.microsoft.com/office/drawing/2014/main" id="{7926F862-D217-D18B-7952-3862F37E35AC}"/>
-              </a:ext>
-            </a:extLst>
-          </p:cNvPr>
-          <p:cNvSpPr/>
-          <p:nvPr/>
-        </p:nvSpPr>
-        <p:spPr>
-          <a:xfrm rot="10800000" flipV="1">
-            <a:off x="1519728" y="2747949"/>
-            <a:ext cx="6271404" cy="253309"/>
-          </a:xfrm>
-          <a:prstGeom prst="homePlate">
-            <a:avLst/>
-          </a:prstGeom>
-          <a:noFill/>
-          <a:ln>
-            <a:solidFill>
-              <a:schemeClr val="tx1"/>
-            </a:solidFill>
-          </a:ln>
-        </p:spPr>
-        <p:style>
-          <a:lnRef idx="2">
-            <a:schemeClr val="accent1">
-              <a:shade val="50000"/>
-            </a:schemeClr>
-          </a:lnRef>
-          <a:fillRef idx="1">
-            <a:schemeClr val="accent1"/>
-          </a:fillRef>
-          <a:effectRef idx="0">
-            <a:schemeClr val="accent1"/>
-          </a:effectRef>
-          <a:fontRef idx="minor">
-            <a:schemeClr val="lt1"/>
-          </a:fontRef>
-        </p:style>
-        <p:txBody>
-          <a:bodyPr rtlCol="0" anchor="ctr"/>
-          <a:lstStyle/>
-          <a:p>
-            <a:pPr algn="ctr"/>
-            <a:r>
-              <a:rPr lang="en-GB" sz="1500" dirty="0">
-                <a:solidFill>
-                  <a:schemeClr val="tx1"/>
-                </a:solidFill>
-              </a:rPr>
-              <a:t>Feedback and Iterate</a:t>
-            </a:r>
-          </a:p>
-        </p:txBody>
-      </p:sp>
-      <p:sp>
-        <p:nvSpPr>
-          <p:cNvPr id="22" name="Folded Corner 10">
-            <a:extLst>
-              <a:ext uri="{FF2B5EF4-FFF2-40B4-BE49-F238E27FC236}">
-                <a16:creationId xmlns:a16="http://schemas.microsoft.com/office/drawing/2014/main" id="{146B4507-45FD-C9D3-F922-B7D4BA230CA9}"/>
-              </a:ext>
-            </a:extLst>
-          </p:cNvPr>
-          <p:cNvSpPr/>
-          <p:nvPr/>
-        </p:nvSpPr>
-        <p:spPr>
-          <a:xfrm rot="16200000">
-            <a:off x="616654" y="1716162"/>
-            <a:ext cx="562845" cy="949904"/>
-          </a:xfrm>
-          <a:prstGeom prst="foldedCorner">
-            <a:avLst>
-              <a:gd name="adj" fmla="val 32707"/>
-            </a:avLst>
-          </a:prstGeom>
-          <a:noFill/>
           <a:ln w="19050">
             <a:solidFill>
               <a:schemeClr val="tx1"/>
@@ -22360,123 +22046,26 @@
           <a:lstStyle/>
           <a:p>
             <a:pPr algn="ctr"/>
-            <a:endParaRPr lang="en-GB" sz="1000" dirty="0">
-              <a:solidFill>
-                <a:schemeClr val="tx1"/>
-              </a:solidFill>
-            </a:endParaRPr>
+            <a:endParaRPr lang="en-GB" sz="1000"/>
           </a:p>
         </p:txBody>
       </p:sp>
       <p:sp>
         <p:nvSpPr>
-          <p:cNvPr id="23" name="TextBox 22">
-            <a:extLst>
-              <a:ext uri="{FF2B5EF4-FFF2-40B4-BE49-F238E27FC236}">
-                <a16:creationId xmlns:a16="http://schemas.microsoft.com/office/drawing/2014/main" id="{B89C7E3E-BC41-4A58-E0E9-00BD1B61B295}"/>
-              </a:ext>
-            </a:extLst>
-          </p:cNvPr>
-          <p:cNvSpPr txBox="1"/>
+          <p:cNvPr id="48" name="Rectangle 47">
+            <a:extLst>
+              <a:ext uri="{FF2B5EF4-FFF2-40B4-BE49-F238E27FC236}">
+                <a16:creationId xmlns:a16="http://schemas.microsoft.com/office/drawing/2014/main" id="{6F163BBD-254F-0F75-E9F2-2504654EAF1B}"/>
+              </a:ext>
+            </a:extLst>
+          </p:cNvPr>
+          <p:cNvSpPr/>
           <p:nvPr/>
         </p:nvSpPr>
         <p:spPr>
           <a:xfrm>
-            <a:off x="327021" y="1953222"/>
-            <a:ext cx="1141377" cy="467179"/>
-          </a:xfrm>
-          <a:prstGeom prst="rect">
-            <a:avLst/>
-          </a:prstGeom>
-          <a:noFill/>
-        </p:spPr>
-        <p:txBody>
-          <a:bodyPr wrap="square" lIns="0" tIns="0" rIns="0" bIns="0" rtlCol="0" anchor="t">
-            <a:spAutoFit/>
-          </a:bodyPr>
-          <a:lstStyle/>
-          <a:p>
-            <a:pPr algn="ctr">
-              <a:lnSpc>
-                <a:spcPts val="1200"/>
-              </a:lnSpc>
-            </a:pPr>
-            <a:r>
-              <a:rPr lang="en-GB" sz="1300" dirty="0"/>
-              <a:t>System</a:t>
-            </a:r>
-            <a:br>
-              <a:rPr lang="en-GB" sz="1300" dirty="0"/>
-            </a:br>
-            <a:r>
-              <a:rPr lang="en-GB" sz="1300" dirty="0"/>
-              <a:t>Safety Requirements</a:t>
-            </a:r>
-            <a:endParaRPr lang="en-GB" sz="1300" dirty="0">
-              <a:cs typeface="Arial"/>
-            </a:endParaRPr>
-          </a:p>
-        </p:txBody>
-      </p:sp>
-      <p:sp>
-        <p:nvSpPr>
-          <p:cNvPr id="25" name="TextBox 24">
-            <a:extLst>
-              <a:ext uri="{FF2B5EF4-FFF2-40B4-BE49-F238E27FC236}">
-                <a16:creationId xmlns:a16="http://schemas.microsoft.com/office/drawing/2014/main" id="{B8C47711-8D23-945B-BC1B-DFF01D990A6C}"/>
-              </a:ext>
-            </a:extLst>
-          </p:cNvPr>
-          <p:cNvSpPr txBox="1"/>
-          <p:nvPr/>
-        </p:nvSpPr>
-        <p:spPr>
-          <a:xfrm>
-            <a:off x="7914355" y="2002025"/>
-            <a:ext cx="1081596" cy="436402"/>
-          </a:xfrm>
-          <a:prstGeom prst="rect">
-            <a:avLst/>
-          </a:prstGeom>
-          <a:noFill/>
-        </p:spPr>
-        <p:txBody>
-          <a:bodyPr wrap="square" lIns="121920" tIns="60960" rIns="121920" bIns="60960" rtlCol="0" anchor="t">
-            <a:spAutoFit/>
-          </a:bodyPr>
-          <a:lstStyle/>
-          <a:p>
-            <a:pPr algn="ctr">
-              <a:lnSpc>
-                <a:spcPts val="1200"/>
-              </a:lnSpc>
-            </a:pPr>
-            <a:r>
-              <a:rPr lang="en-GB" sz="1300" dirty="0"/>
-              <a:t>Safety Case for Swarm </a:t>
-            </a:r>
-            <a:endParaRPr lang="en-GB" sz="1300" dirty="0">
-              <a:cs typeface="Arial"/>
-            </a:endParaRPr>
-          </a:p>
-        </p:txBody>
-      </p:sp>
-      <p:sp>
-        <p:nvSpPr>
-          <p:cNvPr id="26" name="Rectangle 25">
-            <a:extLst>
-              <a:ext uri="{FF2B5EF4-FFF2-40B4-BE49-F238E27FC236}">
-                <a16:creationId xmlns:a16="http://schemas.microsoft.com/office/drawing/2014/main" id="{99C0E08C-F17F-CC82-E0BA-47A6439B919D}"/>
-              </a:ext>
-            </a:extLst>
-          </p:cNvPr>
-          <p:cNvSpPr/>
-          <p:nvPr/>
-        </p:nvSpPr>
-        <p:spPr>
-          <a:xfrm>
-            <a:off x="1521665" y="1899760"/>
-            <a:ext cx="925198" cy="582302"/>
+            <a:off x="5842983" y="1893740"/>
+            <a:ext cx="925198" cy="497572"/>
           </a:xfrm>
           <a:prstGeom prst="rect">
             <a:avLst/>
@@ -22524,103 +22113,20 @@
       </p:sp>
       <p:sp>
         <p:nvSpPr>
-          <p:cNvPr id="27" name="TextBox 26">
-            <a:extLst>
-              <a:ext uri="{FF2B5EF4-FFF2-40B4-BE49-F238E27FC236}">
-                <a16:creationId xmlns:a16="http://schemas.microsoft.com/office/drawing/2014/main" id="{0E265C16-09EF-7DD6-2482-15202AF1B819}"/>
-              </a:ext>
-            </a:extLst>
-          </p:cNvPr>
-          <p:cNvSpPr txBox="1"/>
+          <p:cNvPr id="50" name="Rectangle 49">
+            <a:extLst>
+              <a:ext uri="{FF2B5EF4-FFF2-40B4-BE49-F238E27FC236}">
+                <a16:creationId xmlns:a16="http://schemas.microsoft.com/office/drawing/2014/main" id="{66F193F2-AA54-C29E-D7D5-F953F0B81960}"/>
+              </a:ext>
+            </a:extLst>
+          </p:cNvPr>
+          <p:cNvSpPr/>
           <p:nvPr/>
         </p:nvSpPr>
         <p:spPr>
           <a:xfrm>
-            <a:off x="1533866" y="1919215"/>
-            <a:ext cx="906220" cy="562846"/>
-          </a:xfrm>
-          <a:prstGeom prst="rect">
-            <a:avLst/>
-          </a:prstGeom>
-          <a:solidFill>
-            <a:schemeClr val="bg2">
-              <a:lumMod val="90000"/>
-            </a:schemeClr>
-          </a:solidFill>
-        </p:spPr>
-        <p:txBody>
-          <a:bodyPr wrap="square" rtlCol="0">
-            <a:spAutoFit/>
-          </a:bodyPr>
-          <a:lstStyle/>
-          <a:p>
-            <a:pPr algn="ctr">
-              <a:lnSpc>
-                <a:spcPts val="1200"/>
-              </a:lnSpc>
-            </a:pPr>
-            <a:r>
-              <a:rPr lang="en-GB" sz="1200" dirty="0"/>
-              <a:t>1. EB Safety Assurance Scoping</a:t>
-            </a:r>
-          </a:p>
-        </p:txBody>
-      </p:sp>
-      <p:sp>
-        <p:nvSpPr>
-          <p:cNvPr id="30" name="TextBox 29">
-            <a:extLst>
-              <a:ext uri="{FF2B5EF4-FFF2-40B4-BE49-F238E27FC236}">
-                <a16:creationId xmlns:a16="http://schemas.microsoft.com/office/drawing/2014/main" id="{3D0AE7D1-4CF3-3E18-CC42-9EE4EF8BFEB9}"/>
-              </a:ext>
-            </a:extLst>
-          </p:cNvPr>
-          <p:cNvSpPr txBox="1"/>
-          <p:nvPr/>
-        </p:nvSpPr>
-        <p:spPr>
-          <a:xfrm>
-            <a:off x="2390573" y="4508520"/>
-            <a:ext cx="6357668" cy="923330"/>
-          </a:xfrm>
-          <a:prstGeom prst="rect">
-            <a:avLst/>
-          </a:prstGeom>
-          <a:noFill/>
-        </p:spPr>
-        <p:txBody>
-          <a:bodyPr wrap="square">
-            <a:spAutoFit/>
-          </a:bodyPr>
-          <a:lstStyle/>
-          <a:p>
-            <a:r>
-              <a:rPr lang="en-GB" dirty="0" err="1"/>
-              <a:t>AERoS</a:t>
-            </a:r>
-            <a:r>
-              <a:rPr lang="en-GB" dirty="0"/>
-              <a:t> is iterative by design, and contains six stages where assurance activities are performed in parallel to the development activities. </a:t>
-            </a:r>
-          </a:p>
-        </p:txBody>
-      </p:sp>
-      <p:sp>
-        <p:nvSpPr>
-          <p:cNvPr id="42" name="Rectangle 41">
-            <a:extLst>
-              <a:ext uri="{FF2B5EF4-FFF2-40B4-BE49-F238E27FC236}">
-                <a16:creationId xmlns:a16="http://schemas.microsoft.com/office/drawing/2014/main" id="{8365D02E-AD75-C1F0-153E-78D39C0CD254}"/>
-              </a:ext>
-            </a:extLst>
-          </p:cNvPr>
-          <p:cNvSpPr/>
-          <p:nvPr/>
-        </p:nvSpPr>
-        <p:spPr>
-          <a:xfrm>
-            <a:off x="2606577" y="1894538"/>
-            <a:ext cx="925198" cy="582302"/>
+            <a:off x="6910643" y="1888518"/>
+            <a:ext cx="925198" cy="502794"/>
           </a:xfrm>
           <a:prstGeom prst="rect">
             <a:avLst/>
@@ -22666,12 +22172,104 @@
           </a:p>
         </p:txBody>
       </p:sp>
+      <p:cxnSp>
+        <p:nvCxnSpPr>
+          <p:cNvPr id="53" name="Straight Connector 52">
+            <a:extLst>
+              <a:ext uri="{FF2B5EF4-FFF2-40B4-BE49-F238E27FC236}">
+                <a16:creationId xmlns:a16="http://schemas.microsoft.com/office/drawing/2014/main" id="{E156901E-D064-938B-A053-94677106DE74}"/>
+              </a:ext>
+            </a:extLst>
+          </p:cNvPr>
+          <p:cNvCxnSpPr>
+            <a:cxnSpLocks/>
+          </p:cNvCxnSpPr>
+          <p:nvPr/>
+        </p:nvCxnSpPr>
+        <p:spPr>
+          <a:xfrm flipV="1">
+            <a:off x="1993571" y="1621311"/>
+            <a:ext cx="0" cy="270770"/>
+          </a:xfrm>
+          <a:prstGeom prst="line">
+            <a:avLst/>
+          </a:prstGeom>
+          <a:ln w="19050">
+            <a:solidFill>
+              <a:schemeClr val="tx1"/>
+            </a:solidFill>
+            <a:prstDash val="sysDot"/>
+            <a:headEnd type="stealth" w="lg" len="lg"/>
+            <a:tailEnd type="stealth" w="lg" len="lg"/>
+          </a:ln>
+        </p:spPr>
+        <p:style>
+          <a:lnRef idx="1">
+            <a:schemeClr val="accent1"/>
+          </a:lnRef>
+          <a:fillRef idx="0">
+            <a:schemeClr val="accent1"/>
+          </a:fillRef>
+          <a:effectRef idx="0">
+            <a:schemeClr val="accent1"/>
+          </a:effectRef>
+          <a:fontRef idx="minor">
+            <a:schemeClr val="tx1"/>
+          </a:fontRef>
+        </p:style>
+      </p:cxnSp>
+      <p:cxnSp>
+        <p:nvCxnSpPr>
+          <p:cNvPr id="55" name="Straight Connector 54">
+            <a:extLst>
+              <a:ext uri="{FF2B5EF4-FFF2-40B4-BE49-F238E27FC236}">
+                <a16:creationId xmlns:a16="http://schemas.microsoft.com/office/drawing/2014/main" id="{B3C5A03A-D2C4-7905-E021-054F39CB033C}"/>
+              </a:ext>
+            </a:extLst>
+          </p:cNvPr>
+          <p:cNvCxnSpPr>
+            <a:cxnSpLocks/>
+          </p:cNvCxnSpPr>
+          <p:nvPr/>
+        </p:nvCxnSpPr>
+        <p:spPr>
+          <a:xfrm flipV="1">
+            <a:off x="1984264" y="2387824"/>
+            <a:ext cx="0" cy="270770"/>
+          </a:xfrm>
+          <a:prstGeom prst="line">
+            <a:avLst/>
+          </a:prstGeom>
+          <a:ln w="19050">
+            <a:solidFill>
+              <a:schemeClr val="tx1"/>
+            </a:solidFill>
+            <a:prstDash val="sysDot"/>
+            <a:headEnd type="stealth" w="lg" len="lg"/>
+            <a:tailEnd type="stealth" w="lg" len="lg"/>
+          </a:ln>
+        </p:spPr>
+        <p:style>
+          <a:lnRef idx="1">
+            <a:schemeClr val="accent1"/>
+          </a:lnRef>
+          <a:fillRef idx="0">
+            <a:schemeClr val="accent1"/>
+          </a:fillRef>
+          <a:effectRef idx="0">
+            <a:schemeClr val="accent1"/>
+          </a:effectRef>
+          <a:fontRef idx="minor">
+            <a:schemeClr val="tx1"/>
+          </a:fontRef>
+        </p:style>
+      </p:cxnSp>
       <p:sp>
         <p:nvSpPr>
-          <p:cNvPr id="43" name="TextBox 42">
-            <a:extLst>
-              <a:ext uri="{FF2B5EF4-FFF2-40B4-BE49-F238E27FC236}">
-                <a16:creationId xmlns:a16="http://schemas.microsoft.com/office/drawing/2014/main" id="{63C851F2-A598-E070-4AFF-A62C26A7CAB0}"/>
+          <p:cNvPr id="56" name="TextBox 55">
+            <a:extLst>
+              <a:ext uri="{FF2B5EF4-FFF2-40B4-BE49-F238E27FC236}">
+                <a16:creationId xmlns:a16="http://schemas.microsoft.com/office/drawing/2014/main" id="{DA44A2E7-CC87-1C79-DEDB-0B5F5919D3B0}"/>
               </a:ext>
             </a:extLst>
           </p:cNvPr>
@@ -22680,17 +22278,13 @@
         </p:nvSpPr>
         <p:spPr>
           <a:xfrm>
-            <a:off x="2611692" y="1976762"/>
-            <a:ext cx="906220" cy="461665"/>
+            <a:off x="3705434" y="1975645"/>
+            <a:ext cx="911653" cy="313291"/>
           </a:xfrm>
           <a:prstGeom prst="rect">
             <a:avLst/>
           </a:prstGeom>
-          <a:solidFill>
-            <a:schemeClr val="bg2">
-              <a:lumMod val="90000"/>
-            </a:schemeClr>
-          </a:solidFill>
+          <a:noFill/>
         </p:spPr>
         <p:txBody>
           <a:bodyPr wrap="square" lIns="0" tIns="0" rIns="0" bIns="0" rtlCol="0">
@@ -22704,18 +22298,736 @@
               </a:lnSpc>
             </a:pPr>
             <a:r>
-              <a:rPr lang="en-GB" sz="1200" dirty="0"/>
-              <a:t>2. EB Safety Requirements Assurance</a:t>
+              <a:rPr lang="en-GB" sz="1300" dirty="0"/>
+              <a:t>3. Data Management</a:t>
             </a:r>
           </a:p>
         </p:txBody>
       </p:sp>
       <p:sp>
         <p:nvSpPr>
-          <p:cNvPr id="44" name="Rectangle 43">
-            <a:extLst>
-              <a:ext uri="{FF2B5EF4-FFF2-40B4-BE49-F238E27FC236}">
-                <a16:creationId xmlns:a16="http://schemas.microsoft.com/office/drawing/2014/main" id="{8017490D-35E8-8F6C-1328-B376B343D3A0}"/>
+          <p:cNvPr id="57" name="TextBox 56">
+            <a:extLst>
+              <a:ext uri="{FF2B5EF4-FFF2-40B4-BE49-F238E27FC236}">
+                <a16:creationId xmlns:a16="http://schemas.microsoft.com/office/drawing/2014/main" id="{67E32EA5-6EF8-644D-41F9-6FEF327E5F2C}"/>
+              </a:ext>
+            </a:extLst>
+          </p:cNvPr>
+          <p:cNvSpPr txBox="1"/>
+          <p:nvPr/>
+        </p:nvSpPr>
+        <p:spPr>
+          <a:xfrm>
+            <a:off x="4809530" y="2070538"/>
+            <a:ext cx="857934" cy="159403"/>
+          </a:xfrm>
+          <a:prstGeom prst="rect">
+            <a:avLst/>
+          </a:prstGeom>
+          <a:noFill/>
+        </p:spPr>
+        <p:txBody>
+          <a:bodyPr wrap="square" lIns="0" tIns="0" rIns="0" bIns="0" rtlCol="0">
+            <a:spAutoFit/>
+          </a:bodyPr>
+          <a:lstStyle/>
+          <a:p>
+            <a:pPr algn="ctr">
+              <a:lnSpc>
+                <a:spcPts val="1200"/>
+              </a:lnSpc>
+            </a:pPr>
+            <a:r>
+              <a:rPr lang="en-GB" sz="1300" dirty="0"/>
+              <a:t>4. Model EB</a:t>
+            </a:r>
+          </a:p>
+        </p:txBody>
+      </p:sp>
+      <p:sp>
+        <p:nvSpPr>
+          <p:cNvPr id="58" name="TextBox 57">
+            <a:extLst>
+              <a:ext uri="{FF2B5EF4-FFF2-40B4-BE49-F238E27FC236}">
+                <a16:creationId xmlns:a16="http://schemas.microsoft.com/office/drawing/2014/main" id="{276C5D89-067B-7003-467B-34075BACA9C6}"/>
+              </a:ext>
+            </a:extLst>
+          </p:cNvPr>
+          <p:cNvSpPr txBox="1"/>
+          <p:nvPr/>
+        </p:nvSpPr>
+        <p:spPr>
+          <a:xfrm>
+            <a:off x="5896558" y="1982475"/>
+            <a:ext cx="819482" cy="313291"/>
+          </a:xfrm>
+          <a:prstGeom prst="rect">
+            <a:avLst/>
+          </a:prstGeom>
+          <a:noFill/>
+        </p:spPr>
+        <p:txBody>
+          <a:bodyPr wrap="square" lIns="0" tIns="0" rIns="0" bIns="0" rtlCol="0">
+            <a:spAutoFit/>
+          </a:bodyPr>
+          <a:lstStyle/>
+          <a:p>
+            <a:pPr algn="ctr">
+              <a:lnSpc>
+                <a:spcPts val="1200"/>
+              </a:lnSpc>
+            </a:pPr>
+            <a:r>
+              <a:rPr lang="en-GB" sz="1300" dirty="0"/>
+              <a:t>5. Model Verification</a:t>
+            </a:r>
+          </a:p>
+        </p:txBody>
+      </p:sp>
+      <p:sp>
+        <p:nvSpPr>
+          <p:cNvPr id="59" name="TextBox 58">
+            <a:extLst>
+              <a:ext uri="{FF2B5EF4-FFF2-40B4-BE49-F238E27FC236}">
+                <a16:creationId xmlns:a16="http://schemas.microsoft.com/office/drawing/2014/main" id="{8CBFD8D8-CB4D-75DA-1054-47679AAD7C6F}"/>
+              </a:ext>
+            </a:extLst>
+          </p:cNvPr>
+          <p:cNvSpPr txBox="1"/>
+          <p:nvPr/>
+        </p:nvSpPr>
+        <p:spPr>
+          <a:xfrm>
+            <a:off x="6951789" y="2001073"/>
+            <a:ext cx="857475" cy="313291"/>
+          </a:xfrm>
+          <a:prstGeom prst="rect">
+            <a:avLst/>
+          </a:prstGeom>
+          <a:noFill/>
+        </p:spPr>
+        <p:txBody>
+          <a:bodyPr wrap="square" lIns="0" tIns="0" rIns="0" bIns="0" rtlCol="0">
+            <a:spAutoFit/>
+          </a:bodyPr>
+          <a:lstStyle/>
+          <a:p>
+            <a:pPr algn="ctr">
+              <a:lnSpc>
+                <a:spcPts val="1200"/>
+              </a:lnSpc>
+            </a:pPr>
+            <a:r>
+              <a:rPr lang="en-GB" sz="1300" dirty="0"/>
+              <a:t>6. Model Deployment</a:t>
+            </a:r>
+          </a:p>
+        </p:txBody>
+      </p:sp>
+      <p:cxnSp>
+        <p:nvCxnSpPr>
+          <p:cNvPr id="60" name="Straight Connector 59">
+            <a:extLst>
+              <a:ext uri="{FF2B5EF4-FFF2-40B4-BE49-F238E27FC236}">
+                <a16:creationId xmlns:a16="http://schemas.microsoft.com/office/drawing/2014/main" id="{8E2A1278-82BD-DEED-A416-04B9FC2060B1}"/>
+              </a:ext>
+            </a:extLst>
+          </p:cNvPr>
+          <p:cNvCxnSpPr>
+            <a:cxnSpLocks/>
+          </p:cNvCxnSpPr>
+          <p:nvPr/>
+        </p:nvCxnSpPr>
+        <p:spPr>
+          <a:xfrm flipH="1">
+            <a:off x="2451585" y="2155229"/>
+            <a:ext cx="153589" cy="0"/>
+          </a:xfrm>
+          <a:prstGeom prst="line">
+            <a:avLst/>
+          </a:prstGeom>
+          <a:ln w="19050">
+            <a:solidFill>
+              <a:schemeClr val="tx1"/>
+            </a:solidFill>
+            <a:prstDash val="solid"/>
+            <a:headEnd type="stealth" w="lg" len="lg"/>
+            <a:tailEnd type="none" w="lg" len="lg"/>
+          </a:ln>
+        </p:spPr>
+        <p:style>
+          <a:lnRef idx="1">
+            <a:schemeClr val="accent1"/>
+          </a:lnRef>
+          <a:fillRef idx="0">
+            <a:schemeClr val="accent1"/>
+          </a:fillRef>
+          <a:effectRef idx="0">
+            <a:schemeClr val="accent1"/>
+          </a:effectRef>
+          <a:fontRef idx="minor">
+            <a:schemeClr val="tx1"/>
+          </a:fontRef>
+        </p:style>
+      </p:cxnSp>
+      <p:cxnSp>
+        <p:nvCxnSpPr>
+          <p:cNvPr id="63" name="Straight Connector 62">
+            <a:extLst>
+              <a:ext uri="{FF2B5EF4-FFF2-40B4-BE49-F238E27FC236}">
+                <a16:creationId xmlns:a16="http://schemas.microsoft.com/office/drawing/2014/main" id="{83796595-E5FC-2235-E748-3B44863D9B83}"/>
+              </a:ext>
+            </a:extLst>
+          </p:cNvPr>
+          <p:cNvCxnSpPr>
+            <a:cxnSpLocks/>
+          </p:cNvCxnSpPr>
+          <p:nvPr/>
+        </p:nvCxnSpPr>
+        <p:spPr>
+          <a:xfrm flipH="1">
+            <a:off x="3553424" y="2136396"/>
+            <a:ext cx="152339" cy="0"/>
+          </a:xfrm>
+          <a:prstGeom prst="line">
+            <a:avLst/>
+          </a:prstGeom>
+          <a:ln w="19050">
+            <a:solidFill>
+              <a:schemeClr val="tx1"/>
+            </a:solidFill>
+            <a:prstDash val="solid"/>
+            <a:headEnd type="stealth" w="lg" len="lg"/>
+            <a:tailEnd type="none" w="lg" len="lg"/>
+          </a:ln>
+        </p:spPr>
+        <p:style>
+          <a:lnRef idx="1">
+            <a:schemeClr val="accent1"/>
+          </a:lnRef>
+          <a:fillRef idx="0">
+            <a:schemeClr val="accent1"/>
+          </a:fillRef>
+          <a:effectRef idx="0">
+            <a:schemeClr val="accent1"/>
+          </a:effectRef>
+          <a:fontRef idx="minor">
+            <a:schemeClr val="tx1"/>
+          </a:fontRef>
+        </p:style>
+      </p:cxnSp>
+      <p:cxnSp>
+        <p:nvCxnSpPr>
+          <p:cNvPr id="71" name="Straight Connector 70">
+            <a:extLst>
+              <a:ext uri="{FF2B5EF4-FFF2-40B4-BE49-F238E27FC236}">
+                <a16:creationId xmlns:a16="http://schemas.microsoft.com/office/drawing/2014/main" id="{7D036AC3-69E3-7FCE-1719-E1C3540F5C14}"/>
+              </a:ext>
+            </a:extLst>
+          </p:cNvPr>
+          <p:cNvCxnSpPr>
+            <a:cxnSpLocks/>
+          </p:cNvCxnSpPr>
+          <p:nvPr/>
+        </p:nvCxnSpPr>
+        <p:spPr>
+          <a:xfrm flipH="1">
+            <a:off x="6775666" y="2169743"/>
+            <a:ext cx="134977" cy="0"/>
+          </a:xfrm>
+          <a:prstGeom prst="line">
+            <a:avLst/>
+          </a:prstGeom>
+          <a:ln w="19050">
+            <a:solidFill>
+              <a:schemeClr val="tx1"/>
+            </a:solidFill>
+            <a:prstDash val="solid"/>
+            <a:headEnd type="stealth" w="lg" len="lg"/>
+            <a:tailEnd type="none" w="lg" len="lg"/>
+          </a:ln>
+        </p:spPr>
+        <p:style>
+          <a:lnRef idx="1">
+            <a:schemeClr val="accent1"/>
+          </a:lnRef>
+          <a:fillRef idx="0">
+            <a:schemeClr val="accent1"/>
+          </a:fillRef>
+          <a:effectRef idx="0">
+            <a:schemeClr val="accent1"/>
+          </a:effectRef>
+          <a:fontRef idx="minor">
+            <a:schemeClr val="tx1"/>
+          </a:fontRef>
+        </p:style>
+      </p:cxnSp>
+      <p:cxnSp>
+        <p:nvCxnSpPr>
+          <p:cNvPr id="72" name="Straight Connector 71">
+            <a:extLst>
+              <a:ext uri="{FF2B5EF4-FFF2-40B4-BE49-F238E27FC236}">
+                <a16:creationId xmlns:a16="http://schemas.microsoft.com/office/drawing/2014/main" id="{4721D805-9AEC-C8F2-F8CB-BA56FB96699B}"/>
+              </a:ext>
+            </a:extLst>
+          </p:cNvPr>
+          <p:cNvCxnSpPr>
+            <a:cxnSpLocks/>
+          </p:cNvCxnSpPr>
+          <p:nvPr/>
+        </p:nvCxnSpPr>
+        <p:spPr>
+          <a:xfrm flipV="1">
+            <a:off x="3071422" y="1618362"/>
+            <a:ext cx="0" cy="270770"/>
+          </a:xfrm>
+          <a:prstGeom prst="line">
+            <a:avLst/>
+          </a:prstGeom>
+          <a:ln w="19050">
+            <a:solidFill>
+              <a:schemeClr val="tx1"/>
+            </a:solidFill>
+            <a:prstDash val="sysDot"/>
+            <a:headEnd type="stealth" w="lg" len="lg"/>
+            <a:tailEnd type="stealth" w="lg" len="lg"/>
+          </a:ln>
+        </p:spPr>
+        <p:style>
+          <a:lnRef idx="1">
+            <a:schemeClr val="accent1"/>
+          </a:lnRef>
+          <a:fillRef idx="0">
+            <a:schemeClr val="accent1"/>
+          </a:fillRef>
+          <a:effectRef idx="0">
+            <a:schemeClr val="accent1"/>
+          </a:effectRef>
+          <a:fontRef idx="minor">
+            <a:schemeClr val="tx1"/>
+          </a:fontRef>
+        </p:style>
+      </p:cxnSp>
+      <p:cxnSp>
+        <p:nvCxnSpPr>
+          <p:cNvPr id="73" name="Straight Connector 72">
+            <a:extLst>
+              <a:ext uri="{FF2B5EF4-FFF2-40B4-BE49-F238E27FC236}">
+                <a16:creationId xmlns:a16="http://schemas.microsoft.com/office/drawing/2014/main" id="{FA2A12A3-F852-68F9-B565-1B016F1B8A49}"/>
+              </a:ext>
+            </a:extLst>
+          </p:cNvPr>
+          <p:cNvCxnSpPr>
+            <a:cxnSpLocks/>
+          </p:cNvCxnSpPr>
+          <p:nvPr/>
+        </p:nvCxnSpPr>
+        <p:spPr>
+          <a:xfrm flipV="1">
+            <a:off x="4151587" y="1617748"/>
+            <a:ext cx="0" cy="270770"/>
+          </a:xfrm>
+          <a:prstGeom prst="line">
+            <a:avLst/>
+          </a:prstGeom>
+          <a:ln w="19050">
+            <a:solidFill>
+              <a:schemeClr val="tx1"/>
+            </a:solidFill>
+            <a:prstDash val="sysDot"/>
+            <a:headEnd type="stealth" w="lg" len="lg"/>
+            <a:tailEnd type="stealth" w="lg" len="lg"/>
+          </a:ln>
+        </p:spPr>
+        <p:style>
+          <a:lnRef idx="1">
+            <a:schemeClr val="accent1"/>
+          </a:lnRef>
+          <a:fillRef idx="0">
+            <a:schemeClr val="accent1"/>
+          </a:fillRef>
+          <a:effectRef idx="0">
+            <a:schemeClr val="accent1"/>
+          </a:effectRef>
+          <a:fontRef idx="minor">
+            <a:schemeClr val="tx1"/>
+          </a:fontRef>
+        </p:style>
+      </p:cxnSp>
+      <p:cxnSp>
+        <p:nvCxnSpPr>
+          <p:cNvPr id="74" name="Straight Connector 73">
+            <a:extLst>
+              <a:ext uri="{FF2B5EF4-FFF2-40B4-BE49-F238E27FC236}">
+                <a16:creationId xmlns:a16="http://schemas.microsoft.com/office/drawing/2014/main" id="{6F8D1740-4A82-E8B7-7084-80CB989C5A2C}"/>
+              </a:ext>
+            </a:extLst>
+          </p:cNvPr>
+          <p:cNvCxnSpPr>
+            <a:cxnSpLocks/>
+          </p:cNvCxnSpPr>
+          <p:nvPr/>
+        </p:nvCxnSpPr>
+        <p:spPr>
+          <a:xfrm flipV="1">
+            <a:off x="5232383" y="1613852"/>
+            <a:ext cx="0" cy="270770"/>
+          </a:xfrm>
+          <a:prstGeom prst="line">
+            <a:avLst/>
+          </a:prstGeom>
+          <a:ln w="19050">
+            <a:solidFill>
+              <a:schemeClr val="tx1"/>
+            </a:solidFill>
+            <a:prstDash val="sysDot"/>
+            <a:headEnd type="stealth" w="lg" len="lg"/>
+            <a:tailEnd type="stealth" w="lg" len="lg"/>
+          </a:ln>
+        </p:spPr>
+        <p:style>
+          <a:lnRef idx="1">
+            <a:schemeClr val="accent1"/>
+          </a:lnRef>
+          <a:fillRef idx="0">
+            <a:schemeClr val="accent1"/>
+          </a:fillRef>
+          <a:effectRef idx="0">
+            <a:schemeClr val="accent1"/>
+          </a:effectRef>
+          <a:fontRef idx="minor">
+            <a:schemeClr val="tx1"/>
+          </a:fontRef>
+        </p:style>
+      </p:cxnSp>
+      <p:cxnSp>
+        <p:nvCxnSpPr>
+          <p:cNvPr id="75" name="Straight Connector 74">
+            <a:extLst>
+              <a:ext uri="{FF2B5EF4-FFF2-40B4-BE49-F238E27FC236}">
+                <a16:creationId xmlns:a16="http://schemas.microsoft.com/office/drawing/2014/main" id="{D7618F92-4322-EED0-5174-BD1AED96DA09}"/>
+              </a:ext>
+            </a:extLst>
+          </p:cNvPr>
+          <p:cNvCxnSpPr>
+            <a:cxnSpLocks/>
+          </p:cNvCxnSpPr>
+          <p:nvPr/>
+        </p:nvCxnSpPr>
+        <p:spPr>
+          <a:xfrm flipV="1">
+            <a:off x="6281604" y="1624520"/>
+            <a:ext cx="0" cy="270770"/>
+          </a:xfrm>
+          <a:prstGeom prst="line">
+            <a:avLst/>
+          </a:prstGeom>
+          <a:ln w="19050">
+            <a:solidFill>
+              <a:schemeClr val="tx1"/>
+            </a:solidFill>
+            <a:prstDash val="sysDot"/>
+            <a:headEnd type="stealth" w="lg" len="lg"/>
+            <a:tailEnd type="stealth" w="lg" len="lg"/>
+          </a:ln>
+        </p:spPr>
+        <p:style>
+          <a:lnRef idx="1">
+            <a:schemeClr val="accent1"/>
+          </a:lnRef>
+          <a:fillRef idx="0">
+            <a:schemeClr val="accent1"/>
+          </a:fillRef>
+          <a:effectRef idx="0">
+            <a:schemeClr val="accent1"/>
+          </a:effectRef>
+          <a:fontRef idx="minor">
+            <a:schemeClr val="tx1"/>
+          </a:fontRef>
+        </p:style>
+      </p:cxnSp>
+      <p:cxnSp>
+        <p:nvCxnSpPr>
+          <p:cNvPr id="76" name="Straight Connector 75">
+            <a:extLst>
+              <a:ext uri="{FF2B5EF4-FFF2-40B4-BE49-F238E27FC236}">
+                <a16:creationId xmlns:a16="http://schemas.microsoft.com/office/drawing/2014/main" id="{CE8BBD98-AE3B-23A0-E337-A1087E06FE33}"/>
+              </a:ext>
+            </a:extLst>
+          </p:cNvPr>
+          <p:cNvCxnSpPr>
+            <a:cxnSpLocks/>
+          </p:cNvCxnSpPr>
+          <p:nvPr/>
+        </p:nvCxnSpPr>
+        <p:spPr>
+          <a:xfrm flipV="1">
+            <a:off x="7346061" y="1621311"/>
+            <a:ext cx="0" cy="270770"/>
+          </a:xfrm>
+          <a:prstGeom prst="line">
+            <a:avLst/>
+          </a:prstGeom>
+          <a:ln w="19050">
+            <a:solidFill>
+              <a:schemeClr val="tx1"/>
+            </a:solidFill>
+            <a:prstDash val="sysDot"/>
+            <a:headEnd type="stealth" w="lg" len="lg"/>
+            <a:tailEnd type="stealth" w="lg" len="lg"/>
+          </a:ln>
+        </p:spPr>
+        <p:style>
+          <a:lnRef idx="1">
+            <a:schemeClr val="accent1"/>
+          </a:lnRef>
+          <a:fillRef idx="0">
+            <a:schemeClr val="accent1"/>
+          </a:fillRef>
+          <a:effectRef idx="0">
+            <a:schemeClr val="accent1"/>
+          </a:effectRef>
+          <a:fontRef idx="minor">
+            <a:schemeClr val="tx1"/>
+          </a:fontRef>
+        </p:style>
+      </p:cxnSp>
+      <p:cxnSp>
+        <p:nvCxnSpPr>
+          <p:cNvPr id="77" name="Straight Connector 76">
+            <a:extLst>
+              <a:ext uri="{FF2B5EF4-FFF2-40B4-BE49-F238E27FC236}">
+                <a16:creationId xmlns:a16="http://schemas.microsoft.com/office/drawing/2014/main" id="{7F636869-032B-D32D-E52A-AAE3271F1B61}"/>
+              </a:ext>
+            </a:extLst>
+          </p:cNvPr>
+          <p:cNvCxnSpPr>
+            <a:cxnSpLocks/>
+          </p:cNvCxnSpPr>
+          <p:nvPr/>
+        </p:nvCxnSpPr>
+        <p:spPr>
+          <a:xfrm flipV="1">
+            <a:off x="3073528" y="2386371"/>
+            <a:ext cx="0" cy="270770"/>
+          </a:xfrm>
+          <a:prstGeom prst="line">
+            <a:avLst/>
+          </a:prstGeom>
+          <a:ln w="19050">
+            <a:solidFill>
+              <a:schemeClr val="tx1"/>
+            </a:solidFill>
+            <a:prstDash val="sysDot"/>
+            <a:headEnd type="stealth" w="lg" len="lg"/>
+            <a:tailEnd type="stealth" w="lg" len="lg"/>
+          </a:ln>
+        </p:spPr>
+        <p:style>
+          <a:lnRef idx="1">
+            <a:schemeClr val="accent1"/>
+          </a:lnRef>
+          <a:fillRef idx="0">
+            <a:schemeClr val="accent1"/>
+          </a:fillRef>
+          <a:effectRef idx="0">
+            <a:schemeClr val="accent1"/>
+          </a:effectRef>
+          <a:fontRef idx="minor">
+            <a:schemeClr val="tx1"/>
+          </a:fontRef>
+        </p:style>
+      </p:cxnSp>
+      <p:cxnSp>
+        <p:nvCxnSpPr>
+          <p:cNvPr id="78" name="Straight Connector 77">
+            <a:extLst>
+              <a:ext uri="{FF2B5EF4-FFF2-40B4-BE49-F238E27FC236}">
+                <a16:creationId xmlns:a16="http://schemas.microsoft.com/office/drawing/2014/main" id="{9611A07D-9C32-C7FA-0F94-4D51B3ED2DFF}"/>
+              </a:ext>
+            </a:extLst>
+          </p:cNvPr>
+          <p:cNvCxnSpPr>
+            <a:cxnSpLocks/>
+          </p:cNvCxnSpPr>
+          <p:nvPr/>
+        </p:nvCxnSpPr>
+        <p:spPr>
+          <a:xfrm flipV="1">
+            <a:off x="4151236" y="2388038"/>
+            <a:ext cx="0" cy="270770"/>
+          </a:xfrm>
+          <a:prstGeom prst="line">
+            <a:avLst/>
+          </a:prstGeom>
+          <a:ln w="19050">
+            <a:solidFill>
+              <a:schemeClr val="tx1"/>
+            </a:solidFill>
+            <a:prstDash val="sysDot"/>
+            <a:headEnd type="stealth" w="lg" len="lg"/>
+            <a:tailEnd type="stealth" w="lg" len="lg"/>
+          </a:ln>
+        </p:spPr>
+        <p:style>
+          <a:lnRef idx="1">
+            <a:schemeClr val="accent1"/>
+          </a:lnRef>
+          <a:fillRef idx="0">
+            <a:schemeClr val="accent1"/>
+          </a:fillRef>
+          <a:effectRef idx="0">
+            <a:schemeClr val="accent1"/>
+          </a:effectRef>
+          <a:fontRef idx="minor">
+            <a:schemeClr val="tx1"/>
+          </a:fontRef>
+        </p:style>
+      </p:cxnSp>
+      <p:cxnSp>
+        <p:nvCxnSpPr>
+          <p:cNvPr id="79" name="Straight Connector 78">
+            <a:extLst>
+              <a:ext uri="{FF2B5EF4-FFF2-40B4-BE49-F238E27FC236}">
+                <a16:creationId xmlns:a16="http://schemas.microsoft.com/office/drawing/2014/main" id="{106B37EC-B91D-C22D-3879-FE1608085D6A}"/>
+              </a:ext>
+            </a:extLst>
+          </p:cNvPr>
+          <p:cNvCxnSpPr>
+            <a:cxnSpLocks/>
+          </p:cNvCxnSpPr>
+          <p:nvPr/>
+        </p:nvCxnSpPr>
+        <p:spPr>
+          <a:xfrm flipV="1">
+            <a:off x="5242285" y="2388824"/>
+            <a:ext cx="0" cy="270770"/>
+          </a:xfrm>
+          <a:prstGeom prst="line">
+            <a:avLst/>
+          </a:prstGeom>
+          <a:ln w="19050">
+            <a:solidFill>
+              <a:schemeClr val="tx1"/>
+            </a:solidFill>
+            <a:prstDash val="sysDot"/>
+            <a:headEnd type="stealth" w="lg" len="lg"/>
+            <a:tailEnd type="stealth" w="lg" len="lg"/>
+          </a:ln>
+        </p:spPr>
+        <p:style>
+          <a:lnRef idx="1">
+            <a:schemeClr val="accent1"/>
+          </a:lnRef>
+          <a:fillRef idx="0">
+            <a:schemeClr val="accent1"/>
+          </a:fillRef>
+          <a:effectRef idx="0">
+            <a:schemeClr val="accent1"/>
+          </a:effectRef>
+          <a:fontRef idx="minor">
+            <a:schemeClr val="tx1"/>
+          </a:fontRef>
+        </p:style>
+      </p:cxnSp>
+      <p:cxnSp>
+        <p:nvCxnSpPr>
+          <p:cNvPr id="80" name="Straight Connector 79">
+            <a:extLst>
+              <a:ext uri="{FF2B5EF4-FFF2-40B4-BE49-F238E27FC236}">
+                <a16:creationId xmlns:a16="http://schemas.microsoft.com/office/drawing/2014/main" id="{2F895141-1C8D-9509-839B-3FD6FD8B549B}"/>
+              </a:ext>
+            </a:extLst>
+          </p:cNvPr>
+          <p:cNvCxnSpPr>
+            <a:cxnSpLocks/>
+          </p:cNvCxnSpPr>
+          <p:nvPr/>
+        </p:nvCxnSpPr>
+        <p:spPr>
+          <a:xfrm flipV="1">
+            <a:off x="6300132" y="2381584"/>
+            <a:ext cx="0" cy="270770"/>
+          </a:xfrm>
+          <a:prstGeom prst="line">
+            <a:avLst/>
+          </a:prstGeom>
+          <a:ln w="19050">
+            <a:solidFill>
+              <a:schemeClr val="tx1"/>
+            </a:solidFill>
+            <a:prstDash val="sysDot"/>
+            <a:headEnd type="stealth" w="lg" len="lg"/>
+            <a:tailEnd type="stealth" w="lg" len="lg"/>
+          </a:ln>
+        </p:spPr>
+        <p:style>
+          <a:lnRef idx="1">
+            <a:schemeClr val="accent1"/>
+          </a:lnRef>
+          <a:fillRef idx="0">
+            <a:schemeClr val="accent1"/>
+          </a:fillRef>
+          <a:effectRef idx="0">
+            <a:schemeClr val="accent1"/>
+          </a:effectRef>
+          <a:fontRef idx="minor">
+            <a:schemeClr val="tx1"/>
+          </a:fontRef>
+        </p:style>
+      </p:cxnSp>
+      <p:cxnSp>
+        <p:nvCxnSpPr>
+          <p:cNvPr id="81" name="Straight Connector 80">
+            <a:extLst>
+              <a:ext uri="{FF2B5EF4-FFF2-40B4-BE49-F238E27FC236}">
+                <a16:creationId xmlns:a16="http://schemas.microsoft.com/office/drawing/2014/main" id="{38596753-00A2-8599-8475-249D5E170184}"/>
+              </a:ext>
+            </a:extLst>
+          </p:cNvPr>
+          <p:cNvCxnSpPr>
+            <a:cxnSpLocks/>
+          </p:cNvCxnSpPr>
+          <p:nvPr/>
+        </p:nvCxnSpPr>
+        <p:spPr>
+          <a:xfrm flipV="1">
+            <a:off x="7346035" y="2387824"/>
+            <a:ext cx="0" cy="270770"/>
+          </a:xfrm>
+          <a:prstGeom prst="line">
+            <a:avLst/>
+          </a:prstGeom>
+          <a:ln w="19050">
+            <a:solidFill>
+              <a:schemeClr val="tx1"/>
+            </a:solidFill>
+            <a:prstDash val="sysDot"/>
+            <a:headEnd type="stealth" w="lg" len="lg"/>
+            <a:tailEnd type="stealth" w="lg" len="lg"/>
+          </a:ln>
+        </p:spPr>
+        <p:style>
+          <a:lnRef idx="1">
+            <a:schemeClr val="accent1"/>
+          </a:lnRef>
+          <a:fillRef idx="0">
+            <a:schemeClr val="accent1"/>
+          </a:fillRef>
+          <a:effectRef idx="0">
+            <a:schemeClr val="accent1"/>
+          </a:effectRef>
+          <a:fontRef idx="minor">
+            <a:schemeClr val="tx1"/>
+          </a:fontRef>
+        </p:style>
+      </p:cxnSp>
+      <p:sp>
+        <p:nvSpPr>
+          <p:cNvPr id="93" name="Folded Corner 10">
+            <a:extLst>
+              <a:ext uri="{FF2B5EF4-FFF2-40B4-BE49-F238E27FC236}">
+                <a16:creationId xmlns:a16="http://schemas.microsoft.com/office/drawing/2014/main" id="{987AB72A-6933-EF8B-990E-704B5FF325C4}"/>
               </a:ext>
             </a:extLst>
           </p:cNvPr>
@@ -22723,18 +23035,16 @@
           <p:nvPr/>
         </p:nvSpPr>
         <p:spPr>
-          <a:xfrm>
-            <a:off x="3694774" y="1894538"/>
-            <a:ext cx="925198" cy="582302"/>
-          </a:xfrm>
-          <a:prstGeom prst="rect">
-            <a:avLst/>
-          </a:prstGeom>
-          <a:solidFill>
-            <a:schemeClr val="bg2">
-              <a:lumMod val="90000"/>
-            </a:schemeClr>
-          </a:solidFill>
+          <a:xfrm rot="16200000">
+            <a:off x="8208939" y="1676147"/>
+            <a:ext cx="498585" cy="925196"/>
+          </a:xfrm>
+          <a:prstGeom prst="foldedCorner">
+            <a:avLst>
+              <a:gd name="adj" fmla="val 32707"/>
+            </a:avLst>
+          </a:prstGeom>
+          <a:noFill/>
           <a:ln w="19050">
             <a:solidFill>
               <a:schemeClr val="tx1"/>
@@ -22767,1114 +23077,6 @@
           <a:lstStyle/>
           <a:p>
             <a:pPr algn="ctr"/>
-            <a:endParaRPr lang="en-GB" sz="1000"/>
-          </a:p>
-        </p:txBody>
-      </p:sp>
-      <p:sp>
-        <p:nvSpPr>
-          <p:cNvPr id="46" name="Rectangle 45">
-            <a:extLst>
-              <a:ext uri="{FF2B5EF4-FFF2-40B4-BE49-F238E27FC236}">
-                <a16:creationId xmlns:a16="http://schemas.microsoft.com/office/drawing/2014/main" id="{3FFE0581-B36F-AADE-156E-B81C02467D2D}"/>
-              </a:ext>
-            </a:extLst>
-          </p:cNvPr>
-          <p:cNvSpPr/>
-          <p:nvPr/>
-        </p:nvSpPr>
-        <p:spPr>
-          <a:xfrm>
-            <a:off x="4779686" y="1889316"/>
-            <a:ext cx="925198" cy="582302"/>
-          </a:xfrm>
-          <a:prstGeom prst="rect">
-            <a:avLst/>
-          </a:prstGeom>
-          <a:solidFill>
-            <a:schemeClr val="bg2">
-              <a:lumMod val="90000"/>
-            </a:schemeClr>
-          </a:solidFill>
-          <a:ln w="19050">
-            <a:solidFill>
-              <a:schemeClr val="tx1"/>
-            </a:solidFill>
-          </a:ln>
-        </p:spPr>
-        <p:style>
-          <a:lnRef idx="2">
-            <a:schemeClr val="accent1">
-              <a:shade val="50000"/>
-            </a:schemeClr>
-          </a:lnRef>
-          <a:fillRef idx="1">
-            <a:schemeClr val="accent1"/>
-          </a:fillRef>
-          <a:effectRef idx="0">
-            <a:schemeClr val="accent1"/>
-          </a:effectRef>
-          <a:fontRef idx="minor">
-            <a:schemeClr val="lt1"/>
-          </a:fontRef>
-        </p:style>
-        <p:txBody>
-          <a:bodyPr rot="0" spcFirstLastPara="0" vertOverflow="overflow" horzOverflow="overflow" vert="horz" wrap="square" lIns="68580" tIns="34291" rIns="68580" bIns="34291" numCol="1" spcCol="0" rtlCol="0" fromWordArt="0" anchor="ctr" anchorCtr="0" forceAA="0" compatLnSpc="1">
-            <a:prstTxWarp prst="textNoShape">
-              <a:avLst/>
-            </a:prstTxWarp>
-            <a:noAutofit/>
-          </a:bodyPr>
-          <a:lstStyle/>
-          <a:p>
-            <a:pPr algn="ctr"/>
-            <a:endParaRPr lang="en-GB" sz="1000"/>
-          </a:p>
-        </p:txBody>
-      </p:sp>
-      <p:sp>
-        <p:nvSpPr>
-          <p:cNvPr id="48" name="Rectangle 47">
-            <a:extLst>
-              <a:ext uri="{FF2B5EF4-FFF2-40B4-BE49-F238E27FC236}">
-                <a16:creationId xmlns:a16="http://schemas.microsoft.com/office/drawing/2014/main" id="{6F163BBD-254F-0F75-E9F2-2504654EAF1B}"/>
-              </a:ext>
-            </a:extLst>
-          </p:cNvPr>
-          <p:cNvSpPr/>
-          <p:nvPr/>
-        </p:nvSpPr>
-        <p:spPr>
-          <a:xfrm>
-            <a:off x="5842983" y="1893740"/>
-            <a:ext cx="925198" cy="582302"/>
-          </a:xfrm>
-          <a:prstGeom prst="rect">
-            <a:avLst/>
-          </a:prstGeom>
-          <a:solidFill>
-            <a:schemeClr val="bg2">
-              <a:lumMod val="90000"/>
-            </a:schemeClr>
-          </a:solidFill>
-          <a:ln w="19050">
-            <a:solidFill>
-              <a:schemeClr val="tx1"/>
-            </a:solidFill>
-          </a:ln>
-        </p:spPr>
-        <p:style>
-          <a:lnRef idx="2">
-            <a:schemeClr val="accent1">
-              <a:shade val="50000"/>
-            </a:schemeClr>
-          </a:lnRef>
-          <a:fillRef idx="1">
-            <a:schemeClr val="accent1"/>
-          </a:fillRef>
-          <a:effectRef idx="0">
-            <a:schemeClr val="accent1"/>
-          </a:effectRef>
-          <a:fontRef idx="minor">
-            <a:schemeClr val="lt1"/>
-          </a:fontRef>
-        </p:style>
-        <p:txBody>
-          <a:bodyPr rot="0" spcFirstLastPara="0" vertOverflow="overflow" horzOverflow="overflow" vert="horz" wrap="square" lIns="68580" tIns="34291" rIns="68580" bIns="34291" numCol="1" spcCol="0" rtlCol="0" fromWordArt="0" anchor="ctr" anchorCtr="0" forceAA="0" compatLnSpc="1">
-            <a:prstTxWarp prst="textNoShape">
-              <a:avLst/>
-            </a:prstTxWarp>
-            <a:noAutofit/>
-          </a:bodyPr>
-          <a:lstStyle/>
-          <a:p>
-            <a:pPr algn="ctr"/>
-            <a:endParaRPr lang="en-GB" sz="1000"/>
-          </a:p>
-        </p:txBody>
-      </p:sp>
-      <p:sp>
-        <p:nvSpPr>
-          <p:cNvPr id="50" name="Rectangle 49">
-            <a:extLst>
-              <a:ext uri="{FF2B5EF4-FFF2-40B4-BE49-F238E27FC236}">
-                <a16:creationId xmlns:a16="http://schemas.microsoft.com/office/drawing/2014/main" id="{66F193F2-AA54-C29E-D7D5-F953F0B81960}"/>
-              </a:ext>
-            </a:extLst>
-          </p:cNvPr>
-          <p:cNvSpPr/>
-          <p:nvPr/>
-        </p:nvSpPr>
-        <p:spPr>
-          <a:xfrm>
-            <a:off x="6910643" y="1888518"/>
-            <a:ext cx="925198" cy="582302"/>
-          </a:xfrm>
-          <a:prstGeom prst="rect">
-            <a:avLst/>
-          </a:prstGeom>
-          <a:solidFill>
-            <a:schemeClr val="bg2">
-              <a:lumMod val="90000"/>
-            </a:schemeClr>
-          </a:solidFill>
-          <a:ln w="19050">
-            <a:solidFill>
-              <a:schemeClr val="tx1"/>
-            </a:solidFill>
-          </a:ln>
-        </p:spPr>
-        <p:style>
-          <a:lnRef idx="2">
-            <a:schemeClr val="accent1">
-              <a:shade val="50000"/>
-            </a:schemeClr>
-          </a:lnRef>
-          <a:fillRef idx="1">
-            <a:schemeClr val="accent1"/>
-          </a:fillRef>
-          <a:effectRef idx="0">
-            <a:schemeClr val="accent1"/>
-          </a:effectRef>
-          <a:fontRef idx="minor">
-            <a:schemeClr val="lt1"/>
-          </a:fontRef>
-        </p:style>
-        <p:txBody>
-          <a:bodyPr rot="0" spcFirstLastPara="0" vertOverflow="overflow" horzOverflow="overflow" vert="horz" wrap="square" lIns="68580" tIns="34291" rIns="68580" bIns="34291" numCol="1" spcCol="0" rtlCol="0" fromWordArt="0" anchor="ctr" anchorCtr="0" forceAA="0" compatLnSpc="1">
-            <a:prstTxWarp prst="textNoShape">
-              <a:avLst/>
-            </a:prstTxWarp>
-            <a:noAutofit/>
-          </a:bodyPr>
-          <a:lstStyle/>
-          <a:p>
-            <a:pPr algn="ctr"/>
-            <a:endParaRPr lang="en-GB" sz="1000"/>
-          </a:p>
-        </p:txBody>
-      </p:sp>
-      <p:cxnSp>
-        <p:nvCxnSpPr>
-          <p:cNvPr id="53" name="Straight Connector 52">
-            <a:extLst>
-              <a:ext uri="{FF2B5EF4-FFF2-40B4-BE49-F238E27FC236}">
-                <a16:creationId xmlns:a16="http://schemas.microsoft.com/office/drawing/2014/main" id="{E156901E-D064-938B-A053-94677106DE74}"/>
-              </a:ext>
-            </a:extLst>
-          </p:cNvPr>
-          <p:cNvCxnSpPr>
-            <a:cxnSpLocks/>
-          </p:cNvCxnSpPr>
-          <p:nvPr/>
-        </p:nvCxnSpPr>
-        <p:spPr>
-          <a:xfrm flipV="1">
-            <a:off x="1993571" y="1630885"/>
-            <a:ext cx="0" cy="270770"/>
-          </a:xfrm>
-          <a:prstGeom prst="line">
-            <a:avLst/>
-          </a:prstGeom>
-          <a:ln w="19050">
-            <a:solidFill>
-              <a:schemeClr val="tx1"/>
-            </a:solidFill>
-            <a:prstDash val="sysDot"/>
-            <a:headEnd type="stealth" w="lg" len="lg"/>
-            <a:tailEnd type="stealth" w="lg" len="lg"/>
-          </a:ln>
-        </p:spPr>
-        <p:style>
-          <a:lnRef idx="1">
-            <a:schemeClr val="accent1"/>
-          </a:lnRef>
-          <a:fillRef idx="0">
-            <a:schemeClr val="accent1"/>
-          </a:fillRef>
-          <a:effectRef idx="0">
-            <a:schemeClr val="accent1"/>
-          </a:effectRef>
-          <a:fontRef idx="minor">
-            <a:schemeClr val="tx1"/>
-          </a:fontRef>
-        </p:style>
-      </p:cxnSp>
-      <p:cxnSp>
-        <p:nvCxnSpPr>
-          <p:cNvPr id="55" name="Straight Connector 54">
-            <a:extLst>
-              <a:ext uri="{FF2B5EF4-FFF2-40B4-BE49-F238E27FC236}">
-                <a16:creationId xmlns:a16="http://schemas.microsoft.com/office/drawing/2014/main" id="{B3C5A03A-D2C4-7905-E021-054F39CB033C}"/>
-              </a:ext>
-            </a:extLst>
-          </p:cNvPr>
-          <p:cNvCxnSpPr>
-            <a:cxnSpLocks/>
-          </p:cNvCxnSpPr>
-          <p:nvPr/>
-        </p:nvCxnSpPr>
-        <p:spPr>
-          <a:xfrm flipV="1">
-            <a:off x="1984264" y="2477060"/>
-            <a:ext cx="0" cy="270770"/>
-          </a:xfrm>
-          <a:prstGeom prst="line">
-            <a:avLst/>
-          </a:prstGeom>
-          <a:ln w="19050">
-            <a:solidFill>
-              <a:schemeClr val="tx1"/>
-            </a:solidFill>
-            <a:prstDash val="sysDot"/>
-            <a:headEnd type="stealth" w="lg" len="lg"/>
-            <a:tailEnd type="stealth" w="lg" len="lg"/>
-          </a:ln>
-        </p:spPr>
-        <p:style>
-          <a:lnRef idx="1">
-            <a:schemeClr val="accent1"/>
-          </a:lnRef>
-          <a:fillRef idx="0">
-            <a:schemeClr val="accent1"/>
-          </a:fillRef>
-          <a:effectRef idx="0">
-            <a:schemeClr val="accent1"/>
-          </a:effectRef>
-          <a:fontRef idx="minor">
-            <a:schemeClr val="tx1"/>
-          </a:fontRef>
-        </p:style>
-      </p:cxnSp>
-      <p:sp>
-        <p:nvSpPr>
-          <p:cNvPr id="56" name="TextBox 55">
-            <a:extLst>
-              <a:ext uri="{FF2B5EF4-FFF2-40B4-BE49-F238E27FC236}">
-                <a16:creationId xmlns:a16="http://schemas.microsoft.com/office/drawing/2014/main" id="{DA44A2E7-CC87-1C79-DEDB-0B5F5919D3B0}"/>
-              </a:ext>
-            </a:extLst>
-          </p:cNvPr>
-          <p:cNvSpPr txBox="1"/>
-          <p:nvPr/>
-        </p:nvSpPr>
-        <p:spPr>
-          <a:xfrm>
-            <a:off x="3732010" y="2040298"/>
-            <a:ext cx="872201" cy="309893"/>
-          </a:xfrm>
-          <a:prstGeom prst="rect">
-            <a:avLst/>
-          </a:prstGeom>
-          <a:solidFill>
-            <a:schemeClr val="bg2">
-              <a:lumMod val="90000"/>
-            </a:schemeClr>
-          </a:solidFill>
-        </p:spPr>
-        <p:txBody>
-          <a:bodyPr wrap="square" lIns="0" tIns="0" rIns="0" bIns="0" rtlCol="0">
-            <a:spAutoFit/>
-          </a:bodyPr>
-          <a:lstStyle/>
-          <a:p>
-            <a:pPr algn="ctr">
-              <a:lnSpc>
-                <a:spcPts val="1200"/>
-              </a:lnSpc>
-            </a:pPr>
-            <a:r>
-              <a:rPr lang="en-GB" sz="1200" dirty="0"/>
-              <a:t>3. Data Management</a:t>
-            </a:r>
-          </a:p>
-        </p:txBody>
-      </p:sp>
-      <p:sp>
-        <p:nvSpPr>
-          <p:cNvPr id="57" name="TextBox 56">
-            <a:extLst>
-              <a:ext uri="{FF2B5EF4-FFF2-40B4-BE49-F238E27FC236}">
-                <a16:creationId xmlns:a16="http://schemas.microsoft.com/office/drawing/2014/main" id="{67E32EA5-6EF8-644D-41F9-6FEF327E5F2C}"/>
-              </a:ext>
-            </a:extLst>
-          </p:cNvPr>
-          <p:cNvSpPr txBox="1"/>
-          <p:nvPr/>
-        </p:nvSpPr>
-        <p:spPr>
-          <a:xfrm>
-            <a:off x="4820838" y="2115058"/>
-            <a:ext cx="857934" cy="156005"/>
-          </a:xfrm>
-          <a:prstGeom prst="rect">
-            <a:avLst/>
-          </a:prstGeom>
-          <a:solidFill>
-            <a:schemeClr val="bg2">
-              <a:lumMod val="90000"/>
-            </a:schemeClr>
-          </a:solidFill>
-        </p:spPr>
-        <p:txBody>
-          <a:bodyPr wrap="square" lIns="0" tIns="0" rIns="0" bIns="0" rtlCol="0">
-            <a:spAutoFit/>
-          </a:bodyPr>
-          <a:lstStyle/>
-          <a:p>
-            <a:pPr algn="ctr">
-              <a:lnSpc>
-                <a:spcPts val="1200"/>
-              </a:lnSpc>
-            </a:pPr>
-            <a:r>
-              <a:rPr lang="en-GB" sz="1200" dirty="0"/>
-              <a:t>4. Model EB</a:t>
-            </a:r>
-          </a:p>
-        </p:txBody>
-      </p:sp>
-      <p:sp>
-        <p:nvSpPr>
-          <p:cNvPr id="58" name="TextBox 57">
-            <a:extLst>
-              <a:ext uri="{FF2B5EF4-FFF2-40B4-BE49-F238E27FC236}">
-                <a16:creationId xmlns:a16="http://schemas.microsoft.com/office/drawing/2014/main" id="{276C5D89-067B-7003-467B-34075BACA9C6}"/>
-              </a:ext>
-            </a:extLst>
-          </p:cNvPr>
-          <p:cNvSpPr txBox="1"/>
-          <p:nvPr/>
-        </p:nvSpPr>
-        <p:spPr>
-          <a:xfrm>
-            <a:off x="5888317" y="2046986"/>
-            <a:ext cx="819482" cy="309893"/>
-          </a:xfrm>
-          <a:prstGeom prst="rect">
-            <a:avLst/>
-          </a:prstGeom>
-          <a:solidFill>
-            <a:schemeClr val="bg2">
-              <a:lumMod val="90000"/>
-            </a:schemeClr>
-          </a:solidFill>
-        </p:spPr>
-        <p:txBody>
-          <a:bodyPr wrap="square" lIns="0" tIns="0" rIns="0" bIns="0" rtlCol="0">
-            <a:spAutoFit/>
-          </a:bodyPr>
-          <a:lstStyle/>
-          <a:p>
-            <a:pPr algn="ctr">
-              <a:lnSpc>
-                <a:spcPts val="1200"/>
-              </a:lnSpc>
-            </a:pPr>
-            <a:r>
-              <a:rPr lang="en-GB" sz="1200" dirty="0"/>
-              <a:t>5. Model Verification</a:t>
-            </a:r>
-          </a:p>
-        </p:txBody>
-      </p:sp>
-      <p:sp>
-        <p:nvSpPr>
-          <p:cNvPr id="59" name="TextBox 58">
-            <a:extLst>
-              <a:ext uri="{FF2B5EF4-FFF2-40B4-BE49-F238E27FC236}">
-                <a16:creationId xmlns:a16="http://schemas.microsoft.com/office/drawing/2014/main" id="{8CBFD8D8-CB4D-75DA-1054-47679AAD7C6F}"/>
-              </a:ext>
-            </a:extLst>
-          </p:cNvPr>
-          <p:cNvSpPr txBox="1"/>
-          <p:nvPr/>
-        </p:nvSpPr>
-        <p:spPr>
-          <a:xfrm>
-            <a:off x="6951789" y="2036207"/>
-            <a:ext cx="857475" cy="309893"/>
-          </a:xfrm>
-          <a:prstGeom prst="rect">
-            <a:avLst/>
-          </a:prstGeom>
-          <a:solidFill>
-            <a:schemeClr val="bg2">
-              <a:lumMod val="90000"/>
-            </a:schemeClr>
-          </a:solidFill>
-        </p:spPr>
-        <p:txBody>
-          <a:bodyPr wrap="square" lIns="0" tIns="0" rIns="0" bIns="0" rtlCol="0">
-            <a:spAutoFit/>
-          </a:bodyPr>
-          <a:lstStyle/>
-          <a:p>
-            <a:pPr algn="ctr">
-              <a:lnSpc>
-                <a:spcPts val="1200"/>
-              </a:lnSpc>
-            </a:pPr>
-            <a:r>
-              <a:rPr lang="en-GB" sz="1200" dirty="0"/>
-              <a:t>6. Model Deployment</a:t>
-            </a:r>
-          </a:p>
-        </p:txBody>
-      </p:sp>
-      <p:cxnSp>
-        <p:nvCxnSpPr>
-          <p:cNvPr id="60" name="Straight Connector 59">
-            <a:extLst>
-              <a:ext uri="{FF2B5EF4-FFF2-40B4-BE49-F238E27FC236}">
-                <a16:creationId xmlns:a16="http://schemas.microsoft.com/office/drawing/2014/main" id="{8E2A1278-82BD-DEED-A416-04B9FC2060B1}"/>
-              </a:ext>
-            </a:extLst>
-          </p:cNvPr>
-          <p:cNvCxnSpPr>
-            <a:cxnSpLocks/>
-          </p:cNvCxnSpPr>
-          <p:nvPr/>
-        </p:nvCxnSpPr>
-        <p:spPr>
-          <a:xfrm flipH="1">
-            <a:off x="2451585" y="2212029"/>
-            <a:ext cx="153589" cy="0"/>
-          </a:xfrm>
-          <a:prstGeom prst="line">
-            <a:avLst/>
-          </a:prstGeom>
-          <a:ln w="19050">
-            <a:solidFill>
-              <a:schemeClr val="tx1"/>
-            </a:solidFill>
-            <a:prstDash val="solid"/>
-            <a:headEnd type="stealth" w="lg" len="lg"/>
-            <a:tailEnd type="none" w="lg" len="lg"/>
-          </a:ln>
-        </p:spPr>
-        <p:style>
-          <a:lnRef idx="1">
-            <a:schemeClr val="accent1"/>
-          </a:lnRef>
-          <a:fillRef idx="0">
-            <a:schemeClr val="accent1"/>
-          </a:fillRef>
-          <a:effectRef idx="0">
-            <a:schemeClr val="accent1"/>
-          </a:effectRef>
-          <a:fontRef idx="minor">
-            <a:schemeClr val="tx1"/>
-          </a:fontRef>
-        </p:style>
-      </p:cxnSp>
-      <p:cxnSp>
-        <p:nvCxnSpPr>
-          <p:cNvPr id="63" name="Straight Connector 62">
-            <a:extLst>
-              <a:ext uri="{FF2B5EF4-FFF2-40B4-BE49-F238E27FC236}">
-                <a16:creationId xmlns:a16="http://schemas.microsoft.com/office/drawing/2014/main" id="{83796595-E5FC-2235-E748-3B44863D9B83}"/>
-              </a:ext>
-            </a:extLst>
-          </p:cNvPr>
-          <p:cNvCxnSpPr>
-            <a:cxnSpLocks/>
-          </p:cNvCxnSpPr>
-          <p:nvPr/>
-        </p:nvCxnSpPr>
-        <p:spPr>
-          <a:xfrm flipH="1">
-            <a:off x="3531775" y="2207460"/>
-            <a:ext cx="162999" cy="0"/>
-          </a:xfrm>
-          <a:prstGeom prst="line">
-            <a:avLst/>
-          </a:prstGeom>
-          <a:ln w="19050">
-            <a:solidFill>
-              <a:schemeClr val="tx1"/>
-            </a:solidFill>
-            <a:prstDash val="solid"/>
-            <a:headEnd type="stealth" w="lg" len="lg"/>
-            <a:tailEnd type="none" w="lg" len="lg"/>
-          </a:ln>
-        </p:spPr>
-        <p:style>
-          <a:lnRef idx="1">
-            <a:schemeClr val="accent1"/>
-          </a:lnRef>
-          <a:fillRef idx="0">
-            <a:schemeClr val="accent1"/>
-          </a:fillRef>
-          <a:effectRef idx="0">
-            <a:schemeClr val="accent1"/>
-          </a:effectRef>
-          <a:fontRef idx="minor">
-            <a:schemeClr val="tx1"/>
-          </a:fontRef>
-        </p:style>
-      </p:cxnSp>
-      <p:cxnSp>
-        <p:nvCxnSpPr>
-          <p:cNvPr id="71" name="Straight Connector 70">
-            <a:extLst>
-              <a:ext uri="{FF2B5EF4-FFF2-40B4-BE49-F238E27FC236}">
-                <a16:creationId xmlns:a16="http://schemas.microsoft.com/office/drawing/2014/main" id="{7D036AC3-69E3-7FCE-1719-E1C3540F5C14}"/>
-              </a:ext>
-            </a:extLst>
-          </p:cNvPr>
-          <p:cNvCxnSpPr>
-            <a:cxnSpLocks/>
-          </p:cNvCxnSpPr>
-          <p:nvPr/>
-        </p:nvCxnSpPr>
-        <p:spPr>
-          <a:xfrm flipH="1" flipV="1">
-            <a:off x="6768181" y="2183756"/>
-            <a:ext cx="157937" cy="8630"/>
-          </a:xfrm>
-          <a:prstGeom prst="line">
-            <a:avLst/>
-          </a:prstGeom>
-          <a:ln w="19050">
-            <a:solidFill>
-              <a:schemeClr val="tx1"/>
-            </a:solidFill>
-            <a:prstDash val="solid"/>
-            <a:headEnd type="stealth" w="lg" len="lg"/>
-            <a:tailEnd type="none" w="lg" len="lg"/>
-          </a:ln>
-        </p:spPr>
-        <p:style>
-          <a:lnRef idx="1">
-            <a:schemeClr val="accent1"/>
-          </a:lnRef>
-          <a:fillRef idx="0">
-            <a:schemeClr val="accent1"/>
-          </a:fillRef>
-          <a:effectRef idx="0">
-            <a:schemeClr val="accent1"/>
-          </a:effectRef>
-          <a:fontRef idx="minor">
-            <a:schemeClr val="tx1"/>
-          </a:fontRef>
-        </p:style>
-      </p:cxnSp>
-      <p:cxnSp>
-        <p:nvCxnSpPr>
-          <p:cNvPr id="72" name="Straight Connector 71">
-            <a:extLst>
-              <a:ext uri="{FF2B5EF4-FFF2-40B4-BE49-F238E27FC236}">
-                <a16:creationId xmlns:a16="http://schemas.microsoft.com/office/drawing/2014/main" id="{4721D805-9AEC-C8F2-F8CB-BA56FB96699B}"/>
-              </a:ext>
-            </a:extLst>
-          </p:cNvPr>
-          <p:cNvCxnSpPr>
-            <a:cxnSpLocks/>
-          </p:cNvCxnSpPr>
-          <p:nvPr/>
-        </p:nvCxnSpPr>
-        <p:spPr>
-          <a:xfrm flipV="1">
-            <a:off x="3071422" y="1618362"/>
-            <a:ext cx="0" cy="270770"/>
-          </a:xfrm>
-          <a:prstGeom prst="line">
-            <a:avLst/>
-          </a:prstGeom>
-          <a:ln w="19050">
-            <a:solidFill>
-              <a:schemeClr val="tx1"/>
-            </a:solidFill>
-            <a:prstDash val="sysDot"/>
-            <a:headEnd type="stealth" w="lg" len="lg"/>
-            <a:tailEnd type="stealth" w="lg" len="lg"/>
-          </a:ln>
-        </p:spPr>
-        <p:style>
-          <a:lnRef idx="1">
-            <a:schemeClr val="accent1"/>
-          </a:lnRef>
-          <a:fillRef idx="0">
-            <a:schemeClr val="accent1"/>
-          </a:fillRef>
-          <a:effectRef idx="0">
-            <a:schemeClr val="accent1"/>
-          </a:effectRef>
-          <a:fontRef idx="minor">
-            <a:schemeClr val="tx1"/>
-          </a:fontRef>
-        </p:style>
-      </p:cxnSp>
-      <p:cxnSp>
-        <p:nvCxnSpPr>
-          <p:cNvPr id="73" name="Straight Connector 72">
-            <a:extLst>
-              <a:ext uri="{FF2B5EF4-FFF2-40B4-BE49-F238E27FC236}">
-                <a16:creationId xmlns:a16="http://schemas.microsoft.com/office/drawing/2014/main" id="{FA2A12A3-F852-68F9-B565-1B016F1B8A49}"/>
-              </a:ext>
-            </a:extLst>
-          </p:cNvPr>
-          <p:cNvCxnSpPr>
-            <a:cxnSpLocks/>
-          </p:cNvCxnSpPr>
-          <p:nvPr/>
-        </p:nvCxnSpPr>
-        <p:spPr>
-          <a:xfrm flipV="1">
-            <a:off x="4151587" y="1617748"/>
-            <a:ext cx="0" cy="270770"/>
-          </a:xfrm>
-          <a:prstGeom prst="line">
-            <a:avLst/>
-          </a:prstGeom>
-          <a:ln w="19050">
-            <a:solidFill>
-              <a:schemeClr val="tx1"/>
-            </a:solidFill>
-            <a:prstDash val="sysDot"/>
-            <a:headEnd type="stealth" w="lg" len="lg"/>
-            <a:tailEnd type="stealth" w="lg" len="lg"/>
-          </a:ln>
-        </p:spPr>
-        <p:style>
-          <a:lnRef idx="1">
-            <a:schemeClr val="accent1"/>
-          </a:lnRef>
-          <a:fillRef idx="0">
-            <a:schemeClr val="accent1"/>
-          </a:fillRef>
-          <a:effectRef idx="0">
-            <a:schemeClr val="accent1"/>
-          </a:effectRef>
-          <a:fontRef idx="minor">
-            <a:schemeClr val="tx1"/>
-          </a:fontRef>
-        </p:style>
-      </p:cxnSp>
-      <p:cxnSp>
-        <p:nvCxnSpPr>
-          <p:cNvPr id="74" name="Straight Connector 73">
-            <a:extLst>
-              <a:ext uri="{FF2B5EF4-FFF2-40B4-BE49-F238E27FC236}">
-                <a16:creationId xmlns:a16="http://schemas.microsoft.com/office/drawing/2014/main" id="{6F8D1740-4A82-E8B7-7084-80CB989C5A2C}"/>
-              </a:ext>
-            </a:extLst>
-          </p:cNvPr>
-          <p:cNvCxnSpPr>
-            <a:cxnSpLocks/>
-          </p:cNvCxnSpPr>
-          <p:nvPr/>
-        </p:nvCxnSpPr>
-        <p:spPr>
-          <a:xfrm flipV="1">
-            <a:off x="5232383" y="1613852"/>
-            <a:ext cx="0" cy="270770"/>
-          </a:xfrm>
-          <a:prstGeom prst="line">
-            <a:avLst/>
-          </a:prstGeom>
-          <a:ln w="19050">
-            <a:solidFill>
-              <a:schemeClr val="tx1"/>
-            </a:solidFill>
-            <a:prstDash val="sysDot"/>
-            <a:headEnd type="stealth" w="lg" len="lg"/>
-            <a:tailEnd type="stealth" w="lg" len="lg"/>
-          </a:ln>
-        </p:spPr>
-        <p:style>
-          <a:lnRef idx="1">
-            <a:schemeClr val="accent1"/>
-          </a:lnRef>
-          <a:fillRef idx="0">
-            <a:schemeClr val="accent1"/>
-          </a:fillRef>
-          <a:effectRef idx="0">
-            <a:schemeClr val="accent1"/>
-          </a:effectRef>
-          <a:fontRef idx="minor">
-            <a:schemeClr val="tx1"/>
-          </a:fontRef>
-        </p:style>
-      </p:cxnSp>
-      <p:cxnSp>
-        <p:nvCxnSpPr>
-          <p:cNvPr id="75" name="Straight Connector 74">
-            <a:extLst>
-              <a:ext uri="{FF2B5EF4-FFF2-40B4-BE49-F238E27FC236}">
-                <a16:creationId xmlns:a16="http://schemas.microsoft.com/office/drawing/2014/main" id="{D7618F92-4322-EED0-5174-BD1AED96DA09}"/>
-              </a:ext>
-            </a:extLst>
-          </p:cNvPr>
-          <p:cNvCxnSpPr>
-            <a:cxnSpLocks/>
-          </p:cNvCxnSpPr>
-          <p:nvPr/>
-        </p:nvCxnSpPr>
-        <p:spPr>
-          <a:xfrm flipV="1">
-            <a:off x="6281604" y="1634094"/>
-            <a:ext cx="0" cy="270770"/>
-          </a:xfrm>
-          <a:prstGeom prst="line">
-            <a:avLst/>
-          </a:prstGeom>
-          <a:ln w="19050">
-            <a:solidFill>
-              <a:schemeClr val="tx1"/>
-            </a:solidFill>
-            <a:prstDash val="sysDot"/>
-            <a:headEnd type="stealth" w="lg" len="lg"/>
-            <a:tailEnd type="stealth" w="lg" len="lg"/>
-          </a:ln>
-        </p:spPr>
-        <p:style>
-          <a:lnRef idx="1">
-            <a:schemeClr val="accent1"/>
-          </a:lnRef>
-          <a:fillRef idx="0">
-            <a:schemeClr val="accent1"/>
-          </a:fillRef>
-          <a:effectRef idx="0">
-            <a:schemeClr val="accent1"/>
-          </a:effectRef>
-          <a:fontRef idx="minor">
-            <a:schemeClr val="tx1"/>
-          </a:fontRef>
-        </p:style>
-      </p:cxnSp>
-      <p:cxnSp>
-        <p:nvCxnSpPr>
-          <p:cNvPr id="76" name="Straight Connector 75">
-            <a:extLst>
-              <a:ext uri="{FF2B5EF4-FFF2-40B4-BE49-F238E27FC236}">
-                <a16:creationId xmlns:a16="http://schemas.microsoft.com/office/drawing/2014/main" id="{CE8BBD98-AE3B-23A0-E337-A1087E06FE33}"/>
-              </a:ext>
-            </a:extLst>
-          </p:cNvPr>
-          <p:cNvCxnSpPr>
-            <a:cxnSpLocks/>
-          </p:cNvCxnSpPr>
-          <p:nvPr/>
-        </p:nvCxnSpPr>
-        <p:spPr>
-          <a:xfrm flipV="1">
-            <a:off x="7346061" y="1630885"/>
-            <a:ext cx="0" cy="270770"/>
-          </a:xfrm>
-          <a:prstGeom prst="line">
-            <a:avLst/>
-          </a:prstGeom>
-          <a:ln w="19050">
-            <a:solidFill>
-              <a:schemeClr val="tx1"/>
-            </a:solidFill>
-            <a:prstDash val="sysDot"/>
-            <a:headEnd type="stealth" w="lg" len="lg"/>
-            <a:tailEnd type="stealth" w="lg" len="lg"/>
-          </a:ln>
-        </p:spPr>
-        <p:style>
-          <a:lnRef idx="1">
-            <a:schemeClr val="accent1"/>
-          </a:lnRef>
-          <a:fillRef idx="0">
-            <a:schemeClr val="accent1"/>
-          </a:fillRef>
-          <a:effectRef idx="0">
-            <a:schemeClr val="accent1"/>
-          </a:effectRef>
-          <a:fontRef idx="minor">
-            <a:schemeClr val="tx1"/>
-          </a:fontRef>
-        </p:style>
-      </p:cxnSp>
-      <p:cxnSp>
-        <p:nvCxnSpPr>
-          <p:cNvPr id="77" name="Straight Connector 76">
-            <a:extLst>
-              <a:ext uri="{FF2B5EF4-FFF2-40B4-BE49-F238E27FC236}">
-                <a16:creationId xmlns:a16="http://schemas.microsoft.com/office/drawing/2014/main" id="{7F636869-032B-D32D-E52A-AAE3271F1B61}"/>
-              </a:ext>
-            </a:extLst>
-          </p:cNvPr>
-          <p:cNvCxnSpPr>
-            <a:cxnSpLocks/>
-          </p:cNvCxnSpPr>
-          <p:nvPr/>
-        </p:nvCxnSpPr>
-        <p:spPr>
-          <a:xfrm flipV="1">
-            <a:off x="3073528" y="2470820"/>
-            <a:ext cx="0" cy="270770"/>
-          </a:xfrm>
-          <a:prstGeom prst="line">
-            <a:avLst/>
-          </a:prstGeom>
-          <a:ln w="19050">
-            <a:solidFill>
-              <a:schemeClr val="tx1"/>
-            </a:solidFill>
-            <a:prstDash val="sysDot"/>
-            <a:headEnd type="stealth" w="lg" len="lg"/>
-            <a:tailEnd type="stealth" w="lg" len="lg"/>
-          </a:ln>
-        </p:spPr>
-        <p:style>
-          <a:lnRef idx="1">
-            <a:schemeClr val="accent1"/>
-          </a:lnRef>
-          <a:fillRef idx="0">
-            <a:schemeClr val="accent1"/>
-          </a:fillRef>
-          <a:effectRef idx="0">
-            <a:schemeClr val="accent1"/>
-          </a:effectRef>
-          <a:fontRef idx="minor">
-            <a:schemeClr val="tx1"/>
-          </a:fontRef>
-        </p:style>
-      </p:cxnSp>
-      <p:cxnSp>
-        <p:nvCxnSpPr>
-          <p:cNvPr id="78" name="Straight Connector 77">
-            <a:extLst>
-              <a:ext uri="{FF2B5EF4-FFF2-40B4-BE49-F238E27FC236}">
-                <a16:creationId xmlns:a16="http://schemas.microsoft.com/office/drawing/2014/main" id="{9611A07D-9C32-C7FA-0F94-4D51B3ED2DFF}"/>
-              </a:ext>
-            </a:extLst>
-          </p:cNvPr>
-          <p:cNvCxnSpPr>
-            <a:cxnSpLocks/>
-          </p:cNvCxnSpPr>
-          <p:nvPr/>
-        </p:nvCxnSpPr>
-        <p:spPr>
-          <a:xfrm flipV="1">
-            <a:off x="4151236" y="2482061"/>
-            <a:ext cx="0" cy="270770"/>
-          </a:xfrm>
-          <a:prstGeom prst="line">
-            <a:avLst/>
-          </a:prstGeom>
-          <a:ln w="19050">
-            <a:solidFill>
-              <a:schemeClr val="tx1"/>
-            </a:solidFill>
-            <a:prstDash val="sysDot"/>
-            <a:headEnd type="stealth" w="lg" len="lg"/>
-            <a:tailEnd type="stealth" w="lg" len="lg"/>
-          </a:ln>
-        </p:spPr>
-        <p:style>
-          <a:lnRef idx="1">
-            <a:schemeClr val="accent1"/>
-          </a:lnRef>
-          <a:fillRef idx="0">
-            <a:schemeClr val="accent1"/>
-          </a:fillRef>
-          <a:effectRef idx="0">
-            <a:schemeClr val="accent1"/>
-          </a:effectRef>
-          <a:fontRef idx="minor">
-            <a:schemeClr val="tx1"/>
-          </a:fontRef>
-        </p:style>
-      </p:cxnSp>
-      <p:cxnSp>
-        <p:nvCxnSpPr>
-          <p:cNvPr id="79" name="Straight Connector 78">
-            <a:extLst>
-              <a:ext uri="{FF2B5EF4-FFF2-40B4-BE49-F238E27FC236}">
-                <a16:creationId xmlns:a16="http://schemas.microsoft.com/office/drawing/2014/main" id="{106B37EC-B91D-C22D-3879-FE1608085D6A}"/>
-              </a:ext>
-            </a:extLst>
-          </p:cNvPr>
-          <p:cNvCxnSpPr>
-            <a:cxnSpLocks/>
-          </p:cNvCxnSpPr>
-          <p:nvPr/>
-        </p:nvCxnSpPr>
-        <p:spPr>
-          <a:xfrm flipV="1">
-            <a:off x="5242285" y="2482847"/>
-            <a:ext cx="0" cy="270770"/>
-          </a:xfrm>
-          <a:prstGeom prst="line">
-            <a:avLst/>
-          </a:prstGeom>
-          <a:ln w="19050">
-            <a:solidFill>
-              <a:schemeClr val="tx1"/>
-            </a:solidFill>
-            <a:prstDash val="sysDot"/>
-            <a:headEnd type="stealth" w="lg" len="lg"/>
-            <a:tailEnd type="stealth" w="lg" len="lg"/>
-          </a:ln>
-        </p:spPr>
-        <p:style>
-          <a:lnRef idx="1">
-            <a:schemeClr val="accent1"/>
-          </a:lnRef>
-          <a:fillRef idx="0">
-            <a:schemeClr val="accent1"/>
-          </a:fillRef>
-          <a:effectRef idx="0">
-            <a:schemeClr val="accent1"/>
-          </a:effectRef>
-          <a:fontRef idx="minor">
-            <a:schemeClr val="tx1"/>
-          </a:fontRef>
-        </p:style>
-      </p:cxnSp>
-      <p:cxnSp>
-        <p:nvCxnSpPr>
-          <p:cNvPr id="80" name="Straight Connector 79">
-            <a:extLst>
-              <a:ext uri="{FF2B5EF4-FFF2-40B4-BE49-F238E27FC236}">
-                <a16:creationId xmlns:a16="http://schemas.microsoft.com/office/drawing/2014/main" id="{2F895141-1C8D-9509-839B-3FD6FD8B549B}"/>
-              </a:ext>
-            </a:extLst>
-          </p:cNvPr>
-          <p:cNvCxnSpPr>
-            <a:cxnSpLocks/>
-          </p:cNvCxnSpPr>
-          <p:nvPr/>
-        </p:nvCxnSpPr>
-        <p:spPr>
-          <a:xfrm flipV="1">
-            <a:off x="6300132" y="2470820"/>
-            <a:ext cx="0" cy="270770"/>
-          </a:xfrm>
-          <a:prstGeom prst="line">
-            <a:avLst/>
-          </a:prstGeom>
-          <a:ln w="19050">
-            <a:solidFill>
-              <a:schemeClr val="tx1"/>
-            </a:solidFill>
-            <a:prstDash val="sysDot"/>
-            <a:headEnd type="stealth" w="lg" len="lg"/>
-            <a:tailEnd type="stealth" w="lg" len="lg"/>
-          </a:ln>
-        </p:spPr>
-        <p:style>
-          <a:lnRef idx="1">
-            <a:schemeClr val="accent1"/>
-          </a:lnRef>
-          <a:fillRef idx="0">
-            <a:schemeClr val="accent1"/>
-          </a:fillRef>
-          <a:effectRef idx="0">
-            <a:schemeClr val="accent1"/>
-          </a:effectRef>
-          <a:fontRef idx="minor">
-            <a:schemeClr val="tx1"/>
-          </a:fontRef>
-        </p:style>
-      </p:cxnSp>
-      <p:cxnSp>
-        <p:nvCxnSpPr>
-          <p:cNvPr id="81" name="Straight Connector 80">
-            <a:extLst>
-              <a:ext uri="{FF2B5EF4-FFF2-40B4-BE49-F238E27FC236}">
-                <a16:creationId xmlns:a16="http://schemas.microsoft.com/office/drawing/2014/main" id="{38596753-00A2-8599-8475-249D5E170184}"/>
-              </a:ext>
-            </a:extLst>
-          </p:cNvPr>
-          <p:cNvCxnSpPr>
-            <a:cxnSpLocks/>
-          </p:cNvCxnSpPr>
-          <p:nvPr/>
-        </p:nvCxnSpPr>
-        <p:spPr>
-          <a:xfrm flipV="1">
-            <a:off x="7346035" y="2477060"/>
-            <a:ext cx="0" cy="270770"/>
-          </a:xfrm>
-          <a:prstGeom prst="line">
-            <a:avLst/>
-          </a:prstGeom>
-          <a:ln w="19050">
-            <a:solidFill>
-              <a:schemeClr val="tx1"/>
-            </a:solidFill>
-            <a:prstDash val="sysDot"/>
-            <a:headEnd type="stealth" w="lg" len="lg"/>
-            <a:tailEnd type="stealth" w="lg" len="lg"/>
-          </a:ln>
-        </p:spPr>
-        <p:style>
-          <a:lnRef idx="1">
-            <a:schemeClr val="accent1"/>
-          </a:lnRef>
-          <a:fillRef idx="0">
-            <a:schemeClr val="accent1"/>
-          </a:fillRef>
-          <a:effectRef idx="0">
-            <a:schemeClr val="accent1"/>
-          </a:effectRef>
-          <a:fontRef idx="minor">
-            <a:schemeClr val="tx1"/>
-          </a:fontRef>
-        </p:style>
-      </p:cxnSp>
-      <p:sp>
-        <p:nvSpPr>
-          <p:cNvPr id="93" name="Folded Corner 10">
-            <a:extLst>
-              <a:ext uri="{FF2B5EF4-FFF2-40B4-BE49-F238E27FC236}">
-                <a16:creationId xmlns:a16="http://schemas.microsoft.com/office/drawing/2014/main" id="{987AB72A-6933-EF8B-990E-704B5FF325C4}"/>
-              </a:ext>
-            </a:extLst>
-          </p:cNvPr>
-          <p:cNvSpPr/>
-          <p:nvPr/>
-        </p:nvSpPr>
-        <p:spPr>
-          <a:xfrm rot="16200000">
-            <a:off x="8176809" y="1708277"/>
-            <a:ext cx="562845" cy="925196"/>
-          </a:xfrm>
-          <a:prstGeom prst="foldedCorner">
-            <a:avLst>
-              <a:gd name="adj" fmla="val 32707"/>
-            </a:avLst>
-          </a:prstGeom>
-          <a:noFill/>
-          <a:ln w="19050">
-            <a:solidFill>
-              <a:schemeClr val="tx1"/>
-            </a:solidFill>
-          </a:ln>
-        </p:spPr>
-        <p:style>
-          <a:lnRef idx="2">
-            <a:schemeClr val="accent1">
-              <a:shade val="50000"/>
-            </a:schemeClr>
-          </a:lnRef>
-          <a:fillRef idx="1">
-            <a:schemeClr val="accent1"/>
-          </a:fillRef>
-          <a:effectRef idx="0">
-            <a:schemeClr val="accent1"/>
-          </a:effectRef>
-          <a:fontRef idx="minor">
-            <a:schemeClr val="lt1"/>
-          </a:fontRef>
-        </p:style>
-        <p:txBody>
-          <a:bodyPr rot="0" spcFirstLastPara="0" vertOverflow="overflow" horzOverflow="overflow" vert="horz" wrap="square" lIns="68580" tIns="34291" rIns="68580" bIns="34291" numCol="1" spcCol="0" rtlCol="0" fromWordArt="0" anchor="ctr" anchorCtr="0" forceAA="0" compatLnSpc="1">
-            <a:prstTxWarp prst="textNoShape">
-              <a:avLst/>
-            </a:prstTxWarp>
-            <a:noAutofit/>
-          </a:bodyPr>
-          <a:lstStyle/>
-          <a:p>
-            <a:pPr algn="ctr"/>
             <a:endParaRPr lang="en-GB" sz="1000" dirty="0">
               <a:solidFill>
                 <a:schemeClr val="tx1"/>
@@ -23899,7 +23101,7 @@
         </p:nvCxnSpPr>
         <p:spPr>
           <a:xfrm flipH="1">
-            <a:off x="7843098" y="2192386"/>
+            <a:off x="7843098" y="2152626"/>
             <a:ext cx="153589" cy="0"/>
           </a:xfrm>
           <a:prstGeom prst="line">
@@ -23945,7 +23147,7 @@
         </p:nvCxnSpPr>
         <p:spPr>
           <a:xfrm flipH="1">
-            <a:off x="1382067" y="2226543"/>
+            <a:off x="1382067" y="2169743"/>
             <a:ext cx="153589" cy="0"/>
           </a:xfrm>
           <a:prstGeom prst="line">
@@ -23991,7 +23193,7 @@
         </p:nvCxnSpPr>
         <p:spPr>
           <a:xfrm>
-            <a:off x="836762" y="2874604"/>
+            <a:off x="836762" y="2745781"/>
             <a:ext cx="682966" cy="0"/>
           </a:xfrm>
           <a:prstGeom prst="line">
@@ -24035,7 +23237,7 @@
         </p:nvCxnSpPr>
         <p:spPr>
           <a:xfrm>
-            <a:off x="836762" y="1501198"/>
+            <a:off x="836762" y="1534754"/>
             <a:ext cx="682966" cy="0"/>
           </a:xfrm>
           <a:prstGeom prst="line">
@@ -24080,8 +23282,8 @@
         </p:nvCxnSpPr>
         <p:spPr>
           <a:xfrm>
-            <a:off x="842274" y="1504517"/>
-            <a:ext cx="0" cy="403784"/>
+            <a:off x="842274" y="1534754"/>
+            <a:ext cx="0" cy="373547"/>
           </a:xfrm>
           <a:prstGeom prst="line">
             <a:avLst/>
@@ -24124,8 +23326,8 @@
         </p:nvCxnSpPr>
         <p:spPr>
           <a:xfrm>
-            <a:off x="7781185" y="1501198"/>
-            <a:ext cx="631085" cy="0"/>
+            <a:off x="7791132" y="1534754"/>
+            <a:ext cx="636014" cy="0"/>
           </a:xfrm>
           <a:prstGeom prst="line">
             <a:avLst/>
@@ -24168,8 +23370,8 @@
         </p:nvCxnSpPr>
         <p:spPr>
           <a:xfrm>
-            <a:off x="8458232" y="2456847"/>
-            <a:ext cx="0" cy="416506"/>
+            <a:off x="8452552" y="2388038"/>
+            <a:ext cx="0" cy="346652"/>
           </a:xfrm>
           <a:prstGeom prst="line">
             <a:avLst/>
@@ -24212,8 +23414,8 @@
         </p:nvCxnSpPr>
         <p:spPr>
           <a:xfrm flipV="1">
-            <a:off x="842713" y="2478891"/>
-            <a:ext cx="0" cy="389913"/>
+            <a:off x="842713" y="2390840"/>
+            <a:ext cx="0" cy="356126"/>
           </a:xfrm>
           <a:prstGeom prst="line">
             <a:avLst/>
@@ -24257,8 +23459,8 @@
         </p:nvCxnSpPr>
         <p:spPr>
           <a:xfrm>
-            <a:off x="8429813" y="1499539"/>
-            <a:ext cx="3013" cy="389914"/>
+            <a:off x="8427146" y="1534754"/>
+            <a:ext cx="0" cy="354699"/>
           </a:xfrm>
           <a:prstGeom prst="line">
             <a:avLst/>
@@ -24302,7 +23504,7 @@
         </p:nvCxnSpPr>
         <p:spPr>
           <a:xfrm flipH="1">
-            <a:off x="7799758" y="2868804"/>
+            <a:off x="7791132" y="2729502"/>
             <a:ext cx="658474" cy="0"/>
           </a:xfrm>
           <a:prstGeom prst="line">
@@ -24347,7 +23549,7 @@
         </p:nvCxnSpPr>
         <p:spPr>
           <a:xfrm flipH="1">
-            <a:off x="4626097" y="2207460"/>
+            <a:off x="4626097" y="2150660"/>
             <a:ext cx="153589" cy="0"/>
           </a:xfrm>
           <a:prstGeom prst="line">
@@ -24392,9 +23594,9 @@
           <p:nvPr/>
         </p:nvCxnSpPr>
         <p:spPr>
-          <a:xfrm flipH="1">
-            <a:off x="5704884" y="2206060"/>
-            <a:ext cx="153589" cy="0"/>
+          <a:xfrm flipH="1" flipV="1">
+            <a:off x="5711603" y="2153260"/>
+            <a:ext cx="138099" cy="4863"/>
           </a:xfrm>
           <a:prstGeom prst="line">
             <a:avLst/>
@@ -24425,10 +23627,10 @@
       </p:cxnSp>
       <p:pic>
         <p:nvPicPr>
-          <p:cNvPr id="126" name="Picture 125">
-            <a:extLst>
-              <a:ext uri="{FF2B5EF4-FFF2-40B4-BE49-F238E27FC236}">
-                <a16:creationId xmlns:a16="http://schemas.microsoft.com/office/drawing/2014/main" id="{EB7BA1C0-16C1-0AE8-0A54-281A77BDF342}"/>
+          <p:cNvPr id="149" name="Picture 148">
+            <a:extLst>
+              <a:ext uri="{FF2B5EF4-FFF2-40B4-BE49-F238E27FC236}">
+                <a16:creationId xmlns:a16="http://schemas.microsoft.com/office/drawing/2014/main" id="{64FF2701-E688-7AE5-3B48-C66CB1CC2C83}"/>
               </a:ext>
             </a:extLst>
           </p:cNvPr>
@@ -24439,22 +23641,17 @@
         </p:nvPicPr>
         <p:blipFill rotWithShape="1">
           <a:blip r:embed="rId2"/>
-          <a:srcRect l="434" t="6108" r="442" b="3868"/>
+          <a:srcRect t="1291" r="223" b="1416"/>
           <a:stretch/>
         </p:blipFill>
         <p:spPr>
           <a:xfrm>
-            <a:off x="445724" y="-2780085"/>
-            <a:ext cx="12084943" cy="2336261"/>
+            <a:off x="0" y="3576411"/>
+            <a:ext cx="12164731" cy="1994642"/>
           </a:xfrm>
           <a:prstGeom prst="rect">
             <a:avLst/>
           </a:prstGeom>
-          <a:ln>
-            <a:solidFill>
-              <a:schemeClr val="bg1"/>
-            </a:solidFill>
-          </a:ln>
         </p:spPr>
       </p:pic>
     </p:spTree>
